--- a/Desktop Contacts App/Presentation/Desktop Contact App.pptx
+++ b/Desktop Contacts App/Presentation/Desktop Contact App.pptx
@@ -152,6 +152,11 @@
       </a:defRPr>
     </a:lvl9pPr>
   </p:defaultTextStyle>
+  <p:extLst>
+    <p:ext uri="{EFAFB233-063F-42B5-8137-9DF3F51BA10A}">
+      <p15:sldGuideLst xmlns:p15="http://schemas.microsoft.com/office/powerpoint/2012/main"/>
+    </p:ext>
+  </p:extLst>
 </p:presentation>
 </file>
 
@@ -304,7 +309,7 @@
           <a:p>
             <a:fld id="{0130F632-3587-46A3-BE91-C508DE594BFA}" type="datetimeFigureOut">
               <a:rPr lang="en-GB" smtClean="0"/>
-              <a:t>06/06/2025</a:t>
+              <a:t>10/06/2025</a:t>
             </a:fld>
             <a:endParaRPr lang="en-GB"/>
           </a:p>
@@ -504,7 +509,7 @@
           <a:p>
             <a:fld id="{0130F632-3587-46A3-BE91-C508DE594BFA}" type="datetimeFigureOut">
               <a:rPr lang="en-GB" smtClean="0"/>
-              <a:t>06/06/2025</a:t>
+              <a:t>10/06/2025</a:t>
             </a:fld>
             <a:endParaRPr lang="en-GB"/>
           </a:p>
@@ -714,7 +719,7 @@
           <a:p>
             <a:fld id="{0130F632-3587-46A3-BE91-C508DE594BFA}" type="datetimeFigureOut">
               <a:rPr lang="en-GB" smtClean="0"/>
-              <a:t>06/06/2025</a:t>
+              <a:t>10/06/2025</a:t>
             </a:fld>
             <a:endParaRPr lang="en-GB"/>
           </a:p>
@@ -914,7 +919,7 @@
           <a:p>
             <a:fld id="{0130F632-3587-46A3-BE91-C508DE594BFA}" type="datetimeFigureOut">
               <a:rPr lang="en-GB" smtClean="0"/>
-              <a:t>06/06/2025</a:t>
+              <a:t>10/06/2025</a:t>
             </a:fld>
             <a:endParaRPr lang="en-GB"/>
           </a:p>
@@ -1190,7 +1195,7 @@
           <a:p>
             <a:fld id="{0130F632-3587-46A3-BE91-C508DE594BFA}" type="datetimeFigureOut">
               <a:rPr lang="en-GB" smtClean="0"/>
-              <a:t>06/06/2025</a:t>
+              <a:t>10/06/2025</a:t>
             </a:fld>
             <a:endParaRPr lang="en-GB"/>
           </a:p>
@@ -1458,7 +1463,7 @@
           <a:p>
             <a:fld id="{0130F632-3587-46A3-BE91-C508DE594BFA}" type="datetimeFigureOut">
               <a:rPr lang="en-GB" smtClean="0"/>
-              <a:t>06/06/2025</a:t>
+              <a:t>10/06/2025</a:t>
             </a:fld>
             <a:endParaRPr lang="en-GB"/>
           </a:p>
@@ -1873,7 +1878,7 @@
           <a:p>
             <a:fld id="{0130F632-3587-46A3-BE91-C508DE594BFA}" type="datetimeFigureOut">
               <a:rPr lang="en-GB" smtClean="0"/>
-              <a:t>06/06/2025</a:t>
+              <a:t>10/06/2025</a:t>
             </a:fld>
             <a:endParaRPr lang="en-GB"/>
           </a:p>
@@ -2015,7 +2020,7 @@
           <a:p>
             <a:fld id="{0130F632-3587-46A3-BE91-C508DE594BFA}" type="datetimeFigureOut">
               <a:rPr lang="en-GB" smtClean="0"/>
-              <a:t>06/06/2025</a:t>
+              <a:t>10/06/2025</a:t>
             </a:fld>
             <a:endParaRPr lang="en-GB"/>
           </a:p>
@@ -2128,7 +2133,7 @@
           <a:p>
             <a:fld id="{0130F632-3587-46A3-BE91-C508DE594BFA}" type="datetimeFigureOut">
               <a:rPr lang="en-GB" smtClean="0"/>
-              <a:t>06/06/2025</a:t>
+              <a:t>10/06/2025</a:t>
             </a:fld>
             <a:endParaRPr lang="en-GB"/>
           </a:p>
@@ -2441,7 +2446,7 @@
           <a:p>
             <a:fld id="{0130F632-3587-46A3-BE91-C508DE594BFA}" type="datetimeFigureOut">
               <a:rPr lang="en-GB" smtClean="0"/>
-              <a:t>06/06/2025</a:t>
+              <a:t>10/06/2025</a:t>
             </a:fld>
             <a:endParaRPr lang="en-GB"/>
           </a:p>
@@ -2730,7 +2735,7 @@
           <a:p>
             <a:fld id="{0130F632-3587-46A3-BE91-C508DE594BFA}" type="datetimeFigureOut">
               <a:rPr lang="en-GB" smtClean="0"/>
-              <a:t>06/06/2025</a:t>
+              <a:t>10/06/2025</a:t>
             </a:fld>
             <a:endParaRPr lang="en-GB"/>
           </a:p>
@@ -2973,7 +2978,7 @@
           <a:p>
             <a:fld id="{0130F632-3587-46A3-BE91-C508DE594BFA}" type="datetimeFigureOut">
               <a:rPr lang="en-GB" smtClean="0"/>
-              <a:t>06/06/2025</a:t>
+              <a:t>10/06/2025</a:t>
             </a:fld>
             <a:endParaRPr lang="en-GB"/>
           </a:p>
@@ -3491,6 +3496,754 @@
           <a:chExt cx="0" cy="0"/>
         </a:xfrm>
       </p:grpSpPr>
+      <p:sp>
+        <p:nvSpPr>
+          <p:cNvPr id="3" name="TextBox 2">
+            <a:extLst>
+              <a:ext uri="{FF2B5EF4-FFF2-40B4-BE49-F238E27FC236}">
+                <a16:creationId xmlns:a16="http://schemas.microsoft.com/office/drawing/2014/main" id="{12286236-B068-5693-4923-9E7F490D7281}"/>
+              </a:ext>
+            </a:extLst>
+          </p:cNvPr>
+          <p:cNvSpPr txBox="1"/>
+          <p:nvPr/>
+        </p:nvSpPr>
+        <p:spPr>
+          <a:xfrm>
+            <a:off x="217170" y="228243"/>
+            <a:ext cx="11155680" cy="3693319"/>
+          </a:xfrm>
+          <a:prstGeom prst="rect">
+            <a:avLst/>
+          </a:prstGeom>
+          <a:noFill/>
+        </p:spPr>
+        <p:txBody>
+          <a:bodyPr wrap="square">
+            <a:spAutoFit/>
+          </a:bodyPr>
+          <a:lstStyle/>
+          <a:p>
+            <a:r>
+              <a:rPr lang="en-GB" sz="1800" dirty="0">
+                <a:solidFill>
+                  <a:schemeClr val="bg1">
+                    <a:lumMod val="65000"/>
+                  </a:schemeClr>
+                </a:solidFill>
+                <a:highlight>
+                  <a:srgbClr val="FFFFFF"/>
+                </a:highlight>
+                <a:latin typeface="Cascadia Mono" panose="020B0609020000020004" pitchFamily="49" charset="0"/>
+              </a:rPr>
+              <a:t> &lt;</a:t>
+            </a:r>
+            <a:r>
+              <a:rPr lang="en-GB" sz="1800" dirty="0" err="1">
+                <a:solidFill>
+                  <a:schemeClr val="bg1">
+                    <a:lumMod val="65000"/>
+                  </a:schemeClr>
+                </a:solidFill>
+                <a:highlight>
+                  <a:srgbClr val="FFFFFF"/>
+                </a:highlight>
+                <a:latin typeface="Cascadia Mono" panose="020B0609020000020004" pitchFamily="49" charset="0"/>
+              </a:rPr>
+              <a:t>ListView</a:t>
+            </a:r>
+            <a:r>
+              <a:rPr lang="en-GB" sz="1800" dirty="0">
+                <a:solidFill>
+                  <a:schemeClr val="bg1">
+                    <a:lumMod val="65000"/>
+                  </a:schemeClr>
+                </a:solidFill>
+                <a:highlight>
+                  <a:srgbClr val="FFFFFF"/>
+                </a:highlight>
+                <a:latin typeface="Cascadia Mono" panose="020B0609020000020004" pitchFamily="49" charset="0"/>
+              </a:rPr>
+              <a:t> x:Name="contactsListView"</a:t>
+            </a:r>
+          </a:p>
+          <a:p>
+            <a:r>
+              <a:rPr lang="en-GB" sz="1800" dirty="0">
+                <a:solidFill>
+                  <a:schemeClr val="bg1">
+                    <a:lumMod val="65000"/>
+                  </a:schemeClr>
+                </a:solidFill>
+                <a:highlight>
+                  <a:srgbClr val="FFFFFF"/>
+                </a:highlight>
+                <a:latin typeface="Cascadia Mono" panose="020B0609020000020004" pitchFamily="49" charset="0"/>
+              </a:rPr>
+              <a:t>            Margin="0, 5, 0, 0"&gt;</a:t>
+            </a:r>
+          </a:p>
+          <a:p>
+            <a:r>
+              <a:rPr lang="en-GB" sz="1800" dirty="0">
+                <a:solidFill>
+                  <a:srgbClr val="000000"/>
+                </a:solidFill>
+                <a:highlight>
+                  <a:srgbClr val="FFFFFF"/>
+                </a:highlight>
+                <a:latin typeface="Cascadia Mono" panose="020B0609020000020004" pitchFamily="49" charset="0"/>
+              </a:rPr>
+              <a:t>        </a:t>
+            </a:r>
+            <a:r>
+              <a:rPr lang="en-GB" sz="1800" dirty="0">
+                <a:solidFill>
+                  <a:srgbClr val="0000FF"/>
+                </a:solidFill>
+                <a:highlight>
+                  <a:srgbClr val="FFFFFF"/>
+                </a:highlight>
+                <a:latin typeface="Cascadia Mono" panose="020B0609020000020004" pitchFamily="49" charset="0"/>
+              </a:rPr>
+              <a:t>&lt;</a:t>
+            </a:r>
+            <a:r>
+              <a:rPr lang="en-GB" sz="1800" dirty="0" err="1">
+                <a:solidFill>
+                  <a:srgbClr val="A31515"/>
+                </a:solidFill>
+                <a:highlight>
+                  <a:srgbClr val="FFFFFF"/>
+                </a:highlight>
+                <a:latin typeface="Cascadia Mono" panose="020B0609020000020004" pitchFamily="49" charset="0"/>
+              </a:rPr>
+              <a:t>ListView.ItemContainerStyle</a:t>
+            </a:r>
+            <a:r>
+              <a:rPr lang="en-GB" sz="1800" dirty="0">
+                <a:solidFill>
+                  <a:srgbClr val="0000FF"/>
+                </a:solidFill>
+                <a:highlight>
+                  <a:srgbClr val="FFFFFF"/>
+                </a:highlight>
+                <a:latin typeface="Cascadia Mono" panose="020B0609020000020004" pitchFamily="49" charset="0"/>
+              </a:rPr>
+              <a:t>&gt;</a:t>
+            </a:r>
+          </a:p>
+          <a:p>
+            <a:r>
+              <a:rPr lang="en-GB" sz="1800" dirty="0">
+                <a:solidFill>
+                  <a:srgbClr val="000000"/>
+                </a:solidFill>
+                <a:highlight>
+                  <a:srgbClr val="FFFFFF"/>
+                </a:highlight>
+                <a:latin typeface="Cascadia Mono" panose="020B0609020000020004" pitchFamily="49" charset="0"/>
+              </a:rPr>
+              <a:t>            </a:t>
+            </a:r>
+            <a:r>
+              <a:rPr lang="en-GB" sz="1800" dirty="0">
+                <a:solidFill>
+                  <a:srgbClr val="0000FF"/>
+                </a:solidFill>
+                <a:highlight>
+                  <a:srgbClr val="FFFFFF"/>
+                </a:highlight>
+                <a:latin typeface="Cascadia Mono" panose="020B0609020000020004" pitchFamily="49" charset="0"/>
+              </a:rPr>
+              <a:t>&lt;</a:t>
+            </a:r>
+            <a:r>
+              <a:rPr lang="en-GB" sz="1800" dirty="0">
+                <a:solidFill>
+                  <a:srgbClr val="A31515"/>
+                </a:solidFill>
+                <a:highlight>
+                  <a:srgbClr val="FFFFFF"/>
+                </a:highlight>
+                <a:latin typeface="Cascadia Mono" panose="020B0609020000020004" pitchFamily="49" charset="0"/>
+              </a:rPr>
+              <a:t>Style</a:t>
+            </a:r>
+            <a:r>
+              <a:rPr lang="en-GB" sz="1800" dirty="0">
+                <a:solidFill>
+                  <a:srgbClr val="FF0000"/>
+                </a:solidFill>
+                <a:highlight>
+                  <a:srgbClr val="FFFFFF"/>
+                </a:highlight>
+                <a:latin typeface="Cascadia Mono" panose="020B0609020000020004" pitchFamily="49" charset="0"/>
+              </a:rPr>
+              <a:t> </a:t>
+            </a:r>
+            <a:r>
+              <a:rPr lang="en-GB" sz="1800" dirty="0" err="1">
+                <a:solidFill>
+                  <a:srgbClr val="FF0000"/>
+                </a:solidFill>
+                <a:highlight>
+                  <a:srgbClr val="FFFFFF"/>
+                </a:highlight>
+                <a:latin typeface="Cascadia Mono" panose="020B0609020000020004" pitchFamily="49" charset="0"/>
+              </a:rPr>
+              <a:t>TargetType</a:t>
+            </a:r>
+            <a:r>
+              <a:rPr lang="en-GB" sz="1800" dirty="0">
+                <a:solidFill>
+                  <a:srgbClr val="0000FF"/>
+                </a:solidFill>
+                <a:highlight>
+                  <a:srgbClr val="FFFFFF"/>
+                </a:highlight>
+                <a:latin typeface="Cascadia Mono" panose="020B0609020000020004" pitchFamily="49" charset="0"/>
+              </a:rPr>
+              <a:t>="</a:t>
+            </a:r>
+            <a:r>
+              <a:rPr lang="en-GB" sz="1800" dirty="0" err="1">
+                <a:solidFill>
+                  <a:srgbClr val="0000FF"/>
+                </a:solidFill>
+                <a:highlight>
+                  <a:srgbClr val="FFFFFF"/>
+                </a:highlight>
+                <a:latin typeface="Cascadia Mono" panose="020B0609020000020004" pitchFamily="49" charset="0"/>
+              </a:rPr>
+              <a:t>ListViewItem</a:t>
+            </a:r>
+            <a:r>
+              <a:rPr lang="en-GB" sz="1800" dirty="0">
+                <a:solidFill>
+                  <a:srgbClr val="0000FF"/>
+                </a:solidFill>
+                <a:highlight>
+                  <a:srgbClr val="FFFFFF"/>
+                </a:highlight>
+                <a:latin typeface="Cascadia Mono" panose="020B0609020000020004" pitchFamily="49" charset="0"/>
+              </a:rPr>
+              <a:t>"&gt;</a:t>
+            </a:r>
+          </a:p>
+          <a:p>
+            <a:r>
+              <a:rPr lang="en-GB" sz="1800" dirty="0">
+                <a:solidFill>
+                  <a:srgbClr val="000000"/>
+                </a:solidFill>
+                <a:highlight>
+                  <a:srgbClr val="FFFFFF"/>
+                </a:highlight>
+                <a:latin typeface="Cascadia Mono" panose="020B0609020000020004" pitchFamily="49" charset="0"/>
+              </a:rPr>
+              <a:t>                </a:t>
+            </a:r>
+            <a:r>
+              <a:rPr lang="en-GB" sz="1800" dirty="0">
+                <a:solidFill>
+                  <a:srgbClr val="0000FF"/>
+                </a:solidFill>
+                <a:highlight>
+                  <a:srgbClr val="FFFFFF"/>
+                </a:highlight>
+                <a:latin typeface="Cascadia Mono" panose="020B0609020000020004" pitchFamily="49" charset="0"/>
+              </a:rPr>
+              <a:t>&lt;</a:t>
+            </a:r>
+            <a:r>
+              <a:rPr lang="en-GB" sz="1800" dirty="0">
+                <a:solidFill>
+                  <a:srgbClr val="A31515"/>
+                </a:solidFill>
+                <a:highlight>
+                  <a:srgbClr val="FFFFFF"/>
+                </a:highlight>
+                <a:latin typeface="Cascadia Mono" panose="020B0609020000020004" pitchFamily="49" charset="0"/>
+              </a:rPr>
+              <a:t>Setter</a:t>
+            </a:r>
+            <a:r>
+              <a:rPr lang="en-GB" sz="1800" dirty="0">
+                <a:solidFill>
+                  <a:srgbClr val="FF0000"/>
+                </a:solidFill>
+                <a:highlight>
+                  <a:srgbClr val="FFFFFF"/>
+                </a:highlight>
+                <a:latin typeface="Cascadia Mono" panose="020B0609020000020004" pitchFamily="49" charset="0"/>
+              </a:rPr>
+              <a:t> Property</a:t>
+            </a:r>
+            <a:r>
+              <a:rPr lang="en-GB" sz="1800" dirty="0">
+                <a:solidFill>
+                  <a:srgbClr val="0000FF"/>
+                </a:solidFill>
+                <a:highlight>
+                  <a:srgbClr val="FFFFFF"/>
+                </a:highlight>
+                <a:latin typeface="Cascadia Mono" panose="020B0609020000020004" pitchFamily="49" charset="0"/>
+              </a:rPr>
+              <a:t>="</a:t>
+            </a:r>
+            <a:r>
+              <a:rPr lang="en-GB" sz="1800" dirty="0" err="1">
+                <a:solidFill>
+                  <a:srgbClr val="0000FF"/>
+                </a:solidFill>
+                <a:highlight>
+                  <a:srgbClr val="FFFFFF"/>
+                </a:highlight>
+                <a:latin typeface="Cascadia Mono" panose="020B0609020000020004" pitchFamily="49" charset="0"/>
+              </a:rPr>
+              <a:t>HorizontalContentAlignment</a:t>
+            </a:r>
+            <a:r>
+              <a:rPr lang="en-GB" sz="1800" dirty="0">
+                <a:solidFill>
+                  <a:srgbClr val="0000FF"/>
+                </a:solidFill>
+                <a:highlight>
+                  <a:srgbClr val="FFFFFF"/>
+                </a:highlight>
+                <a:latin typeface="Cascadia Mono" panose="020B0609020000020004" pitchFamily="49" charset="0"/>
+              </a:rPr>
+              <a:t>"</a:t>
+            </a:r>
+            <a:r>
+              <a:rPr lang="en-GB" sz="1800" dirty="0">
+                <a:solidFill>
+                  <a:srgbClr val="FF0000"/>
+                </a:solidFill>
+                <a:highlight>
+                  <a:srgbClr val="FFFFFF"/>
+                </a:highlight>
+                <a:latin typeface="Cascadia Mono" panose="020B0609020000020004" pitchFamily="49" charset="0"/>
+              </a:rPr>
+              <a:t> Value</a:t>
+            </a:r>
+            <a:r>
+              <a:rPr lang="en-GB" sz="1800" dirty="0">
+                <a:solidFill>
+                  <a:srgbClr val="0000FF"/>
+                </a:solidFill>
+                <a:highlight>
+                  <a:srgbClr val="FFFFFF"/>
+                </a:highlight>
+                <a:latin typeface="Cascadia Mono" panose="020B0609020000020004" pitchFamily="49" charset="0"/>
+              </a:rPr>
+              <a:t>="Stretch"/&gt;</a:t>
+            </a:r>
+          </a:p>
+          <a:p>
+            <a:r>
+              <a:rPr lang="en-GB" sz="1800" dirty="0">
+                <a:solidFill>
+                  <a:srgbClr val="000000"/>
+                </a:solidFill>
+                <a:highlight>
+                  <a:srgbClr val="FFFFFF"/>
+                </a:highlight>
+                <a:latin typeface="Cascadia Mono" panose="020B0609020000020004" pitchFamily="49" charset="0"/>
+              </a:rPr>
+              <a:t>            </a:t>
+            </a:r>
+            <a:r>
+              <a:rPr lang="en-GB" sz="1800" dirty="0">
+                <a:solidFill>
+                  <a:srgbClr val="0000FF"/>
+                </a:solidFill>
+                <a:highlight>
+                  <a:srgbClr val="FFFFFF"/>
+                </a:highlight>
+                <a:latin typeface="Cascadia Mono" panose="020B0609020000020004" pitchFamily="49" charset="0"/>
+              </a:rPr>
+              <a:t>&lt;/</a:t>
+            </a:r>
+            <a:r>
+              <a:rPr lang="en-GB" sz="1800" dirty="0">
+                <a:solidFill>
+                  <a:srgbClr val="A31515"/>
+                </a:solidFill>
+                <a:highlight>
+                  <a:srgbClr val="FFFFFF"/>
+                </a:highlight>
+                <a:latin typeface="Cascadia Mono" panose="020B0609020000020004" pitchFamily="49" charset="0"/>
+              </a:rPr>
+              <a:t>Style</a:t>
+            </a:r>
+            <a:r>
+              <a:rPr lang="en-GB" sz="1800" dirty="0">
+                <a:solidFill>
+                  <a:srgbClr val="0000FF"/>
+                </a:solidFill>
+                <a:highlight>
+                  <a:srgbClr val="FFFFFF"/>
+                </a:highlight>
+                <a:latin typeface="Cascadia Mono" panose="020B0609020000020004" pitchFamily="49" charset="0"/>
+              </a:rPr>
+              <a:t>&gt;</a:t>
+            </a:r>
+          </a:p>
+          <a:p>
+            <a:r>
+              <a:rPr lang="en-GB" sz="1800" dirty="0">
+                <a:solidFill>
+                  <a:srgbClr val="000000"/>
+                </a:solidFill>
+                <a:highlight>
+                  <a:srgbClr val="FFFFFF"/>
+                </a:highlight>
+                <a:latin typeface="Cascadia Mono" panose="020B0609020000020004" pitchFamily="49" charset="0"/>
+              </a:rPr>
+              <a:t>        </a:t>
+            </a:r>
+            <a:r>
+              <a:rPr lang="en-GB" sz="1800" dirty="0">
+                <a:solidFill>
+                  <a:srgbClr val="0000FF"/>
+                </a:solidFill>
+                <a:highlight>
+                  <a:srgbClr val="FFFFFF"/>
+                </a:highlight>
+                <a:latin typeface="Cascadia Mono" panose="020B0609020000020004" pitchFamily="49" charset="0"/>
+              </a:rPr>
+              <a:t>&lt;/</a:t>
+            </a:r>
+            <a:r>
+              <a:rPr lang="en-GB" sz="1800" dirty="0" err="1">
+                <a:solidFill>
+                  <a:srgbClr val="A31515"/>
+                </a:solidFill>
+                <a:highlight>
+                  <a:srgbClr val="FFFFFF"/>
+                </a:highlight>
+                <a:latin typeface="Cascadia Mono" panose="020B0609020000020004" pitchFamily="49" charset="0"/>
+              </a:rPr>
+              <a:t>ListView.ItemContainerStyle</a:t>
+            </a:r>
+            <a:r>
+              <a:rPr lang="en-GB" sz="1800" dirty="0">
+                <a:solidFill>
+                  <a:srgbClr val="0000FF"/>
+                </a:solidFill>
+                <a:highlight>
+                  <a:srgbClr val="FFFFFF"/>
+                </a:highlight>
+                <a:latin typeface="Cascadia Mono" panose="020B0609020000020004" pitchFamily="49" charset="0"/>
+              </a:rPr>
+              <a:t>&gt;</a:t>
+            </a:r>
+          </a:p>
+          <a:p>
+            <a:r>
+              <a:rPr lang="en-GB" sz="1800" dirty="0">
+                <a:solidFill>
+                  <a:schemeClr val="bg1">
+                    <a:lumMod val="65000"/>
+                  </a:schemeClr>
+                </a:solidFill>
+                <a:highlight>
+                  <a:srgbClr val="FFFFFF"/>
+                </a:highlight>
+                <a:latin typeface="Cascadia Mono" panose="020B0609020000020004" pitchFamily="49" charset="0"/>
+              </a:rPr>
+              <a:t>        &lt;</a:t>
+            </a:r>
+            <a:r>
+              <a:rPr lang="en-GB" sz="1800" dirty="0" err="1">
+                <a:solidFill>
+                  <a:schemeClr val="bg1">
+                    <a:lumMod val="65000"/>
+                  </a:schemeClr>
+                </a:solidFill>
+                <a:highlight>
+                  <a:srgbClr val="FFFFFF"/>
+                </a:highlight>
+                <a:latin typeface="Cascadia Mono" panose="020B0609020000020004" pitchFamily="49" charset="0"/>
+              </a:rPr>
+              <a:t>ListView.ItemTemplate</a:t>
+            </a:r>
+            <a:r>
+              <a:rPr lang="en-GB" sz="1800" dirty="0">
+                <a:solidFill>
+                  <a:schemeClr val="bg1">
+                    <a:lumMod val="65000"/>
+                  </a:schemeClr>
+                </a:solidFill>
+                <a:highlight>
+                  <a:srgbClr val="FFFFFF"/>
+                </a:highlight>
+                <a:latin typeface="Cascadia Mono" panose="020B0609020000020004" pitchFamily="49" charset="0"/>
+              </a:rPr>
+              <a:t>&gt;</a:t>
+            </a:r>
+          </a:p>
+          <a:p>
+            <a:r>
+              <a:rPr lang="en-GB" sz="1800" dirty="0">
+                <a:solidFill>
+                  <a:schemeClr val="bg1">
+                    <a:lumMod val="65000"/>
+                  </a:schemeClr>
+                </a:solidFill>
+                <a:highlight>
+                  <a:srgbClr val="FFFFFF"/>
+                </a:highlight>
+                <a:latin typeface="Cascadia Mono" panose="020B0609020000020004" pitchFamily="49" charset="0"/>
+              </a:rPr>
+              <a:t>            &lt;</a:t>
+            </a:r>
+            <a:r>
+              <a:rPr lang="en-GB" sz="1800" dirty="0" err="1">
+                <a:solidFill>
+                  <a:schemeClr val="bg1">
+                    <a:lumMod val="65000"/>
+                  </a:schemeClr>
+                </a:solidFill>
+                <a:highlight>
+                  <a:srgbClr val="FFFFFF"/>
+                </a:highlight>
+                <a:latin typeface="Cascadia Mono" panose="020B0609020000020004" pitchFamily="49" charset="0"/>
+              </a:rPr>
+              <a:t>DataTemplate</a:t>
+            </a:r>
+            <a:r>
+              <a:rPr lang="en-GB" sz="1800" dirty="0">
+                <a:solidFill>
+                  <a:schemeClr val="bg1">
+                    <a:lumMod val="65000"/>
+                  </a:schemeClr>
+                </a:solidFill>
+                <a:highlight>
+                  <a:srgbClr val="FFFFFF"/>
+                </a:highlight>
+                <a:latin typeface="Cascadia Mono" panose="020B0609020000020004" pitchFamily="49" charset="0"/>
+              </a:rPr>
+              <a:t>&gt;</a:t>
+            </a:r>
+          </a:p>
+          <a:p>
+            <a:r>
+              <a:rPr lang="en-GB" sz="1800" dirty="0">
+                <a:solidFill>
+                  <a:schemeClr val="bg1">
+                    <a:lumMod val="65000"/>
+                  </a:schemeClr>
+                </a:solidFill>
+                <a:highlight>
+                  <a:srgbClr val="FFFFFF"/>
+                </a:highlight>
+                <a:latin typeface="Cascadia Mono" panose="020B0609020000020004" pitchFamily="49" charset="0"/>
+              </a:rPr>
+              <a:t>                &lt;</a:t>
+            </a:r>
+            <a:r>
+              <a:rPr lang="en-GB" sz="1800" dirty="0" err="1">
+                <a:solidFill>
+                  <a:schemeClr val="bg1">
+                    <a:lumMod val="65000"/>
+                  </a:schemeClr>
+                </a:solidFill>
+                <a:highlight>
+                  <a:srgbClr val="FFFFFF"/>
+                </a:highlight>
+                <a:latin typeface="Cascadia Mono" panose="020B0609020000020004" pitchFamily="49" charset="0"/>
+              </a:rPr>
+              <a:t>userControls:ContactControl</a:t>
+            </a:r>
+            <a:r>
+              <a:rPr lang="en-GB" sz="1800" dirty="0">
+                <a:solidFill>
+                  <a:schemeClr val="bg1">
+                    <a:lumMod val="65000"/>
+                  </a:schemeClr>
+                </a:solidFill>
+                <a:highlight>
+                  <a:srgbClr val="FFFFFF"/>
+                </a:highlight>
+                <a:latin typeface="Cascadia Mono" panose="020B0609020000020004" pitchFamily="49" charset="0"/>
+              </a:rPr>
+              <a:t> Contact="{Binding}"/&gt;</a:t>
+            </a:r>
+          </a:p>
+          <a:p>
+            <a:r>
+              <a:rPr lang="en-GB" sz="1800" dirty="0">
+                <a:solidFill>
+                  <a:schemeClr val="bg1">
+                    <a:lumMod val="65000"/>
+                  </a:schemeClr>
+                </a:solidFill>
+                <a:highlight>
+                  <a:srgbClr val="FFFFFF"/>
+                </a:highlight>
+                <a:latin typeface="Cascadia Mono" panose="020B0609020000020004" pitchFamily="49" charset="0"/>
+              </a:rPr>
+              <a:t>            &lt;/</a:t>
+            </a:r>
+            <a:r>
+              <a:rPr lang="en-GB" sz="1800" dirty="0" err="1">
+                <a:solidFill>
+                  <a:schemeClr val="bg1">
+                    <a:lumMod val="65000"/>
+                  </a:schemeClr>
+                </a:solidFill>
+                <a:highlight>
+                  <a:srgbClr val="FFFFFF"/>
+                </a:highlight>
+                <a:latin typeface="Cascadia Mono" panose="020B0609020000020004" pitchFamily="49" charset="0"/>
+              </a:rPr>
+              <a:t>DataTemplate</a:t>
+            </a:r>
+            <a:r>
+              <a:rPr lang="en-GB" sz="1800" dirty="0">
+                <a:solidFill>
+                  <a:schemeClr val="bg1">
+                    <a:lumMod val="65000"/>
+                  </a:schemeClr>
+                </a:solidFill>
+                <a:highlight>
+                  <a:srgbClr val="FFFFFF"/>
+                </a:highlight>
+                <a:latin typeface="Cascadia Mono" panose="020B0609020000020004" pitchFamily="49" charset="0"/>
+              </a:rPr>
+              <a:t>&gt;</a:t>
+            </a:r>
+          </a:p>
+          <a:p>
+            <a:r>
+              <a:rPr lang="en-GB" sz="1800" dirty="0">
+                <a:solidFill>
+                  <a:schemeClr val="bg1">
+                    <a:lumMod val="65000"/>
+                  </a:schemeClr>
+                </a:solidFill>
+                <a:highlight>
+                  <a:srgbClr val="FFFFFF"/>
+                </a:highlight>
+                <a:latin typeface="Cascadia Mono" panose="020B0609020000020004" pitchFamily="49" charset="0"/>
+              </a:rPr>
+              <a:t>        &lt;/</a:t>
+            </a:r>
+            <a:r>
+              <a:rPr lang="en-GB" sz="1800" dirty="0" err="1">
+                <a:solidFill>
+                  <a:schemeClr val="bg1">
+                    <a:lumMod val="65000"/>
+                  </a:schemeClr>
+                </a:solidFill>
+                <a:highlight>
+                  <a:srgbClr val="FFFFFF"/>
+                </a:highlight>
+                <a:latin typeface="Cascadia Mono" panose="020B0609020000020004" pitchFamily="49" charset="0"/>
+              </a:rPr>
+              <a:t>ListView.ItemTemplate</a:t>
+            </a:r>
+            <a:r>
+              <a:rPr lang="en-GB" sz="1800" dirty="0">
+                <a:solidFill>
+                  <a:schemeClr val="bg1">
+                    <a:lumMod val="65000"/>
+                  </a:schemeClr>
+                </a:solidFill>
+                <a:highlight>
+                  <a:srgbClr val="FFFFFF"/>
+                </a:highlight>
+                <a:latin typeface="Cascadia Mono" panose="020B0609020000020004" pitchFamily="49" charset="0"/>
+              </a:rPr>
+              <a:t>&gt;</a:t>
+            </a:r>
+          </a:p>
+          <a:p>
+            <a:r>
+              <a:rPr lang="en-GB" sz="1800" dirty="0">
+                <a:solidFill>
+                  <a:schemeClr val="bg1">
+                    <a:lumMod val="65000"/>
+                  </a:schemeClr>
+                </a:solidFill>
+                <a:highlight>
+                  <a:srgbClr val="FFFFFF"/>
+                </a:highlight>
+                <a:latin typeface="Cascadia Mono" panose="020B0609020000020004" pitchFamily="49" charset="0"/>
+              </a:rPr>
+              <a:t>    &lt;/</a:t>
+            </a:r>
+            <a:r>
+              <a:rPr lang="en-GB" sz="1800" dirty="0" err="1">
+                <a:solidFill>
+                  <a:schemeClr val="bg1">
+                    <a:lumMod val="65000"/>
+                  </a:schemeClr>
+                </a:solidFill>
+                <a:highlight>
+                  <a:srgbClr val="FFFFFF"/>
+                </a:highlight>
+                <a:latin typeface="Cascadia Mono" panose="020B0609020000020004" pitchFamily="49" charset="0"/>
+              </a:rPr>
+              <a:t>ListView</a:t>
+            </a:r>
+            <a:r>
+              <a:rPr lang="en-GB" sz="1800" dirty="0">
+                <a:solidFill>
+                  <a:schemeClr val="bg1">
+                    <a:lumMod val="65000"/>
+                  </a:schemeClr>
+                </a:solidFill>
+                <a:highlight>
+                  <a:srgbClr val="FFFFFF"/>
+                </a:highlight>
+                <a:latin typeface="Cascadia Mono" panose="020B0609020000020004" pitchFamily="49" charset="0"/>
+              </a:rPr>
+              <a:t>&gt;</a:t>
+            </a:r>
+            <a:endParaRPr lang="en-GB" dirty="0">
+              <a:solidFill>
+                <a:schemeClr val="bg1">
+                  <a:lumMod val="65000"/>
+                </a:schemeClr>
+              </a:solidFill>
+            </a:endParaRPr>
+          </a:p>
+        </p:txBody>
+      </p:sp>
+      <p:pic>
+        <p:nvPicPr>
+          <p:cNvPr id="5" name="Picture 4">
+            <a:extLst>
+              <a:ext uri="{FF2B5EF4-FFF2-40B4-BE49-F238E27FC236}">
+                <a16:creationId xmlns:a16="http://schemas.microsoft.com/office/drawing/2014/main" id="{A0F4D687-FEB2-724B-8766-C0027736AFC0}"/>
+              </a:ext>
+            </a:extLst>
+          </p:cNvPr>
+          <p:cNvPicPr>
+            <a:picLocks noChangeAspect="1"/>
+          </p:cNvPicPr>
+          <p:nvPr/>
+        </p:nvPicPr>
+        <p:blipFill>
+          <a:blip r:embed="rId2"/>
+          <a:stretch>
+            <a:fillRect/>
+          </a:stretch>
+        </p:blipFill>
+        <p:spPr>
+          <a:xfrm>
+            <a:off x="5727700" y="3292767"/>
+            <a:ext cx="5949204" cy="3336990"/>
+          </a:xfrm>
+          <a:prstGeom prst="rect">
+            <a:avLst/>
+          </a:prstGeom>
+        </p:spPr>
+      </p:pic>
     </p:spTree>
     <p:extLst>
       <p:ext uri="{BB962C8B-B14F-4D97-AF65-F5344CB8AC3E}">
@@ -3527,6 +4280,347 @@
           <a:chExt cx="0" cy="0"/>
         </a:xfrm>
       </p:grpSpPr>
+      <p:sp>
+        <p:nvSpPr>
+          <p:cNvPr id="5" name="TextBox 4">
+            <a:extLst>
+              <a:ext uri="{FF2B5EF4-FFF2-40B4-BE49-F238E27FC236}">
+                <a16:creationId xmlns:a16="http://schemas.microsoft.com/office/drawing/2014/main" id="{9C1FF3BD-DAA8-8D7E-EA30-C3C686A53225}"/>
+              </a:ext>
+            </a:extLst>
+          </p:cNvPr>
+          <p:cNvSpPr txBox="1"/>
+          <p:nvPr/>
+        </p:nvSpPr>
+        <p:spPr>
+          <a:xfrm>
+            <a:off x="558800" y="1397675"/>
+            <a:ext cx="11188700" cy="2031325"/>
+          </a:xfrm>
+          <a:prstGeom prst="rect">
+            <a:avLst/>
+          </a:prstGeom>
+          <a:noFill/>
+        </p:spPr>
+        <p:txBody>
+          <a:bodyPr wrap="square">
+            <a:spAutoFit/>
+          </a:bodyPr>
+          <a:lstStyle/>
+          <a:p>
+            <a:r>
+              <a:rPr lang="en-GB" sz="1800" dirty="0">
+                <a:solidFill>
+                  <a:srgbClr val="000000"/>
+                </a:solidFill>
+                <a:highlight>
+                  <a:srgbClr val="FFFFFF"/>
+                </a:highlight>
+                <a:latin typeface="Cascadia Mono" panose="020B0609020000020004" pitchFamily="49" charset="0"/>
+              </a:rPr>
+              <a:t> </a:t>
+            </a:r>
+            <a:r>
+              <a:rPr lang="en-GB" sz="1800" dirty="0">
+                <a:solidFill>
+                  <a:srgbClr val="0000FF"/>
+                </a:solidFill>
+                <a:highlight>
+                  <a:srgbClr val="FFFFFF"/>
+                </a:highlight>
+                <a:latin typeface="Cascadia Mono" panose="020B0609020000020004" pitchFamily="49" charset="0"/>
+              </a:rPr>
+              <a:t>public</a:t>
+            </a:r>
+            <a:r>
+              <a:rPr lang="en-GB" sz="1800" dirty="0">
+                <a:solidFill>
+                  <a:srgbClr val="000000"/>
+                </a:solidFill>
+                <a:highlight>
+                  <a:srgbClr val="FFFFFF"/>
+                </a:highlight>
+                <a:latin typeface="Cascadia Mono" panose="020B0609020000020004" pitchFamily="49" charset="0"/>
+              </a:rPr>
+              <a:t> </a:t>
+            </a:r>
+            <a:r>
+              <a:rPr lang="en-GB" sz="1800" dirty="0" err="1">
+                <a:solidFill>
+                  <a:srgbClr val="2B91AF"/>
+                </a:solidFill>
+                <a:highlight>
+                  <a:srgbClr val="FFFFFF"/>
+                </a:highlight>
+                <a:latin typeface="Cascadia Mono" panose="020B0609020000020004" pitchFamily="49" charset="0"/>
+              </a:rPr>
+              <a:t>NewContactWindow</a:t>
+            </a:r>
+            <a:r>
+              <a:rPr lang="en-GB" sz="1800" dirty="0">
+                <a:solidFill>
+                  <a:srgbClr val="000000"/>
+                </a:solidFill>
+                <a:highlight>
+                  <a:srgbClr val="FFFFFF"/>
+                </a:highlight>
+                <a:latin typeface="Cascadia Mono" panose="020B0609020000020004" pitchFamily="49" charset="0"/>
+              </a:rPr>
+              <a:t>()</a:t>
+            </a:r>
+          </a:p>
+          <a:p>
+            <a:r>
+              <a:rPr lang="en-GB" sz="1800" dirty="0">
+                <a:solidFill>
+                  <a:srgbClr val="000000"/>
+                </a:solidFill>
+                <a:highlight>
+                  <a:srgbClr val="FFFFFF"/>
+                </a:highlight>
+                <a:latin typeface="Cascadia Mono" panose="020B0609020000020004" pitchFamily="49" charset="0"/>
+              </a:rPr>
+              <a:t>        {</a:t>
+            </a:r>
+          </a:p>
+          <a:p>
+            <a:r>
+              <a:rPr lang="en-GB" sz="1800" dirty="0">
+                <a:solidFill>
+                  <a:srgbClr val="000000"/>
+                </a:solidFill>
+                <a:highlight>
+                  <a:srgbClr val="FFFFFF"/>
+                </a:highlight>
+                <a:latin typeface="Cascadia Mono" panose="020B0609020000020004" pitchFamily="49" charset="0"/>
+              </a:rPr>
+              <a:t>            </a:t>
+            </a:r>
+            <a:r>
+              <a:rPr lang="en-GB" sz="1800" dirty="0" err="1">
+                <a:solidFill>
+                  <a:srgbClr val="000000"/>
+                </a:solidFill>
+                <a:highlight>
+                  <a:srgbClr val="FFFFFF"/>
+                </a:highlight>
+                <a:latin typeface="Cascadia Mono" panose="020B0609020000020004" pitchFamily="49" charset="0"/>
+              </a:rPr>
+              <a:t>InitializeComponent</a:t>
+            </a:r>
+            <a:r>
+              <a:rPr lang="en-GB" sz="1800" dirty="0">
+                <a:solidFill>
+                  <a:srgbClr val="000000"/>
+                </a:solidFill>
+                <a:highlight>
+                  <a:srgbClr val="FFFFFF"/>
+                </a:highlight>
+                <a:latin typeface="Cascadia Mono" panose="020B0609020000020004" pitchFamily="49" charset="0"/>
+              </a:rPr>
+              <a:t>();</a:t>
+            </a:r>
+          </a:p>
+          <a:p>
+            <a:endParaRPr lang="en-GB" sz="1800" dirty="0">
+              <a:solidFill>
+                <a:srgbClr val="000000"/>
+              </a:solidFill>
+              <a:highlight>
+                <a:srgbClr val="FFFFFF"/>
+              </a:highlight>
+              <a:latin typeface="Cascadia Mono" panose="020B0609020000020004" pitchFamily="49" charset="0"/>
+            </a:endParaRPr>
+          </a:p>
+          <a:p>
+            <a:r>
+              <a:rPr lang="en-GB" sz="1800" dirty="0">
+                <a:solidFill>
+                  <a:srgbClr val="000000"/>
+                </a:solidFill>
+                <a:highlight>
+                  <a:srgbClr val="FFFFFF"/>
+                </a:highlight>
+                <a:latin typeface="Cascadia Mono" panose="020B0609020000020004" pitchFamily="49" charset="0"/>
+              </a:rPr>
+              <a:t>            Owner = </a:t>
+            </a:r>
+            <a:r>
+              <a:rPr lang="en-GB" sz="1800" dirty="0" err="1">
+                <a:solidFill>
+                  <a:srgbClr val="2B91AF"/>
+                </a:solidFill>
+                <a:highlight>
+                  <a:srgbClr val="FFFFFF"/>
+                </a:highlight>
+                <a:latin typeface="Cascadia Mono" panose="020B0609020000020004" pitchFamily="49" charset="0"/>
+              </a:rPr>
+              <a:t>Application</a:t>
+            </a:r>
+            <a:r>
+              <a:rPr lang="en-GB" sz="1800" dirty="0" err="1">
+                <a:solidFill>
+                  <a:srgbClr val="000000"/>
+                </a:solidFill>
+                <a:highlight>
+                  <a:srgbClr val="FFFFFF"/>
+                </a:highlight>
+                <a:latin typeface="Cascadia Mono" panose="020B0609020000020004" pitchFamily="49" charset="0"/>
+              </a:rPr>
+              <a:t>.Current.MainWindow</a:t>
+            </a:r>
+            <a:r>
+              <a:rPr lang="en-GB" sz="1800" dirty="0">
+                <a:solidFill>
+                  <a:srgbClr val="000000"/>
+                </a:solidFill>
+                <a:highlight>
+                  <a:srgbClr val="FFFFFF"/>
+                </a:highlight>
+                <a:latin typeface="Cascadia Mono" panose="020B0609020000020004" pitchFamily="49" charset="0"/>
+              </a:rPr>
+              <a:t>;</a:t>
+            </a:r>
+          </a:p>
+          <a:p>
+            <a:r>
+              <a:rPr lang="en-GB" sz="1800" dirty="0">
+                <a:solidFill>
+                  <a:srgbClr val="000000"/>
+                </a:solidFill>
+                <a:highlight>
+                  <a:srgbClr val="FFFFFF"/>
+                </a:highlight>
+                <a:latin typeface="Cascadia Mono" panose="020B0609020000020004" pitchFamily="49" charset="0"/>
+              </a:rPr>
+              <a:t>            </a:t>
+            </a:r>
+            <a:r>
+              <a:rPr lang="en-GB" sz="1800" dirty="0" err="1">
+                <a:solidFill>
+                  <a:srgbClr val="000000"/>
+                </a:solidFill>
+                <a:highlight>
+                  <a:srgbClr val="FFFFFF"/>
+                </a:highlight>
+                <a:latin typeface="Cascadia Mono" panose="020B0609020000020004" pitchFamily="49" charset="0"/>
+              </a:rPr>
+              <a:t>WindowStartupLocation</a:t>
+            </a:r>
+            <a:r>
+              <a:rPr lang="en-GB" sz="1800" dirty="0">
+                <a:solidFill>
+                  <a:srgbClr val="000000"/>
+                </a:solidFill>
+                <a:highlight>
+                  <a:srgbClr val="FFFFFF"/>
+                </a:highlight>
+                <a:latin typeface="Cascadia Mono" panose="020B0609020000020004" pitchFamily="49" charset="0"/>
+              </a:rPr>
+              <a:t> = </a:t>
+            </a:r>
+            <a:r>
+              <a:rPr lang="en-GB" sz="1800" dirty="0" err="1">
+                <a:solidFill>
+                  <a:srgbClr val="2B91AF"/>
+                </a:solidFill>
+                <a:highlight>
+                  <a:srgbClr val="FFFFFF"/>
+                </a:highlight>
+                <a:latin typeface="Cascadia Mono" panose="020B0609020000020004" pitchFamily="49" charset="0"/>
+              </a:rPr>
+              <a:t>WindowStartupLocation</a:t>
+            </a:r>
+            <a:r>
+              <a:rPr lang="en-GB" sz="1800" dirty="0" err="1">
+                <a:solidFill>
+                  <a:srgbClr val="000000"/>
+                </a:solidFill>
+                <a:highlight>
+                  <a:srgbClr val="FFFFFF"/>
+                </a:highlight>
+                <a:latin typeface="Cascadia Mono" panose="020B0609020000020004" pitchFamily="49" charset="0"/>
+              </a:rPr>
+              <a:t>.CenterOwner</a:t>
+            </a:r>
+            <a:r>
+              <a:rPr lang="en-GB" sz="1800" dirty="0">
+                <a:solidFill>
+                  <a:srgbClr val="000000"/>
+                </a:solidFill>
+                <a:highlight>
+                  <a:srgbClr val="FFFFFF"/>
+                </a:highlight>
+                <a:latin typeface="Cascadia Mono" panose="020B0609020000020004" pitchFamily="49" charset="0"/>
+              </a:rPr>
+              <a:t>;</a:t>
+            </a:r>
+          </a:p>
+          <a:p>
+            <a:r>
+              <a:rPr lang="en-GB" sz="1800" dirty="0">
+                <a:solidFill>
+                  <a:srgbClr val="000000"/>
+                </a:solidFill>
+                <a:highlight>
+                  <a:srgbClr val="FFFFFF"/>
+                </a:highlight>
+                <a:latin typeface="Cascadia Mono" panose="020B0609020000020004" pitchFamily="49" charset="0"/>
+              </a:rPr>
+              <a:t>        }</a:t>
+            </a:r>
+            <a:endParaRPr lang="en-GB" dirty="0"/>
+          </a:p>
+        </p:txBody>
+      </p:sp>
+      <p:sp>
+        <p:nvSpPr>
+          <p:cNvPr id="6" name="TextBox 5">
+            <a:extLst>
+              <a:ext uri="{FF2B5EF4-FFF2-40B4-BE49-F238E27FC236}">
+                <a16:creationId xmlns:a16="http://schemas.microsoft.com/office/drawing/2014/main" id="{B2B9ECE8-9ED6-5413-FFD2-ECC03136AA3E}"/>
+              </a:ext>
+            </a:extLst>
+          </p:cNvPr>
+          <p:cNvSpPr txBox="1"/>
+          <p:nvPr/>
+        </p:nvSpPr>
+        <p:spPr>
+          <a:xfrm>
+            <a:off x="1079500" y="571500"/>
+            <a:ext cx="6000232" cy="369332"/>
+          </a:xfrm>
+          <a:prstGeom prst="rect">
+            <a:avLst/>
+          </a:prstGeom>
+          <a:noFill/>
+        </p:spPr>
+        <p:txBody>
+          <a:bodyPr wrap="none" rtlCol="0">
+            <a:spAutoFit/>
+          </a:bodyPr>
+          <a:lstStyle/>
+          <a:p>
+            <a:r>
+              <a:rPr lang="en-GB" dirty="0"/>
+              <a:t>This will start the new window in </a:t>
+            </a:r>
+            <a:r>
+              <a:rPr lang="en-GB" dirty="0" err="1"/>
+              <a:t>center</a:t>
+            </a:r>
+            <a:r>
+              <a:rPr lang="en-GB" dirty="0"/>
+              <a:t> of the </a:t>
+            </a:r>
+            <a:r>
+              <a:rPr lang="en-GB" dirty="0" err="1"/>
+              <a:t>MainWindow</a:t>
+            </a:r>
+            <a:endParaRPr lang="en-GB" dirty="0"/>
+          </a:p>
+        </p:txBody>
+      </p:sp>
     </p:spTree>
     <p:extLst>
       <p:ext uri="{BB962C8B-B14F-4D97-AF65-F5344CB8AC3E}">
@@ -3563,6 +4657,1205 @@
           <a:chExt cx="0" cy="0"/>
         </a:xfrm>
       </p:grpSpPr>
+      <p:sp>
+        <p:nvSpPr>
+          <p:cNvPr id="3" name="TextBox 2">
+            <a:extLst>
+              <a:ext uri="{FF2B5EF4-FFF2-40B4-BE49-F238E27FC236}">
+                <a16:creationId xmlns:a16="http://schemas.microsoft.com/office/drawing/2014/main" id="{4EB43FEF-47F6-ABD8-095B-20D90F6E5705}"/>
+              </a:ext>
+            </a:extLst>
+          </p:cNvPr>
+          <p:cNvSpPr txBox="1"/>
+          <p:nvPr/>
+        </p:nvSpPr>
+        <p:spPr>
+          <a:xfrm>
+            <a:off x="1460500" y="2061845"/>
+            <a:ext cx="9271000" cy="369332"/>
+          </a:xfrm>
+          <a:prstGeom prst="rect">
+            <a:avLst/>
+          </a:prstGeom>
+          <a:noFill/>
+        </p:spPr>
+        <p:txBody>
+          <a:bodyPr wrap="square">
+            <a:spAutoFit/>
+          </a:bodyPr>
+          <a:lstStyle/>
+          <a:p>
+            <a:endParaRPr lang="en-GB" dirty="0"/>
+          </a:p>
+        </p:txBody>
+      </p:sp>
+      <p:sp>
+        <p:nvSpPr>
+          <p:cNvPr id="7" name="TextBox 6">
+            <a:extLst>
+              <a:ext uri="{FF2B5EF4-FFF2-40B4-BE49-F238E27FC236}">
+                <a16:creationId xmlns:a16="http://schemas.microsoft.com/office/drawing/2014/main" id="{FDCAE155-865B-5C96-38D0-2EAEF223C581}"/>
+              </a:ext>
+            </a:extLst>
+          </p:cNvPr>
+          <p:cNvSpPr txBox="1"/>
+          <p:nvPr/>
+        </p:nvSpPr>
+        <p:spPr>
+          <a:xfrm>
+            <a:off x="292100" y="229255"/>
+            <a:ext cx="14363700" cy="3970318"/>
+          </a:xfrm>
+          <a:prstGeom prst="rect">
+            <a:avLst/>
+          </a:prstGeom>
+          <a:noFill/>
+        </p:spPr>
+        <p:txBody>
+          <a:bodyPr wrap="square">
+            <a:spAutoFit/>
+          </a:bodyPr>
+          <a:lstStyle/>
+          <a:p>
+            <a:r>
+              <a:rPr lang="en-GB" sz="1800" dirty="0">
+                <a:solidFill>
+                  <a:srgbClr val="0000FF"/>
+                </a:solidFill>
+                <a:highlight>
+                  <a:srgbClr val="FFFFFF"/>
+                </a:highlight>
+                <a:latin typeface="Cascadia Mono" panose="020B0609020000020004" pitchFamily="49" charset="0"/>
+              </a:rPr>
+              <a:t>&lt;</a:t>
+            </a:r>
+            <a:r>
+              <a:rPr lang="en-GB" sz="1800" dirty="0">
+                <a:solidFill>
+                  <a:srgbClr val="A31515"/>
+                </a:solidFill>
+                <a:highlight>
+                  <a:srgbClr val="FFFFFF"/>
+                </a:highlight>
+                <a:latin typeface="Cascadia Mono" panose="020B0609020000020004" pitchFamily="49" charset="0"/>
+              </a:rPr>
+              <a:t>Window</a:t>
+            </a:r>
+            <a:r>
+              <a:rPr lang="en-GB" sz="1800" dirty="0">
+                <a:solidFill>
+                  <a:srgbClr val="FF0000"/>
+                </a:solidFill>
+                <a:highlight>
+                  <a:srgbClr val="FFFFFF"/>
+                </a:highlight>
+                <a:latin typeface="Cascadia Mono" panose="020B0609020000020004" pitchFamily="49" charset="0"/>
+              </a:rPr>
+              <a:t> x</a:t>
+            </a:r>
+            <a:r>
+              <a:rPr lang="en-GB" sz="1800" dirty="0">
+                <a:solidFill>
+                  <a:srgbClr val="0000FF"/>
+                </a:solidFill>
+                <a:highlight>
+                  <a:srgbClr val="FFFFFF"/>
+                </a:highlight>
+                <a:latin typeface="Cascadia Mono" panose="020B0609020000020004" pitchFamily="49" charset="0"/>
+              </a:rPr>
+              <a:t>:</a:t>
+            </a:r>
+            <a:r>
+              <a:rPr lang="en-GB" sz="1800" dirty="0">
+                <a:solidFill>
+                  <a:srgbClr val="FF0000"/>
+                </a:solidFill>
+                <a:highlight>
+                  <a:srgbClr val="FFFFFF"/>
+                </a:highlight>
+                <a:latin typeface="Cascadia Mono" panose="020B0609020000020004" pitchFamily="49" charset="0"/>
+              </a:rPr>
+              <a:t>Class</a:t>
+            </a:r>
+            <a:r>
+              <a:rPr lang="en-GB" sz="1800" dirty="0">
+                <a:solidFill>
+                  <a:srgbClr val="0000FF"/>
+                </a:solidFill>
+                <a:highlight>
+                  <a:srgbClr val="FFFFFF"/>
+                </a:highlight>
+                <a:latin typeface="Cascadia Mono" panose="020B0609020000020004" pitchFamily="49" charset="0"/>
+              </a:rPr>
+              <a:t>="Desktop_Contacts_App.Windows.NewContactWindow"</a:t>
+            </a:r>
+            <a:endParaRPr lang="en-GB" sz="1800" dirty="0">
+              <a:solidFill>
+                <a:srgbClr val="000000"/>
+              </a:solidFill>
+              <a:highlight>
+                <a:srgbClr val="FFFFFF"/>
+              </a:highlight>
+              <a:latin typeface="Cascadia Mono" panose="020B0609020000020004" pitchFamily="49" charset="0"/>
+            </a:endParaRPr>
+          </a:p>
+          <a:p>
+            <a:r>
+              <a:rPr lang="en-GB" sz="1800" dirty="0">
+                <a:solidFill>
+                  <a:srgbClr val="000000"/>
+                </a:solidFill>
+                <a:highlight>
+                  <a:srgbClr val="FFFFFF"/>
+                </a:highlight>
+                <a:latin typeface="Cascadia Mono" panose="020B0609020000020004" pitchFamily="49" charset="0"/>
+              </a:rPr>
+              <a:t>       </a:t>
+            </a:r>
+            <a:r>
+              <a:rPr lang="en-GB" sz="1800" dirty="0">
+                <a:solidFill>
+                  <a:srgbClr val="FF0000"/>
+                </a:solidFill>
+                <a:highlight>
+                  <a:srgbClr val="FFFFFF"/>
+                </a:highlight>
+                <a:latin typeface="Cascadia Mono" panose="020B0609020000020004" pitchFamily="49" charset="0"/>
+              </a:rPr>
+              <a:t> </a:t>
+            </a:r>
+            <a:r>
+              <a:rPr lang="en-GB" sz="1800" dirty="0" err="1">
+                <a:solidFill>
+                  <a:srgbClr val="FF0000"/>
+                </a:solidFill>
+                <a:highlight>
+                  <a:srgbClr val="FFFFFF"/>
+                </a:highlight>
+                <a:latin typeface="Cascadia Mono" panose="020B0609020000020004" pitchFamily="49" charset="0"/>
+              </a:rPr>
+              <a:t>xmlns</a:t>
+            </a:r>
+            <a:r>
+              <a:rPr lang="en-GB" sz="1800" dirty="0">
+                <a:solidFill>
+                  <a:srgbClr val="0000FF"/>
+                </a:solidFill>
+                <a:highlight>
+                  <a:srgbClr val="FFFFFF"/>
+                </a:highlight>
+                <a:latin typeface="Cascadia Mono" panose="020B0609020000020004" pitchFamily="49" charset="0"/>
+              </a:rPr>
+              <a:t>="http://schemas.microsoft.com/</a:t>
+            </a:r>
+            <a:r>
+              <a:rPr lang="en-GB" sz="1800" dirty="0" err="1">
+                <a:solidFill>
+                  <a:srgbClr val="0000FF"/>
+                </a:solidFill>
+                <a:highlight>
+                  <a:srgbClr val="FFFFFF"/>
+                </a:highlight>
+                <a:latin typeface="Cascadia Mono" panose="020B0609020000020004" pitchFamily="49" charset="0"/>
+              </a:rPr>
+              <a:t>winfx</a:t>
+            </a:r>
+            <a:r>
+              <a:rPr lang="en-GB" sz="1800" dirty="0">
+                <a:solidFill>
+                  <a:srgbClr val="0000FF"/>
+                </a:solidFill>
+                <a:highlight>
+                  <a:srgbClr val="FFFFFF"/>
+                </a:highlight>
+                <a:latin typeface="Cascadia Mono" panose="020B0609020000020004" pitchFamily="49" charset="0"/>
+              </a:rPr>
+              <a:t>/2006/</a:t>
+            </a:r>
+            <a:r>
+              <a:rPr lang="en-GB" sz="1800" dirty="0" err="1">
+                <a:solidFill>
+                  <a:srgbClr val="0000FF"/>
+                </a:solidFill>
+                <a:highlight>
+                  <a:srgbClr val="FFFFFF"/>
+                </a:highlight>
+                <a:latin typeface="Cascadia Mono" panose="020B0609020000020004" pitchFamily="49" charset="0"/>
+              </a:rPr>
+              <a:t>xaml</a:t>
+            </a:r>
+            <a:r>
+              <a:rPr lang="en-GB" sz="1800" dirty="0">
+                <a:solidFill>
+                  <a:srgbClr val="0000FF"/>
+                </a:solidFill>
+                <a:highlight>
+                  <a:srgbClr val="FFFFFF"/>
+                </a:highlight>
+                <a:latin typeface="Cascadia Mono" panose="020B0609020000020004" pitchFamily="49" charset="0"/>
+              </a:rPr>
+              <a:t>/presentation"</a:t>
+            </a:r>
+            <a:endParaRPr lang="en-GB" sz="1800" dirty="0">
+              <a:solidFill>
+                <a:srgbClr val="000000"/>
+              </a:solidFill>
+              <a:highlight>
+                <a:srgbClr val="FFFFFF"/>
+              </a:highlight>
+              <a:latin typeface="Cascadia Mono" panose="020B0609020000020004" pitchFamily="49" charset="0"/>
+            </a:endParaRPr>
+          </a:p>
+          <a:p>
+            <a:r>
+              <a:rPr lang="en-GB" sz="1800" dirty="0">
+                <a:solidFill>
+                  <a:srgbClr val="000000"/>
+                </a:solidFill>
+                <a:highlight>
+                  <a:srgbClr val="FFFFFF"/>
+                </a:highlight>
+                <a:latin typeface="Cascadia Mono" panose="020B0609020000020004" pitchFamily="49" charset="0"/>
+              </a:rPr>
+              <a:t>       </a:t>
+            </a:r>
+            <a:r>
+              <a:rPr lang="en-GB" sz="1800" dirty="0">
+                <a:solidFill>
+                  <a:srgbClr val="FF0000"/>
+                </a:solidFill>
+                <a:highlight>
+                  <a:srgbClr val="FFFFFF"/>
+                </a:highlight>
+                <a:latin typeface="Cascadia Mono" panose="020B0609020000020004" pitchFamily="49" charset="0"/>
+              </a:rPr>
+              <a:t> </a:t>
+            </a:r>
+            <a:r>
+              <a:rPr lang="en-GB" sz="1800" dirty="0" err="1">
+                <a:solidFill>
+                  <a:srgbClr val="FF0000"/>
+                </a:solidFill>
+                <a:highlight>
+                  <a:srgbClr val="FFFFFF"/>
+                </a:highlight>
+                <a:latin typeface="Cascadia Mono" panose="020B0609020000020004" pitchFamily="49" charset="0"/>
+              </a:rPr>
+              <a:t>xmlns</a:t>
+            </a:r>
+            <a:r>
+              <a:rPr lang="en-GB" sz="1800" dirty="0" err="1">
+                <a:solidFill>
+                  <a:srgbClr val="0000FF"/>
+                </a:solidFill>
+                <a:highlight>
+                  <a:srgbClr val="FFFFFF"/>
+                </a:highlight>
+                <a:latin typeface="Cascadia Mono" panose="020B0609020000020004" pitchFamily="49" charset="0"/>
+              </a:rPr>
+              <a:t>:</a:t>
+            </a:r>
+            <a:r>
+              <a:rPr lang="en-GB" sz="1800" dirty="0" err="1">
+                <a:solidFill>
+                  <a:srgbClr val="FF0000"/>
+                </a:solidFill>
+                <a:highlight>
+                  <a:srgbClr val="FFFFFF"/>
+                </a:highlight>
+                <a:latin typeface="Cascadia Mono" panose="020B0609020000020004" pitchFamily="49" charset="0"/>
+              </a:rPr>
+              <a:t>x</a:t>
+            </a:r>
+            <a:r>
+              <a:rPr lang="en-GB" sz="1800" dirty="0">
+                <a:solidFill>
+                  <a:srgbClr val="0000FF"/>
+                </a:solidFill>
+                <a:highlight>
+                  <a:srgbClr val="FFFFFF"/>
+                </a:highlight>
+                <a:latin typeface="Cascadia Mono" panose="020B0609020000020004" pitchFamily="49" charset="0"/>
+              </a:rPr>
+              <a:t>="http://schemas.microsoft.com/</a:t>
+            </a:r>
+            <a:r>
+              <a:rPr lang="en-GB" sz="1800" dirty="0" err="1">
+                <a:solidFill>
+                  <a:srgbClr val="0000FF"/>
+                </a:solidFill>
+                <a:highlight>
+                  <a:srgbClr val="FFFFFF"/>
+                </a:highlight>
+                <a:latin typeface="Cascadia Mono" panose="020B0609020000020004" pitchFamily="49" charset="0"/>
+              </a:rPr>
+              <a:t>winfx</a:t>
+            </a:r>
+            <a:r>
+              <a:rPr lang="en-GB" sz="1800" dirty="0">
+                <a:solidFill>
+                  <a:srgbClr val="0000FF"/>
+                </a:solidFill>
+                <a:highlight>
+                  <a:srgbClr val="FFFFFF"/>
+                </a:highlight>
+                <a:latin typeface="Cascadia Mono" panose="020B0609020000020004" pitchFamily="49" charset="0"/>
+              </a:rPr>
+              <a:t>/2006/</a:t>
+            </a:r>
+            <a:r>
+              <a:rPr lang="en-GB" sz="1800" dirty="0" err="1">
+                <a:solidFill>
+                  <a:srgbClr val="0000FF"/>
+                </a:solidFill>
+                <a:highlight>
+                  <a:srgbClr val="FFFFFF"/>
+                </a:highlight>
+                <a:latin typeface="Cascadia Mono" panose="020B0609020000020004" pitchFamily="49" charset="0"/>
+              </a:rPr>
+              <a:t>xaml</a:t>
+            </a:r>
+            <a:r>
+              <a:rPr lang="en-GB" sz="1800" dirty="0">
+                <a:solidFill>
+                  <a:srgbClr val="0000FF"/>
+                </a:solidFill>
+                <a:highlight>
+                  <a:srgbClr val="FFFFFF"/>
+                </a:highlight>
+                <a:latin typeface="Cascadia Mono" panose="020B0609020000020004" pitchFamily="49" charset="0"/>
+              </a:rPr>
+              <a:t>"</a:t>
+            </a:r>
+            <a:endParaRPr lang="en-GB" sz="1800" dirty="0">
+              <a:solidFill>
+                <a:srgbClr val="000000"/>
+              </a:solidFill>
+              <a:highlight>
+                <a:srgbClr val="FFFFFF"/>
+              </a:highlight>
+              <a:latin typeface="Cascadia Mono" panose="020B0609020000020004" pitchFamily="49" charset="0"/>
+            </a:endParaRPr>
+          </a:p>
+          <a:p>
+            <a:r>
+              <a:rPr lang="en-GB" sz="1800" dirty="0">
+                <a:solidFill>
+                  <a:srgbClr val="000000"/>
+                </a:solidFill>
+                <a:highlight>
+                  <a:srgbClr val="FFFFFF"/>
+                </a:highlight>
+                <a:latin typeface="Cascadia Mono" panose="020B0609020000020004" pitchFamily="49" charset="0"/>
+              </a:rPr>
+              <a:t>       </a:t>
+            </a:r>
+            <a:r>
+              <a:rPr lang="en-GB" sz="1800" dirty="0">
+                <a:solidFill>
+                  <a:srgbClr val="FF0000"/>
+                </a:solidFill>
+                <a:highlight>
+                  <a:srgbClr val="FFFFFF"/>
+                </a:highlight>
+                <a:latin typeface="Cascadia Mono" panose="020B0609020000020004" pitchFamily="49" charset="0"/>
+              </a:rPr>
+              <a:t> </a:t>
+            </a:r>
+            <a:r>
+              <a:rPr lang="en-GB" sz="1800" dirty="0" err="1">
+                <a:solidFill>
+                  <a:srgbClr val="FF0000"/>
+                </a:solidFill>
+                <a:highlight>
+                  <a:srgbClr val="FFFFFF"/>
+                </a:highlight>
+                <a:latin typeface="Cascadia Mono" panose="020B0609020000020004" pitchFamily="49" charset="0"/>
+              </a:rPr>
+              <a:t>xmlns</a:t>
+            </a:r>
+            <a:r>
+              <a:rPr lang="en-GB" sz="1800" dirty="0" err="1">
+                <a:solidFill>
+                  <a:srgbClr val="0000FF"/>
+                </a:solidFill>
+                <a:highlight>
+                  <a:srgbClr val="FFFFFF"/>
+                </a:highlight>
+                <a:latin typeface="Cascadia Mono" panose="020B0609020000020004" pitchFamily="49" charset="0"/>
+              </a:rPr>
+              <a:t>:</a:t>
+            </a:r>
+            <a:r>
+              <a:rPr lang="en-GB" sz="1800" dirty="0" err="1">
+                <a:solidFill>
+                  <a:srgbClr val="FF0000"/>
+                </a:solidFill>
+                <a:highlight>
+                  <a:srgbClr val="FFFFFF"/>
+                </a:highlight>
+                <a:latin typeface="Cascadia Mono" panose="020B0609020000020004" pitchFamily="49" charset="0"/>
+              </a:rPr>
+              <a:t>d</a:t>
+            </a:r>
+            <a:r>
+              <a:rPr lang="en-GB" sz="1800" dirty="0">
+                <a:solidFill>
+                  <a:srgbClr val="0000FF"/>
+                </a:solidFill>
+                <a:highlight>
+                  <a:srgbClr val="FFFFFF"/>
+                </a:highlight>
+                <a:latin typeface="Cascadia Mono" panose="020B0609020000020004" pitchFamily="49" charset="0"/>
+              </a:rPr>
+              <a:t>="http://schemas.microsoft.com/expression/blend/2008"</a:t>
+            </a:r>
+            <a:endParaRPr lang="en-GB" sz="1800" dirty="0">
+              <a:solidFill>
+                <a:srgbClr val="000000"/>
+              </a:solidFill>
+              <a:highlight>
+                <a:srgbClr val="FFFFFF"/>
+              </a:highlight>
+              <a:latin typeface="Cascadia Mono" panose="020B0609020000020004" pitchFamily="49" charset="0"/>
+            </a:endParaRPr>
+          </a:p>
+          <a:p>
+            <a:r>
+              <a:rPr lang="en-GB" sz="1800" dirty="0">
+                <a:solidFill>
+                  <a:srgbClr val="000000"/>
+                </a:solidFill>
+                <a:highlight>
+                  <a:srgbClr val="FFFFFF"/>
+                </a:highlight>
+                <a:latin typeface="Cascadia Mono" panose="020B0609020000020004" pitchFamily="49" charset="0"/>
+              </a:rPr>
+              <a:t>       </a:t>
+            </a:r>
+            <a:r>
+              <a:rPr lang="en-GB" sz="1800" dirty="0">
+                <a:solidFill>
+                  <a:srgbClr val="FF0000"/>
+                </a:solidFill>
+                <a:highlight>
+                  <a:srgbClr val="FFFFFF"/>
+                </a:highlight>
+                <a:latin typeface="Cascadia Mono" panose="020B0609020000020004" pitchFamily="49" charset="0"/>
+              </a:rPr>
+              <a:t> </a:t>
+            </a:r>
+            <a:r>
+              <a:rPr lang="en-GB" sz="1800" dirty="0" err="1">
+                <a:solidFill>
+                  <a:srgbClr val="FF0000"/>
+                </a:solidFill>
+                <a:highlight>
+                  <a:srgbClr val="FFFFFF"/>
+                </a:highlight>
+                <a:latin typeface="Cascadia Mono" panose="020B0609020000020004" pitchFamily="49" charset="0"/>
+              </a:rPr>
+              <a:t>xmlns</a:t>
+            </a:r>
+            <a:r>
+              <a:rPr lang="en-GB" sz="1800" dirty="0" err="1">
+                <a:solidFill>
+                  <a:srgbClr val="0000FF"/>
+                </a:solidFill>
+                <a:highlight>
+                  <a:srgbClr val="FFFFFF"/>
+                </a:highlight>
+                <a:latin typeface="Cascadia Mono" panose="020B0609020000020004" pitchFamily="49" charset="0"/>
+              </a:rPr>
+              <a:t>:</a:t>
+            </a:r>
+            <a:r>
+              <a:rPr lang="en-GB" sz="1800" dirty="0" err="1">
+                <a:solidFill>
+                  <a:srgbClr val="FF0000"/>
+                </a:solidFill>
+                <a:highlight>
+                  <a:srgbClr val="FFFFFF"/>
+                </a:highlight>
+                <a:latin typeface="Cascadia Mono" panose="020B0609020000020004" pitchFamily="49" charset="0"/>
+              </a:rPr>
+              <a:t>mc</a:t>
+            </a:r>
+            <a:r>
+              <a:rPr lang="en-GB" sz="1800" dirty="0">
+                <a:solidFill>
+                  <a:srgbClr val="0000FF"/>
+                </a:solidFill>
+                <a:highlight>
+                  <a:srgbClr val="FFFFFF"/>
+                </a:highlight>
+                <a:latin typeface="Cascadia Mono" panose="020B0609020000020004" pitchFamily="49" charset="0"/>
+              </a:rPr>
+              <a:t>="http://schemas.openxmlformats.org/markup-compatibility/2006"</a:t>
+            </a:r>
+            <a:endParaRPr lang="en-GB" sz="1800" dirty="0">
+              <a:solidFill>
+                <a:srgbClr val="000000"/>
+              </a:solidFill>
+              <a:highlight>
+                <a:srgbClr val="FFFFFF"/>
+              </a:highlight>
+              <a:latin typeface="Cascadia Mono" panose="020B0609020000020004" pitchFamily="49" charset="0"/>
+            </a:endParaRPr>
+          </a:p>
+          <a:p>
+            <a:r>
+              <a:rPr lang="en-GB" sz="1800" dirty="0">
+                <a:solidFill>
+                  <a:srgbClr val="000000"/>
+                </a:solidFill>
+                <a:highlight>
+                  <a:srgbClr val="FFFFFF"/>
+                </a:highlight>
+                <a:latin typeface="Cascadia Mono" panose="020B0609020000020004" pitchFamily="49" charset="0"/>
+              </a:rPr>
+              <a:t>       </a:t>
+            </a:r>
+            <a:r>
+              <a:rPr lang="en-GB" sz="1800" dirty="0">
+                <a:solidFill>
+                  <a:srgbClr val="FF0000"/>
+                </a:solidFill>
+                <a:highlight>
+                  <a:srgbClr val="FFFFFF"/>
+                </a:highlight>
+                <a:latin typeface="Cascadia Mono" panose="020B0609020000020004" pitchFamily="49" charset="0"/>
+              </a:rPr>
+              <a:t> </a:t>
+            </a:r>
+            <a:r>
+              <a:rPr lang="en-GB" sz="1800" dirty="0" err="1">
+                <a:solidFill>
+                  <a:srgbClr val="FF0000"/>
+                </a:solidFill>
+                <a:highlight>
+                  <a:srgbClr val="FFFFFF"/>
+                </a:highlight>
+                <a:latin typeface="Cascadia Mono" panose="020B0609020000020004" pitchFamily="49" charset="0"/>
+              </a:rPr>
+              <a:t>xmlns</a:t>
+            </a:r>
+            <a:r>
+              <a:rPr lang="en-GB" sz="1800" dirty="0" err="1">
+                <a:solidFill>
+                  <a:srgbClr val="0000FF"/>
+                </a:solidFill>
+                <a:highlight>
+                  <a:srgbClr val="FFFFFF"/>
+                </a:highlight>
+                <a:latin typeface="Cascadia Mono" panose="020B0609020000020004" pitchFamily="49" charset="0"/>
+              </a:rPr>
+              <a:t>:</a:t>
+            </a:r>
+            <a:r>
+              <a:rPr lang="en-GB" sz="1800" dirty="0" err="1">
+                <a:solidFill>
+                  <a:srgbClr val="FF0000"/>
+                </a:solidFill>
+                <a:highlight>
+                  <a:srgbClr val="FFFFFF"/>
+                </a:highlight>
+                <a:latin typeface="Cascadia Mono" panose="020B0609020000020004" pitchFamily="49" charset="0"/>
+              </a:rPr>
+              <a:t>local</a:t>
+            </a:r>
+            <a:r>
+              <a:rPr lang="en-GB" sz="1800" dirty="0">
+                <a:solidFill>
+                  <a:srgbClr val="0000FF"/>
+                </a:solidFill>
+                <a:highlight>
+                  <a:srgbClr val="FFFFFF"/>
+                </a:highlight>
+                <a:latin typeface="Cascadia Mono" panose="020B0609020000020004" pitchFamily="49" charset="0"/>
+              </a:rPr>
+              <a:t>="</a:t>
+            </a:r>
+            <a:r>
+              <a:rPr lang="en-GB" sz="1800" dirty="0" err="1">
+                <a:solidFill>
+                  <a:srgbClr val="0000FF"/>
+                </a:solidFill>
+                <a:highlight>
+                  <a:srgbClr val="FFFFFF"/>
+                </a:highlight>
+                <a:latin typeface="Cascadia Mono" panose="020B0609020000020004" pitchFamily="49" charset="0"/>
+              </a:rPr>
+              <a:t>clr-namespace:Desktop_Contacts_App.Windows</a:t>
+            </a:r>
+            <a:r>
+              <a:rPr lang="en-GB" sz="1800" dirty="0">
+                <a:solidFill>
+                  <a:srgbClr val="0000FF"/>
+                </a:solidFill>
+                <a:highlight>
+                  <a:srgbClr val="FFFFFF"/>
+                </a:highlight>
+                <a:latin typeface="Cascadia Mono" panose="020B0609020000020004" pitchFamily="49" charset="0"/>
+              </a:rPr>
+              <a:t>"</a:t>
+            </a:r>
+            <a:endParaRPr lang="en-GB" sz="1800" dirty="0">
+              <a:solidFill>
+                <a:srgbClr val="000000"/>
+              </a:solidFill>
+              <a:highlight>
+                <a:srgbClr val="FFFFFF"/>
+              </a:highlight>
+              <a:latin typeface="Cascadia Mono" panose="020B0609020000020004" pitchFamily="49" charset="0"/>
+            </a:endParaRPr>
+          </a:p>
+          <a:p>
+            <a:r>
+              <a:rPr lang="en-GB" sz="1800" dirty="0">
+                <a:solidFill>
+                  <a:srgbClr val="000000"/>
+                </a:solidFill>
+                <a:highlight>
+                  <a:srgbClr val="FFFFFF"/>
+                </a:highlight>
+                <a:latin typeface="Cascadia Mono" panose="020B0609020000020004" pitchFamily="49" charset="0"/>
+              </a:rPr>
+              <a:t>       </a:t>
+            </a:r>
+            <a:r>
+              <a:rPr lang="en-GB" sz="1800" dirty="0">
+                <a:solidFill>
+                  <a:srgbClr val="FF0000"/>
+                </a:solidFill>
+                <a:highlight>
+                  <a:srgbClr val="FFFFFF"/>
+                </a:highlight>
+                <a:latin typeface="Cascadia Mono" panose="020B0609020000020004" pitchFamily="49" charset="0"/>
+              </a:rPr>
+              <a:t> </a:t>
+            </a:r>
+            <a:r>
+              <a:rPr lang="en-GB" sz="1800" dirty="0" err="1">
+                <a:solidFill>
+                  <a:srgbClr val="FF0000"/>
+                </a:solidFill>
+                <a:highlight>
+                  <a:srgbClr val="FFFFFF"/>
+                </a:highlight>
+                <a:latin typeface="Cascadia Mono" panose="020B0609020000020004" pitchFamily="49" charset="0"/>
+              </a:rPr>
+              <a:t>mc</a:t>
+            </a:r>
+            <a:r>
+              <a:rPr lang="en-GB" sz="1800" dirty="0" err="1">
+                <a:solidFill>
+                  <a:srgbClr val="0000FF"/>
+                </a:solidFill>
+                <a:highlight>
+                  <a:srgbClr val="FFFFFF"/>
+                </a:highlight>
+                <a:latin typeface="Cascadia Mono" panose="020B0609020000020004" pitchFamily="49" charset="0"/>
+              </a:rPr>
+              <a:t>:</a:t>
+            </a:r>
+            <a:r>
+              <a:rPr lang="en-GB" sz="1800" dirty="0" err="1">
+                <a:solidFill>
+                  <a:srgbClr val="FF0000"/>
+                </a:solidFill>
+                <a:highlight>
+                  <a:srgbClr val="FFFFFF"/>
+                </a:highlight>
+                <a:latin typeface="Cascadia Mono" panose="020B0609020000020004" pitchFamily="49" charset="0"/>
+              </a:rPr>
+              <a:t>Ignorable</a:t>
+            </a:r>
+            <a:r>
+              <a:rPr lang="en-GB" sz="1800" dirty="0">
+                <a:solidFill>
+                  <a:srgbClr val="0000FF"/>
+                </a:solidFill>
+                <a:highlight>
+                  <a:srgbClr val="FFFFFF"/>
+                </a:highlight>
+                <a:latin typeface="Cascadia Mono" panose="020B0609020000020004" pitchFamily="49" charset="0"/>
+              </a:rPr>
+              <a:t>="d"</a:t>
+            </a:r>
+            <a:endParaRPr lang="en-GB" sz="1800" dirty="0">
+              <a:solidFill>
+                <a:srgbClr val="000000"/>
+              </a:solidFill>
+              <a:highlight>
+                <a:srgbClr val="FFFFFF"/>
+              </a:highlight>
+              <a:latin typeface="Cascadia Mono" panose="020B0609020000020004" pitchFamily="49" charset="0"/>
+            </a:endParaRPr>
+          </a:p>
+          <a:p>
+            <a:r>
+              <a:rPr lang="en-GB" sz="1800" dirty="0">
+                <a:solidFill>
+                  <a:srgbClr val="000000"/>
+                </a:solidFill>
+                <a:highlight>
+                  <a:srgbClr val="FFFF00"/>
+                </a:highlight>
+                <a:latin typeface="Cascadia Mono" panose="020B0609020000020004" pitchFamily="49" charset="0"/>
+              </a:rPr>
+              <a:t>       </a:t>
+            </a:r>
+            <a:r>
+              <a:rPr lang="en-GB" sz="1800" dirty="0">
+                <a:solidFill>
+                  <a:srgbClr val="FF0000"/>
+                </a:solidFill>
+                <a:highlight>
+                  <a:srgbClr val="FFFF00"/>
+                </a:highlight>
+                <a:latin typeface="Cascadia Mono" panose="020B0609020000020004" pitchFamily="49" charset="0"/>
+              </a:rPr>
+              <a:t> </a:t>
+            </a:r>
+            <a:r>
+              <a:rPr lang="en-GB" sz="1800" dirty="0" err="1">
+                <a:solidFill>
+                  <a:srgbClr val="FF0000"/>
+                </a:solidFill>
+                <a:highlight>
+                  <a:srgbClr val="FFFF00"/>
+                </a:highlight>
+                <a:latin typeface="Cascadia Mono" panose="020B0609020000020004" pitchFamily="49" charset="0"/>
+              </a:rPr>
+              <a:t>WindowStyle</a:t>
+            </a:r>
+            <a:r>
+              <a:rPr lang="en-GB" sz="1800" dirty="0">
+                <a:solidFill>
+                  <a:srgbClr val="0000FF"/>
+                </a:solidFill>
+                <a:highlight>
+                  <a:srgbClr val="FFFF00"/>
+                </a:highlight>
+                <a:latin typeface="Cascadia Mono" panose="020B0609020000020004" pitchFamily="49" charset="0"/>
+              </a:rPr>
+              <a:t>="None"</a:t>
+            </a:r>
+            <a:endParaRPr lang="en-GB" sz="1800" dirty="0">
+              <a:solidFill>
+                <a:srgbClr val="000000"/>
+              </a:solidFill>
+              <a:highlight>
+                <a:srgbClr val="FFFF00"/>
+              </a:highlight>
+              <a:latin typeface="Cascadia Mono" panose="020B0609020000020004" pitchFamily="49" charset="0"/>
+            </a:endParaRPr>
+          </a:p>
+          <a:p>
+            <a:r>
+              <a:rPr lang="en-GB" sz="1800" dirty="0">
+                <a:solidFill>
+                  <a:srgbClr val="000000"/>
+                </a:solidFill>
+                <a:highlight>
+                  <a:srgbClr val="FFFF00"/>
+                </a:highlight>
+                <a:latin typeface="Cascadia Mono" panose="020B0609020000020004" pitchFamily="49" charset="0"/>
+              </a:rPr>
+              <a:t>       </a:t>
+            </a:r>
+            <a:r>
+              <a:rPr lang="en-GB" sz="1800" dirty="0">
+                <a:solidFill>
+                  <a:srgbClr val="FF0000"/>
+                </a:solidFill>
+                <a:highlight>
+                  <a:srgbClr val="FFFF00"/>
+                </a:highlight>
+                <a:latin typeface="Cascadia Mono" panose="020B0609020000020004" pitchFamily="49" charset="0"/>
+              </a:rPr>
+              <a:t> </a:t>
+            </a:r>
+            <a:r>
+              <a:rPr lang="en-GB" sz="1800" dirty="0" err="1">
+                <a:solidFill>
+                  <a:srgbClr val="FF0000"/>
+                </a:solidFill>
+                <a:highlight>
+                  <a:srgbClr val="FFFF00"/>
+                </a:highlight>
+                <a:latin typeface="Cascadia Mono" panose="020B0609020000020004" pitchFamily="49" charset="0"/>
+              </a:rPr>
+              <a:t>ResizeMode</a:t>
+            </a:r>
+            <a:r>
+              <a:rPr lang="en-GB" sz="1800" dirty="0">
+                <a:solidFill>
+                  <a:srgbClr val="0000FF"/>
+                </a:solidFill>
+                <a:highlight>
+                  <a:srgbClr val="FFFF00"/>
+                </a:highlight>
+                <a:latin typeface="Cascadia Mono" panose="020B0609020000020004" pitchFamily="49" charset="0"/>
+              </a:rPr>
+              <a:t>="</a:t>
+            </a:r>
+            <a:r>
+              <a:rPr lang="en-GB" sz="1800" dirty="0" err="1">
+                <a:solidFill>
+                  <a:srgbClr val="0000FF"/>
+                </a:solidFill>
+                <a:highlight>
+                  <a:srgbClr val="FFFF00"/>
+                </a:highlight>
+                <a:latin typeface="Cascadia Mono" panose="020B0609020000020004" pitchFamily="49" charset="0"/>
+              </a:rPr>
+              <a:t>NoResize</a:t>
+            </a:r>
+            <a:r>
+              <a:rPr lang="en-GB" sz="1800" dirty="0">
+                <a:solidFill>
+                  <a:srgbClr val="0000FF"/>
+                </a:solidFill>
+                <a:highlight>
+                  <a:srgbClr val="FFFF00"/>
+                </a:highlight>
+                <a:latin typeface="Cascadia Mono" panose="020B0609020000020004" pitchFamily="49" charset="0"/>
+              </a:rPr>
+              <a:t>"</a:t>
+            </a:r>
+            <a:endParaRPr lang="en-GB" sz="1800" dirty="0">
+              <a:solidFill>
+                <a:srgbClr val="000000"/>
+              </a:solidFill>
+              <a:highlight>
+                <a:srgbClr val="FFFF00"/>
+              </a:highlight>
+              <a:latin typeface="Cascadia Mono" panose="020B0609020000020004" pitchFamily="49" charset="0"/>
+            </a:endParaRPr>
+          </a:p>
+          <a:p>
+            <a:r>
+              <a:rPr lang="en-GB" sz="1800" dirty="0">
+                <a:solidFill>
+                  <a:srgbClr val="000000"/>
+                </a:solidFill>
+                <a:highlight>
+                  <a:srgbClr val="FFFFFF"/>
+                </a:highlight>
+                <a:latin typeface="Cascadia Mono" panose="020B0609020000020004" pitchFamily="49" charset="0"/>
+              </a:rPr>
+              <a:t>       </a:t>
+            </a:r>
+            <a:r>
+              <a:rPr lang="en-GB" sz="1800" dirty="0">
+                <a:solidFill>
+                  <a:srgbClr val="FF0000"/>
+                </a:solidFill>
+                <a:highlight>
+                  <a:srgbClr val="FFFFFF"/>
+                </a:highlight>
+                <a:latin typeface="Cascadia Mono" panose="020B0609020000020004" pitchFamily="49" charset="0"/>
+              </a:rPr>
+              <a:t> Title</a:t>
+            </a:r>
+            <a:r>
+              <a:rPr lang="en-GB" sz="1800" dirty="0">
+                <a:solidFill>
+                  <a:srgbClr val="0000FF"/>
+                </a:solidFill>
+                <a:highlight>
+                  <a:srgbClr val="FFFFFF"/>
+                </a:highlight>
+                <a:latin typeface="Cascadia Mono" panose="020B0609020000020004" pitchFamily="49" charset="0"/>
+              </a:rPr>
+              <a:t>="</a:t>
+            </a:r>
+            <a:r>
+              <a:rPr lang="en-GB" sz="1800" dirty="0" err="1">
+                <a:solidFill>
+                  <a:srgbClr val="0000FF"/>
+                </a:solidFill>
+                <a:highlight>
+                  <a:srgbClr val="FFFFFF"/>
+                </a:highlight>
+                <a:latin typeface="Cascadia Mono" panose="020B0609020000020004" pitchFamily="49" charset="0"/>
+              </a:rPr>
+              <a:t>NewContactWindow</a:t>
+            </a:r>
+            <a:r>
+              <a:rPr lang="en-GB" sz="1800" dirty="0">
+                <a:solidFill>
+                  <a:srgbClr val="0000FF"/>
+                </a:solidFill>
+                <a:highlight>
+                  <a:srgbClr val="FFFFFF"/>
+                </a:highlight>
+                <a:latin typeface="Cascadia Mono" panose="020B0609020000020004" pitchFamily="49" charset="0"/>
+              </a:rPr>
+              <a:t>"</a:t>
+            </a:r>
+            <a:r>
+              <a:rPr lang="en-GB" sz="1800" dirty="0">
+                <a:solidFill>
+                  <a:srgbClr val="FF0000"/>
+                </a:solidFill>
+                <a:highlight>
+                  <a:srgbClr val="FFFFFF"/>
+                </a:highlight>
+                <a:latin typeface="Cascadia Mono" panose="020B0609020000020004" pitchFamily="49" charset="0"/>
+              </a:rPr>
+              <a:t> Height</a:t>
+            </a:r>
+            <a:r>
+              <a:rPr lang="en-GB" sz="1800" dirty="0">
+                <a:solidFill>
+                  <a:srgbClr val="0000FF"/>
+                </a:solidFill>
+                <a:highlight>
+                  <a:srgbClr val="FFFFFF"/>
+                </a:highlight>
+                <a:latin typeface="Cascadia Mono" panose="020B0609020000020004" pitchFamily="49" charset="0"/>
+              </a:rPr>
+              <a:t>="450"</a:t>
+            </a:r>
+            <a:r>
+              <a:rPr lang="en-GB" sz="1800" dirty="0">
+                <a:solidFill>
+                  <a:srgbClr val="FF0000"/>
+                </a:solidFill>
+                <a:highlight>
+                  <a:srgbClr val="FFFFFF"/>
+                </a:highlight>
+                <a:latin typeface="Cascadia Mono" panose="020B0609020000020004" pitchFamily="49" charset="0"/>
+              </a:rPr>
+              <a:t> Width</a:t>
+            </a:r>
+            <a:r>
+              <a:rPr lang="en-GB" sz="1800" dirty="0">
+                <a:solidFill>
+                  <a:srgbClr val="0000FF"/>
+                </a:solidFill>
+                <a:highlight>
+                  <a:srgbClr val="FFFFFF"/>
+                </a:highlight>
+                <a:latin typeface="Cascadia Mono" panose="020B0609020000020004" pitchFamily="49" charset="0"/>
+              </a:rPr>
+              <a:t>="450"&gt;</a:t>
+            </a:r>
+            <a:endParaRPr lang="en-GB" sz="1800" dirty="0">
+              <a:solidFill>
+                <a:srgbClr val="000000"/>
+              </a:solidFill>
+              <a:highlight>
+                <a:srgbClr val="FFFFFF"/>
+              </a:highlight>
+              <a:latin typeface="Cascadia Mono" panose="020B0609020000020004" pitchFamily="49" charset="0"/>
+            </a:endParaRPr>
+          </a:p>
+          <a:p>
+            <a:r>
+              <a:rPr lang="en-GB" sz="1800" dirty="0">
+                <a:solidFill>
+                  <a:srgbClr val="000000"/>
+                </a:solidFill>
+                <a:highlight>
+                  <a:srgbClr val="FFFFFF"/>
+                </a:highlight>
+                <a:latin typeface="Cascadia Mono" panose="020B0609020000020004" pitchFamily="49" charset="0"/>
+              </a:rPr>
+              <a:t>    </a:t>
+            </a:r>
+            <a:r>
+              <a:rPr lang="en-GB" sz="1800" dirty="0">
+                <a:solidFill>
+                  <a:srgbClr val="0000FF"/>
+                </a:solidFill>
+                <a:highlight>
+                  <a:srgbClr val="FFFFFF"/>
+                </a:highlight>
+                <a:latin typeface="Cascadia Mono" panose="020B0609020000020004" pitchFamily="49" charset="0"/>
+              </a:rPr>
+              <a:t>&lt;</a:t>
+            </a:r>
+            <a:r>
+              <a:rPr lang="en-GB" sz="1800" dirty="0">
+                <a:solidFill>
+                  <a:srgbClr val="A31515"/>
+                </a:solidFill>
+                <a:highlight>
+                  <a:srgbClr val="FFFFFF"/>
+                </a:highlight>
+                <a:latin typeface="Cascadia Mono" panose="020B0609020000020004" pitchFamily="49" charset="0"/>
+              </a:rPr>
+              <a:t>Grid</a:t>
+            </a:r>
+            <a:r>
+              <a:rPr lang="en-GB" sz="1800" dirty="0">
+                <a:solidFill>
+                  <a:srgbClr val="0000FF"/>
+                </a:solidFill>
+                <a:highlight>
+                  <a:srgbClr val="FFFFFF"/>
+                </a:highlight>
+                <a:latin typeface="Cascadia Mono" panose="020B0609020000020004" pitchFamily="49" charset="0"/>
+              </a:rPr>
+              <a:t>&gt;</a:t>
+            </a:r>
+            <a:endParaRPr lang="en-GB" sz="1800" dirty="0">
+              <a:solidFill>
+                <a:srgbClr val="000000"/>
+              </a:solidFill>
+              <a:highlight>
+                <a:srgbClr val="FFFFFF"/>
+              </a:highlight>
+              <a:latin typeface="Cascadia Mono" panose="020B0609020000020004" pitchFamily="49" charset="0"/>
+            </a:endParaRPr>
+          </a:p>
+          <a:p>
+            <a:r>
+              <a:rPr lang="en-GB" sz="1800" dirty="0">
+                <a:solidFill>
+                  <a:srgbClr val="000000"/>
+                </a:solidFill>
+                <a:highlight>
+                  <a:srgbClr val="FFFFFF"/>
+                </a:highlight>
+                <a:latin typeface="Cascadia Mono" panose="020B0609020000020004" pitchFamily="49" charset="0"/>
+              </a:rPr>
+              <a:t>        </a:t>
+            </a:r>
+            <a:r>
+              <a:rPr lang="en-GB" sz="1800" dirty="0">
+                <a:solidFill>
+                  <a:srgbClr val="0000FF"/>
+                </a:solidFill>
+                <a:highlight>
+                  <a:srgbClr val="FFFFFF"/>
+                </a:highlight>
+                <a:latin typeface="Cascadia Mono" panose="020B0609020000020004" pitchFamily="49" charset="0"/>
+              </a:rPr>
+              <a:t>...</a:t>
+            </a:r>
+            <a:endParaRPr lang="en-GB" sz="1800" dirty="0">
+              <a:solidFill>
+                <a:srgbClr val="000000"/>
+              </a:solidFill>
+              <a:highlight>
+                <a:srgbClr val="FFFFFF"/>
+              </a:highlight>
+              <a:latin typeface="Cascadia Mono" panose="020B0609020000020004" pitchFamily="49" charset="0"/>
+            </a:endParaRPr>
+          </a:p>
+          <a:p>
+            <a:r>
+              <a:rPr lang="en-GB" sz="1800" dirty="0">
+                <a:solidFill>
+                  <a:srgbClr val="000000"/>
+                </a:solidFill>
+                <a:highlight>
+                  <a:srgbClr val="FFFFFF"/>
+                </a:highlight>
+                <a:latin typeface="Cascadia Mono" panose="020B0609020000020004" pitchFamily="49" charset="0"/>
+              </a:rPr>
+              <a:t>    </a:t>
+            </a:r>
+            <a:r>
+              <a:rPr lang="en-GB" sz="1800" dirty="0">
+                <a:solidFill>
+                  <a:srgbClr val="0000FF"/>
+                </a:solidFill>
+                <a:highlight>
+                  <a:srgbClr val="FFFFFF"/>
+                </a:highlight>
+                <a:latin typeface="Cascadia Mono" panose="020B0609020000020004" pitchFamily="49" charset="0"/>
+              </a:rPr>
+              <a:t>&lt;/</a:t>
+            </a:r>
+            <a:r>
+              <a:rPr lang="en-GB" sz="1800" dirty="0">
+                <a:solidFill>
+                  <a:srgbClr val="A31515"/>
+                </a:solidFill>
+                <a:highlight>
+                  <a:srgbClr val="FFFFFF"/>
+                </a:highlight>
+                <a:latin typeface="Cascadia Mono" panose="020B0609020000020004" pitchFamily="49" charset="0"/>
+              </a:rPr>
+              <a:t>Grid</a:t>
+            </a:r>
+            <a:r>
+              <a:rPr lang="en-GB" sz="1800" dirty="0">
+                <a:solidFill>
+                  <a:srgbClr val="0000FF"/>
+                </a:solidFill>
+                <a:highlight>
+                  <a:srgbClr val="FFFFFF"/>
+                </a:highlight>
+                <a:latin typeface="Cascadia Mono" panose="020B0609020000020004" pitchFamily="49" charset="0"/>
+              </a:rPr>
+              <a:t>&gt;</a:t>
+            </a:r>
+            <a:endParaRPr lang="en-GB" sz="1800" dirty="0">
+              <a:solidFill>
+                <a:srgbClr val="000000"/>
+              </a:solidFill>
+              <a:highlight>
+                <a:srgbClr val="FFFFFF"/>
+              </a:highlight>
+              <a:latin typeface="Cascadia Mono" panose="020B0609020000020004" pitchFamily="49" charset="0"/>
+            </a:endParaRPr>
+          </a:p>
+          <a:p>
+            <a:r>
+              <a:rPr lang="en-GB" sz="1800" dirty="0">
+                <a:solidFill>
+                  <a:srgbClr val="0000FF"/>
+                </a:solidFill>
+                <a:highlight>
+                  <a:srgbClr val="FFFFFF"/>
+                </a:highlight>
+                <a:latin typeface="Cascadia Mono" panose="020B0609020000020004" pitchFamily="49" charset="0"/>
+              </a:rPr>
+              <a:t>&lt;/</a:t>
+            </a:r>
+            <a:r>
+              <a:rPr lang="en-GB" sz="1800" dirty="0">
+                <a:solidFill>
+                  <a:srgbClr val="A31515"/>
+                </a:solidFill>
+                <a:highlight>
+                  <a:srgbClr val="FFFFFF"/>
+                </a:highlight>
+                <a:latin typeface="Cascadia Mono" panose="020B0609020000020004" pitchFamily="49" charset="0"/>
+              </a:rPr>
+              <a:t>Window</a:t>
+            </a:r>
+            <a:r>
+              <a:rPr lang="en-GB" sz="1800" dirty="0">
+                <a:solidFill>
+                  <a:srgbClr val="0000FF"/>
+                </a:solidFill>
+                <a:highlight>
+                  <a:srgbClr val="FFFFFF"/>
+                </a:highlight>
+                <a:latin typeface="Cascadia Mono" panose="020B0609020000020004" pitchFamily="49" charset="0"/>
+              </a:rPr>
+              <a:t>&gt;</a:t>
+            </a:r>
+            <a:endParaRPr lang="en-GB" sz="1800" dirty="0">
+              <a:solidFill>
+                <a:srgbClr val="000000"/>
+              </a:solidFill>
+              <a:highlight>
+                <a:srgbClr val="FFFFFF"/>
+              </a:highlight>
+              <a:latin typeface="Cascadia Mono" panose="020B0609020000020004" pitchFamily="49" charset="0"/>
+            </a:endParaRPr>
+          </a:p>
+        </p:txBody>
+      </p:sp>
     </p:spTree>
     <p:extLst>
       <p:ext uri="{BB962C8B-B14F-4D97-AF65-F5344CB8AC3E}">
@@ -5625,6 +7918,41 @@
           <a:chExt cx="0" cy="0"/>
         </a:xfrm>
       </p:grpSpPr>
+      <p:sp>
+        <p:nvSpPr>
+          <p:cNvPr id="2" name="TextBox 1">
+            <a:extLst>
+              <a:ext uri="{FF2B5EF4-FFF2-40B4-BE49-F238E27FC236}">
+                <a16:creationId xmlns:a16="http://schemas.microsoft.com/office/drawing/2014/main" id="{486F6F54-58AB-96D0-81E2-0AA747EC8584}"/>
+              </a:ext>
+            </a:extLst>
+          </p:cNvPr>
+          <p:cNvSpPr txBox="1"/>
+          <p:nvPr/>
+        </p:nvSpPr>
+        <p:spPr>
+          <a:xfrm>
+            <a:off x="3212016" y="3105834"/>
+            <a:ext cx="2300438" cy="369332"/>
+          </a:xfrm>
+          <a:prstGeom prst="rect">
+            <a:avLst/>
+          </a:prstGeom>
+          <a:noFill/>
+        </p:spPr>
+        <p:txBody>
+          <a:bodyPr wrap="none" rtlCol="0">
+            <a:spAutoFit/>
+          </a:bodyPr>
+          <a:lstStyle/>
+          <a:p>
+            <a:r>
+              <a:rPr lang="en-GB" dirty="0"/>
+              <a:t>Few slides elsewhere</a:t>
+            </a:r>
+          </a:p>
+        </p:txBody>
+      </p:sp>
     </p:spTree>
     <p:extLst>
       <p:ext uri="{BB962C8B-B14F-4D97-AF65-F5344CB8AC3E}">
@@ -6021,6 +8349,190 @@
           <a:chExt cx="0" cy="0"/>
         </a:xfrm>
       </p:grpSpPr>
+      <p:pic>
+        <p:nvPicPr>
+          <p:cNvPr id="3" name="Picture 2">
+            <a:extLst>
+              <a:ext uri="{FF2B5EF4-FFF2-40B4-BE49-F238E27FC236}">
+                <a16:creationId xmlns:a16="http://schemas.microsoft.com/office/drawing/2014/main" id="{6FBD5059-4ED1-9F3F-C58F-188C680037AE}"/>
+              </a:ext>
+            </a:extLst>
+          </p:cNvPr>
+          <p:cNvPicPr>
+            <a:picLocks noChangeAspect="1"/>
+          </p:cNvPicPr>
+          <p:nvPr/>
+        </p:nvPicPr>
+        <p:blipFill>
+          <a:blip r:embed="rId2"/>
+          <a:stretch>
+            <a:fillRect/>
+          </a:stretch>
+        </p:blipFill>
+        <p:spPr>
+          <a:xfrm>
+            <a:off x="1800725" y="2768696"/>
+            <a:ext cx="6487430" cy="3172268"/>
+          </a:xfrm>
+          <a:prstGeom prst="rect">
+            <a:avLst/>
+          </a:prstGeom>
+        </p:spPr>
+      </p:pic>
+      <p:sp>
+        <p:nvSpPr>
+          <p:cNvPr id="4" name="TextBox 3">
+            <a:extLst>
+              <a:ext uri="{FF2B5EF4-FFF2-40B4-BE49-F238E27FC236}">
+                <a16:creationId xmlns:a16="http://schemas.microsoft.com/office/drawing/2014/main" id="{29C219D8-777E-BC32-895B-96568CDD38BA}"/>
+              </a:ext>
+            </a:extLst>
+          </p:cNvPr>
+          <p:cNvSpPr txBox="1"/>
+          <p:nvPr/>
+        </p:nvSpPr>
+        <p:spPr>
+          <a:xfrm>
+            <a:off x="557561" y="468351"/>
+            <a:ext cx="3777509" cy="646331"/>
+          </a:xfrm>
+          <a:prstGeom prst="rect">
+            <a:avLst/>
+          </a:prstGeom>
+          <a:noFill/>
+        </p:spPr>
+        <p:txBody>
+          <a:bodyPr wrap="none" rtlCol="0">
+            <a:spAutoFit/>
+          </a:bodyPr>
+          <a:lstStyle/>
+          <a:p>
+            <a:r>
+              <a:rPr lang="en-GB" dirty="0"/>
+              <a:t>Add user controls to the namespace</a:t>
+            </a:r>
+          </a:p>
+          <a:p>
+            <a:endParaRPr lang="en-GB" dirty="0"/>
+          </a:p>
+        </p:txBody>
+      </p:sp>
+      <p:sp>
+        <p:nvSpPr>
+          <p:cNvPr id="6" name="TextBox 5">
+            <a:extLst>
+              <a:ext uri="{FF2B5EF4-FFF2-40B4-BE49-F238E27FC236}">
+                <a16:creationId xmlns:a16="http://schemas.microsoft.com/office/drawing/2014/main" id="{A0E88124-F742-EEC1-F666-62DBD1C8B4C3}"/>
+              </a:ext>
+            </a:extLst>
+          </p:cNvPr>
+          <p:cNvSpPr txBox="1"/>
+          <p:nvPr/>
+        </p:nvSpPr>
+        <p:spPr>
+          <a:xfrm>
+            <a:off x="1905952" y="1768525"/>
+            <a:ext cx="9295447" cy="369332"/>
+          </a:xfrm>
+          <a:prstGeom prst="rect">
+            <a:avLst/>
+          </a:prstGeom>
+          <a:noFill/>
+        </p:spPr>
+        <p:txBody>
+          <a:bodyPr wrap="square">
+            <a:spAutoFit/>
+          </a:bodyPr>
+          <a:lstStyle/>
+          <a:p>
+            <a:r>
+              <a:rPr lang="en-GB" sz="1800" dirty="0">
+                <a:solidFill>
+                  <a:srgbClr val="FF0000"/>
+                </a:solidFill>
+                <a:highlight>
+                  <a:srgbClr val="FFFFFF"/>
+                </a:highlight>
+                <a:latin typeface="Cascadia Mono" panose="020B0609020000020004" pitchFamily="49" charset="0"/>
+              </a:rPr>
+              <a:t> </a:t>
+            </a:r>
+            <a:r>
+              <a:rPr lang="en-GB" sz="1800" dirty="0" err="1">
+                <a:solidFill>
+                  <a:srgbClr val="FF0000"/>
+                </a:solidFill>
+                <a:highlight>
+                  <a:srgbClr val="FFFFFF"/>
+                </a:highlight>
+                <a:latin typeface="Cascadia Mono" panose="020B0609020000020004" pitchFamily="49" charset="0"/>
+              </a:rPr>
+              <a:t>xmlns</a:t>
+            </a:r>
+            <a:r>
+              <a:rPr lang="en-GB" sz="1800" dirty="0" err="1">
+                <a:solidFill>
+                  <a:srgbClr val="0000FF"/>
+                </a:solidFill>
+                <a:highlight>
+                  <a:srgbClr val="FFFFFF"/>
+                </a:highlight>
+                <a:latin typeface="Cascadia Mono" panose="020B0609020000020004" pitchFamily="49" charset="0"/>
+              </a:rPr>
+              <a:t>:</a:t>
+            </a:r>
+            <a:r>
+              <a:rPr lang="en-GB" sz="1800" dirty="0" err="1">
+                <a:solidFill>
+                  <a:srgbClr val="FF0000"/>
+                </a:solidFill>
+                <a:highlight>
+                  <a:srgbClr val="FFFFFF"/>
+                </a:highlight>
+                <a:latin typeface="Cascadia Mono" panose="020B0609020000020004" pitchFamily="49" charset="0"/>
+              </a:rPr>
+              <a:t>userControls</a:t>
+            </a:r>
+            <a:r>
+              <a:rPr lang="en-GB" sz="1800" dirty="0">
+                <a:solidFill>
+                  <a:srgbClr val="0000FF"/>
+                </a:solidFill>
+                <a:highlight>
+                  <a:srgbClr val="FFFFFF"/>
+                </a:highlight>
+                <a:latin typeface="Cascadia Mono" panose="020B0609020000020004" pitchFamily="49" charset="0"/>
+              </a:rPr>
+              <a:t>="</a:t>
+            </a:r>
+            <a:r>
+              <a:rPr lang="en-GB" sz="1800" dirty="0" err="1">
+                <a:solidFill>
+                  <a:srgbClr val="0000FF"/>
+                </a:solidFill>
+                <a:highlight>
+                  <a:srgbClr val="FFFFFF"/>
+                </a:highlight>
+                <a:latin typeface="Cascadia Mono" panose="020B0609020000020004" pitchFamily="49" charset="0"/>
+              </a:rPr>
+              <a:t>clr-namespace:Desktop_Contacts_App.Controls</a:t>
+            </a:r>
+            <a:r>
+              <a:rPr lang="en-GB" sz="1800" dirty="0">
+                <a:solidFill>
+                  <a:srgbClr val="0000FF"/>
+                </a:solidFill>
+                <a:highlight>
+                  <a:srgbClr val="FFFFFF"/>
+                </a:highlight>
+                <a:latin typeface="Cascadia Mono" panose="020B0609020000020004" pitchFamily="49" charset="0"/>
+              </a:rPr>
+              <a:t>"</a:t>
+            </a:r>
+            <a:endParaRPr lang="en-GB" dirty="0"/>
+          </a:p>
+        </p:txBody>
+      </p:sp>
     </p:spTree>
     <p:extLst>
       <p:ext uri="{BB962C8B-B14F-4D97-AF65-F5344CB8AC3E}">
@@ -6057,6 +8569,2572 @@
           <a:chExt cx="0" cy="0"/>
         </a:xfrm>
       </p:grpSpPr>
+      <p:sp>
+        <p:nvSpPr>
+          <p:cNvPr id="3" name="TextBox 2">
+            <a:extLst>
+              <a:ext uri="{FF2B5EF4-FFF2-40B4-BE49-F238E27FC236}">
+                <a16:creationId xmlns:a16="http://schemas.microsoft.com/office/drawing/2014/main" id="{FCE11B13-A73F-8F5B-2CDD-6FFD9BC45B87}"/>
+              </a:ext>
+            </a:extLst>
+          </p:cNvPr>
+          <p:cNvSpPr txBox="1"/>
+          <p:nvPr/>
+        </p:nvSpPr>
+        <p:spPr>
+          <a:xfrm>
+            <a:off x="0" y="187345"/>
+            <a:ext cx="8712517" cy="5262979"/>
+          </a:xfrm>
+          <a:prstGeom prst="rect">
+            <a:avLst/>
+          </a:prstGeom>
+          <a:noFill/>
+        </p:spPr>
+        <p:txBody>
+          <a:bodyPr wrap="square">
+            <a:spAutoFit/>
+          </a:bodyPr>
+          <a:lstStyle/>
+          <a:p>
+            <a:r>
+              <a:rPr lang="en-GB" sz="1200" dirty="0">
+                <a:solidFill>
+                  <a:srgbClr val="000000"/>
+                </a:solidFill>
+                <a:highlight>
+                  <a:srgbClr val="FFFFFF"/>
+                </a:highlight>
+                <a:latin typeface="Cascadia Mono" panose="020B0609020000020004" pitchFamily="49" charset="0"/>
+              </a:rPr>
+              <a:t> </a:t>
+            </a:r>
+            <a:r>
+              <a:rPr lang="en-GB" sz="1200" dirty="0">
+                <a:solidFill>
+                  <a:srgbClr val="0000FF"/>
+                </a:solidFill>
+                <a:highlight>
+                  <a:srgbClr val="FFFFFF"/>
+                </a:highlight>
+                <a:latin typeface="Cascadia Mono" panose="020B0609020000020004" pitchFamily="49" charset="0"/>
+              </a:rPr>
+              <a:t>&lt;</a:t>
+            </a:r>
+            <a:r>
+              <a:rPr lang="en-GB" sz="1200" dirty="0">
+                <a:solidFill>
+                  <a:srgbClr val="A31515"/>
+                </a:solidFill>
+                <a:highlight>
+                  <a:srgbClr val="FFFFFF"/>
+                </a:highlight>
+                <a:latin typeface="Cascadia Mono" panose="020B0609020000020004" pitchFamily="49" charset="0"/>
+              </a:rPr>
+              <a:t>Grid</a:t>
+            </a:r>
+            <a:r>
+              <a:rPr lang="en-GB" sz="1200" dirty="0">
+                <a:solidFill>
+                  <a:srgbClr val="0000FF"/>
+                </a:solidFill>
+                <a:highlight>
+                  <a:srgbClr val="FFFFFF"/>
+                </a:highlight>
+                <a:latin typeface="Cascadia Mono" panose="020B0609020000020004" pitchFamily="49" charset="0"/>
+              </a:rPr>
+              <a:t>&gt;</a:t>
+            </a:r>
+            <a:endParaRPr lang="en-GB" sz="1200" dirty="0">
+              <a:solidFill>
+                <a:srgbClr val="000000"/>
+              </a:solidFill>
+              <a:highlight>
+                <a:srgbClr val="FFFFFF"/>
+              </a:highlight>
+              <a:latin typeface="Cascadia Mono" panose="020B0609020000020004" pitchFamily="49" charset="0"/>
+            </a:endParaRPr>
+          </a:p>
+          <a:p>
+            <a:r>
+              <a:rPr lang="en-GB" sz="1200" dirty="0">
+                <a:solidFill>
+                  <a:srgbClr val="000000"/>
+                </a:solidFill>
+                <a:highlight>
+                  <a:srgbClr val="FFFFFF"/>
+                </a:highlight>
+                <a:latin typeface="Cascadia Mono" panose="020B0609020000020004" pitchFamily="49" charset="0"/>
+              </a:rPr>
+              <a:t>        </a:t>
+            </a:r>
+            <a:r>
+              <a:rPr lang="en-GB" sz="1200" dirty="0">
+                <a:solidFill>
+                  <a:srgbClr val="0000FF"/>
+                </a:solidFill>
+                <a:highlight>
+                  <a:srgbClr val="FFFFFF"/>
+                </a:highlight>
+                <a:latin typeface="Cascadia Mono" panose="020B0609020000020004" pitchFamily="49" charset="0"/>
+              </a:rPr>
+              <a:t>&lt;</a:t>
+            </a:r>
+            <a:r>
+              <a:rPr lang="en-GB" sz="1200" dirty="0" err="1">
+                <a:solidFill>
+                  <a:srgbClr val="A31515"/>
+                </a:solidFill>
+                <a:highlight>
+                  <a:srgbClr val="FFFFFF"/>
+                </a:highlight>
+                <a:latin typeface="Cascadia Mono" panose="020B0609020000020004" pitchFamily="49" charset="0"/>
+              </a:rPr>
+              <a:t>StackPanel</a:t>
+            </a:r>
+            <a:r>
+              <a:rPr lang="en-GB" sz="1200" dirty="0">
+                <a:solidFill>
+                  <a:srgbClr val="0000FF"/>
+                </a:solidFill>
+                <a:highlight>
+                  <a:srgbClr val="FFFFFF"/>
+                </a:highlight>
+                <a:latin typeface="Cascadia Mono" panose="020B0609020000020004" pitchFamily="49" charset="0"/>
+              </a:rPr>
+              <a:t>&gt;</a:t>
+            </a:r>
+            <a:endParaRPr lang="en-GB" sz="1200" dirty="0">
+              <a:solidFill>
+                <a:srgbClr val="000000"/>
+              </a:solidFill>
+              <a:highlight>
+                <a:srgbClr val="FFFFFF"/>
+              </a:highlight>
+              <a:latin typeface="Cascadia Mono" panose="020B0609020000020004" pitchFamily="49" charset="0"/>
+            </a:endParaRPr>
+          </a:p>
+          <a:p>
+            <a:r>
+              <a:rPr lang="en-GB" sz="1200" dirty="0">
+                <a:solidFill>
+                  <a:srgbClr val="000000"/>
+                </a:solidFill>
+                <a:highlight>
+                  <a:srgbClr val="FFFFFF"/>
+                </a:highlight>
+                <a:latin typeface="Cascadia Mono" panose="020B0609020000020004" pitchFamily="49" charset="0"/>
+              </a:rPr>
+              <a:t>            </a:t>
+            </a:r>
+            <a:r>
+              <a:rPr lang="en-GB" sz="1200" dirty="0">
+                <a:solidFill>
+                  <a:srgbClr val="0000FF"/>
+                </a:solidFill>
+                <a:highlight>
+                  <a:srgbClr val="FFFFFF"/>
+                </a:highlight>
+                <a:latin typeface="Cascadia Mono" panose="020B0609020000020004" pitchFamily="49" charset="0"/>
+              </a:rPr>
+              <a:t>&lt;</a:t>
+            </a:r>
+            <a:r>
+              <a:rPr lang="en-GB" sz="1200" dirty="0">
+                <a:solidFill>
+                  <a:srgbClr val="A31515"/>
+                </a:solidFill>
+                <a:highlight>
+                  <a:srgbClr val="FFFFFF"/>
+                </a:highlight>
+                <a:latin typeface="Cascadia Mono" panose="020B0609020000020004" pitchFamily="49" charset="0"/>
+              </a:rPr>
+              <a:t>Button</a:t>
+            </a:r>
+            <a:r>
+              <a:rPr lang="en-GB" sz="1200" dirty="0">
+                <a:solidFill>
+                  <a:srgbClr val="FF0000"/>
+                </a:solidFill>
+                <a:highlight>
+                  <a:srgbClr val="FFFFFF"/>
+                </a:highlight>
+                <a:latin typeface="Cascadia Mono" panose="020B0609020000020004" pitchFamily="49" charset="0"/>
+              </a:rPr>
+              <a:t> Content</a:t>
+            </a:r>
+            <a:r>
+              <a:rPr lang="en-GB" sz="1200" dirty="0">
+                <a:solidFill>
+                  <a:srgbClr val="0000FF"/>
+                </a:solidFill>
+                <a:highlight>
+                  <a:srgbClr val="FFFFFF"/>
+                </a:highlight>
+                <a:latin typeface="Cascadia Mono" panose="020B0609020000020004" pitchFamily="49" charset="0"/>
+              </a:rPr>
+              <a:t>="New contact"</a:t>
+            </a:r>
+            <a:endParaRPr lang="en-GB" sz="1200" dirty="0">
+              <a:solidFill>
+                <a:srgbClr val="000000"/>
+              </a:solidFill>
+              <a:highlight>
+                <a:srgbClr val="FFFFFF"/>
+              </a:highlight>
+              <a:latin typeface="Cascadia Mono" panose="020B0609020000020004" pitchFamily="49" charset="0"/>
+            </a:endParaRPr>
+          </a:p>
+          <a:p>
+            <a:r>
+              <a:rPr lang="en-GB" sz="1200" dirty="0">
+                <a:solidFill>
+                  <a:srgbClr val="000000"/>
+                </a:solidFill>
+                <a:highlight>
+                  <a:srgbClr val="FFFFFF"/>
+                </a:highlight>
+                <a:latin typeface="Cascadia Mono" panose="020B0609020000020004" pitchFamily="49" charset="0"/>
+              </a:rPr>
+              <a:t>                   </a:t>
+            </a:r>
+            <a:r>
+              <a:rPr lang="en-GB" sz="1200" dirty="0">
+                <a:solidFill>
+                  <a:srgbClr val="FF0000"/>
+                </a:solidFill>
+                <a:highlight>
+                  <a:srgbClr val="FFFFFF"/>
+                </a:highlight>
+                <a:latin typeface="Cascadia Mono" panose="020B0609020000020004" pitchFamily="49" charset="0"/>
+              </a:rPr>
+              <a:t> Click</a:t>
+            </a:r>
+            <a:r>
+              <a:rPr lang="en-GB" sz="1200" dirty="0">
+                <a:solidFill>
+                  <a:srgbClr val="0000FF"/>
+                </a:solidFill>
+                <a:highlight>
+                  <a:srgbClr val="FFFFFF"/>
+                </a:highlight>
+                <a:latin typeface="Cascadia Mono" panose="020B0609020000020004" pitchFamily="49" charset="0"/>
+              </a:rPr>
+              <a:t>="</a:t>
+            </a:r>
+            <a:r>
+              <a:rPr lang="en-GB" sz="1200" dirty="0" err="1">
+                <a:solidFill>
+                  <a:srgbClr val="0000FF"/>
+                </a:solidFill>
+                <a:highlight>
+                  <a:srgbClr val="FFFFFF"/>
+                </a:highlight>
+                <a:latin typeface="Cascadia Mono" panose="020B0609020000020004" pitchFamily="49" charset="0"/>
+              </a:rPr>
+              <a:t>Button_Click</a:t>
+            </a:r>
+            <a:r>
+              <a:rPr lang="en-GB" sz="1200" dirty="0">
+                <a:solidFill>
+                  <a:srgbClr val="0000FF"/>
+                </a:solidFill>
+                <a:highlight>
+                  <a:srgbClr val="FFFFFF"/>
+                </a:highlight>
+                <a:latin typeface="Cascadia Mono" panose="020B0609020000020004" pitchFamily="49" charset="0"/>
+              </a:rPr>
+              <a:t>"/&gt;</a:t>
+            </a:r>
+            <a:endParaRPr lang="en-GB" sz="1200" dirty="0">
+              <a:solidFill>
+                <a:srgbClr val="000000"/>
+              </a:solidFill>
+              <a:highlight>
+                <a:srgbClr val="FFFFFF"/>
+              </a:highlight>
+              <a:latin typeface="Cascadia Mono" panose="020B0609020000020004" pitchFamily="49" charset="0"/>
+            </a:endParaRPr>
+          </a:p>
+          <a:p>
+            <a:endParaRPr lang="en-GB" sz="1200" dirty="0">
+              <a:solidFill>
+                <a:srgbClr val="000000"/>
+              </a:solidFill>
+              <a:highlight>
+                <a:srgbClr val="FFFFFF"/>
+              </a:highlight>
+              <a:latin typeface="Cascadia Mono" panose="020B0609020000020004" pitchFamily="49" charset="0"/>
+            </a:endParaRPr>
+          </a:p>
+          <a:p>
+            <a:r>
+              <a:rPr lang="fr-FR" sz="1200" dirty="0">
+                <a:solidFill>
+                  <a:srgbClr val="000000"/>
+                </a:solidFill>
+                <a:highlight>
+                  <a:srgbClr val="FFFFFF"/>
+                </a:highlight>
+                <a:latin typeface="Cascadia Mono" panose="020B0609020000020004" pitchFamily="49" charset="0"/>
+              </a:rPr>
+              <a:t>            </a:t>
+            </a:r>
+            <a:r>
+              <a:rPr lang="fr-FR" sz="1200" dirty="0">
+                <a:solidFill>
+                  <a:srgbClr val="0000FF"/>
+                </a:solidFill>
+                <a:highlight>
+                  <a:srgbClr val="FFFFFF"/>
+                </a:highlight>
+                <a:latin typeface="Cascadia Mono" panose="020B0609020000020004" pitchFamily="49" charset="0"/>
+              </a:rPr>
+              <a:t>&lt;</a:t>
+            </a:r>
+            <a:r>
+              <a:rPr lang="fr-FR" sz="1200" dirty="0" err="1">
+                <a:solidFill>
+                  <a:srgbClr val="A31515"/>
+                </a:solidFill>
+                <a:highlight>
+                  <a:srgbClr val="FFFFFF"/>
+                </a:highlight>
+                <a:latin typeface="Cascadia Mono" panose="020B0609020000020004" pitchFamily="49" charset="0"/>
+              </a:rPr>
+              <a:t>TextBox</a:t>
+            </a:r>
+            <a:r>
+              <a:rPr lang="fr-FR" sz="1200" dirty="0">
+                <a:solidFill>
+                  <a:srgbClr val="FF0000"/>
+                </a:solidFill>
+                <a:highlight>
+                  <a:srgbClr val="FFFFFF"/>
+                </a:highlight>
+                <a:latin typeface="Cascadia Mono" panose="020B0609020000020004" pitchFamily="49" charset="0"/>
+              </a:rPr>
+              <a:t> </a:t>
+            </a:r>
+            <a:r>
+              <a:rPr lang="fr-FR" sz="1200" dirty="0" err="1">
+                <a:solidFill>
+                  <a:srgbClr val="FF0000"/>
+                </a:solidFill>
+                <a:highlight>
+                  <a:srgbClr val="FFFFFF"/>
+                </a:highlight>
+                <a:latin typeface="Cascadia Mono" panose="020B0609020000020004" pitchFamily="49" charset="0"/>
+              </a:rPr>
+              <a:t>Margin</a:t>
+            </a:r>
+            <a:r>
+              <a:rPr lang="fr-FR" sz="1200" dirty="0">
+                <a:solidFill>
+                  <a:srgbClr val="0000FF"/>
+                </a:solidFill>
+                <a:highlight>
+                  <a:srgbClr val="FFFFFF"/>
+                </a:highlight>
+                <a:latin typeface="Cascadia Mono" panose="020B0609020000020004" pitchFamily="49" charset="0"/>
+              </a:rPr>
+              <a:t>="0 5 0 5"</a:t>
+            </a:r>
+            <a:endParaRPr lang="fr-FR" sz="1200" dirty="0">
+              <a:solidFill>
+                <a:srgbClr val="000000"/>
+              </a:solidFill>
+              <a:highlight>
+                <a:srgbClr val="FFFFFF"/>
+              </a:highlight>
+              <a:latin typeface="Cascadia Mono" panose="020B0609020000020004" pitchFamily="49" charset="0"/>
+            </a:endParaRPr>
+          </a:p>
+          <a:p>
+            <a:r>
+              <a:rPr lang="en-GB" sz="1200" dirty="0">
+                <a:solidFill>
+                  <a:srgbClr val="000000"/>
+                </a:solidFill>
+                <a:highlight>
+                  <a:srgbClr val="FFFFFF"/>
+                </a:highlight>
+                <a:latin typeface="Cascadia Mono" panose="020B0609020000020004" pitchFamily="49" charset="0"/>
+              </a:rPr>
+              <a:t>                    </a:t>
+            </a:r>
+            <a:r>
+              <a:rPr lang="en-GB" sz="1200" dirty="0">
+                <a:solidFill>
+                  <a:srgbClr val="FF0000"/>
+                </a:solidFill>
+                <a:highlight>
+                  <a:srgbClr val="FFFFFF"/>
+                </a:highlight>
+                <a:latin typeface="Cascadia Mono" panose="020B0609020000020004" pitchFamily="49" charset="0"/>
+              </a:rPr>
+              <a:t> </a:t>
+            </a:r>
+            <a:r>
+              <a:rPr lang="en-GB" sz="1200" dirty="0" err="1">
+                <a:solidFill>
+                  <a:srgbClr val="FF0000"/>
+                </a:solidFill>
+                <a:highlight>
+                  <a:srgbClr val="FFFFFF"/>
+                </a:highlight>
+                <a:latin typeface="Cascadia Mono" panose="020B0609020000020004" pitchFamily="49" charset="0"/>
+              </a:rPr>
+              <a:t>TextChanged</a:t>
+            </a:r>
+            <a:r>
+              <a:rPr lang="en-GB" sz="1200" dirty="0">
+                <a:solidFill>
+                  <a:srgbClr val="0000FF"/>
+                </a:solidFill>
+                <a:highlight>
+                  <a:srgbClr val="FFFFFF"/>
+                </a:highlight>
+                <a:latin typeface="Cascadia Mono" panose="020B0609020000020004" pitchFamily="49" charset="0"/>
+              </a:rPr>
+              <a:t>="</a:t>
+            </a:r>
+            <a:r>
+              <a:rPr lang="en-GB" sz="1200" dirty="0" err="1">
+                <a:solidFill>
+                  <a:srgbClr val="0000FF"/>
+                </a:solidFill>
+                <a:highlight>
+                  <a:srgbClr val="FFFFFF"/>
+                </a:highlight>
+                <a:latin typeface="Cascadia Mono" panose="020B0609020000020004" pitchFamily="49" charset="0"/>
+              </a:rPr>
+              <a:t>TextBox_TextChanged</a:t>
+            </a:r>
+            <a:r>
+              <a:rPr lang="en-GB" sz="1200" dirty="0">
+                <a:solidFill>
+                  <a:srgbClr val="0000FF"/>
+                </a:solidFill>
+                <a:highlight>
+                  <a:srgbClr val="FFFFFF"/>
+                </a:highlight>
+                <a:latin typeface="Cascadia Mono" panose="020B0609020000020004" pitchFamily="49" charset="0"/>
+              </a:rPr>
+              <a:t>"/&gt;</a:t>
+            </a:r>
+            <a:endParaRPr lang="en-GB" sz="1200" dirty="0">
+              <a:solidFill>
+                <a:srgbClr val="000000"/>
+              </a:solidFill>
+              <a:highlight>
+                <a:srgbClr val="FFFFFF"/>
+              </a:highlight>
+              <a:latin typeface="Cascadia Mono" panose="020B0609020000020004" pitchFamily="49" charset="0"/>
+            </a:endParaRPr>
+          </a:p>
+          <a:p>
+            <a:r>
+              <a:rPr lang="en-GB" sz="1200" dirty="0">
+                <a:solidFill>
+                  <a:srgbClr val="000000"/>
+                </a:solidFill>
+                <a:highlight>
+                  <a:srgbClr val="FFFFFF"/>
+                </a:highlight>
+                <a:latin typeface="Cascadia Mono" panose="020B0609020000020004" pitchFamily="49" charset="0"/>
+              </a:rPr>
+              <a:t>            </a:t>
+            </a:r>
+          </a:p>
+          <a:p>
+            <a:r>
+              <a:rPr lang="en-GB" sz="1200" dirty="0">
+                <a:solidFill>
+                  <a:srgbClr val="000000"/>
+                </a:solidFill>
+                <a:highlight>
+                  <a:srgbClr val="FFFFFF"/>
+                </a:highlight>
+                <a:latin typeface="Cascadia Mono" panose="020B0609020000020004" pitchFamily="49" charset="0"/>
+              </a:rPr>
+              <a:t>            </a:t>
+            </a:r>
+            <a:r>
+              <a:rPr lang="en-GB" sz="1200" dirty="0">
+                <a:solidFill>
+                  <a:srgbClr val="0000FF"/>
+                </a:solidFill>
+                <a:highlight>
+                  <a:srgbClr val="FFFFFF"/>
+                </a:highlight>
+                <a:latin typeface="Cascadia Mono" panose="020B0609020000020004" pitchFamily="49" charset="0"/>
+              </a:rPr>
+              <a:t>&lt;</a:t>
+            </a:r>
+            <a:r>
+              <a:rPr lang="en-GB" sz="1200" dirty="0" err="1">
+                <a:solidFill>
+                  <a:srgbClr val="A31515"/>
+                </a:solidFill>
+                <a:highlight>
+                  <a:srgbClr val="FFFFFF"/>
+                </a:highlight>
+                <a:latin typeface="Cascadia Mono" panose="020B0609020000020004" pitchFamily="49" charset="0"/>
+              </a:rPr>
+              <a:t>ListView</a:t>
+            </a:r>
+            <a:r>
+              <a:rPr lang="en-GB" sz="1200" dirty="0">
+                <a:solidFill>
+                  <a:srgbClr val="FF0000"/>
+                </a:solidFill>
+                <a:highlight>
+                  <a:srgbClr val="FFFFFF"/>
+                </a:highlight>
+                <a:latin typeface="Cascadia Mono" panose="020B0609020000020004" pitchFamily="49" charset="0"/>
+              </a:rPr>
+              <a:t> x</a:t>
+            </a:r>
+            <a:r>
+              <a:rPr lang="en-GB" sz="1200" dirty="0">
+                <a:solidFill>
+                  <a:srgbClr val="0000FF"/>
+                </a:solidFill>
+                <a:highlight>
+                  <a:srgbClr val="FFFFFF"/>
+                </a:highlight>
+                <a:latin typeface="Cascadia Mono" panose="020B0609020000020004" pitchFamily="49" charset="0"/>
+              </a:rPr>
+              <a:t>:</a:t>
+            </a:r>
+            <a:r>
+              <a:rPr lang="en-GB" sz="1200" dirty="0">
+                <a:solidFill>
+                  <a:srgbClr val="FF0000"/>
+                </a:solidFill>
+                <a:highlight>
+                  <a:srgbClr val="FFFFFF"/>
+                </a:highlight>
+                <a:latin typeface="Cascadia Mono" panose="020B0609020000020004" pitchFamily="49" charset="0"/>
+              </a:rPr>
+              <a:t>Name</a:t>
+            </a:r>
+            <a:r>
+              <a:rPr lang="en-GB" sz="1200" dirty="0">
+                <a:solidFill>
+                  <a:srgbClr val="0000FF"/>
+                </a:solidFill>
+                <a:highlight>
+                  <a:srgbClr val="FFFFFF"/>
+                </a:highlight>
+                <a:latin typeface="Cascadia Mono" panose="020B0609020000020004" pitchFamily="49" charset="0"/>
+              </a:rPr>
+              <a:t>="contactsListView"</a:t>
+            </a:r>
+            <a:endParaRPr lang="en-GB" sz="1200" dirty="0">
+              <a:solidFill>
+                <a:srgbClr val="000000"/>
+              </a:solidFill>
+              <a:highlight>
+                <a:srgbClr val="FFFFFF"/>
+              </a:highlight>
+              <a:latin typeface="Cascadia Mono" panose="020B0609020000020004" pitchFamily="49" charset="0"/>
+            </a:endParaRPr>
+          </a:p>
+          <a:p>
+            <a:r>
+              <a:rPr lang="en-GB" sz="1200" dirty="0">
+                <a:solidFill>
+                  <a:srgbClr val="000000"/>
+                </a:solidFill>
+                <a:highlight>
+                  <a:srgbClr val="FFFFFF"/>
+                </a:highlight>
+                <a:latin typeface="Cascadia Mono" panose="020B0609020000020004" pitchFamily="49" charset="0"/>
+              </a:rPr>
+              <a:t>                   </a:t>
+            </a:r>
+            <a:r>
+              <a:rPr lang="en-GB" sz="1200" dirty="0">
+                <a:solidFill>
+                  <a:srgbClr val="FF0000"/>
+                </a:solidFill>
+                <a:highlight>
+                  <a:srgbClr val="FFFFFF"/>
+                </a:highlight>
+                <a:latin typeface="Cascadia Mono" panose="020B0609020000020004" pitchFamily="49" charset="0"/>
+              </a:rPr>
+              <a:t> Margin</a:t>
+            </a:r>
+            <a:r>
+              <a:rPr lang="en-GB" sz="1200" dirty="0">
+                <a:solidFill>
+                  <a:srgbClr val="0000FF"/>
+                </a:solidFill>
+                <a:highlight>
+                  <a:srgbClr val="FFFFFF"/>
+                </a:highlight>
+                <a:latin typeface="Cascadia Mono" panose="020B0609020000020004" pitchFamily="49" charset="0"/>
+              </a:rPr>
+              <a:t>="0, 5, 0, 0"&gt;</a:t>
+            </a:r>
+            <a:endParaRPr lang="en-GB" sz="1200" dirty="0">
+              <a:solidFill>
+                <a:srgbClr val="000000"/>
+              </a:solidFill>
+              <a:highlight>
+                <a:srgbClr val="FFFFFF"/>
+              </a:highlight>
+              <a:latin typeface="Cascadia Mono" panose="020B0609020000020004" pitchFamily="49" charset="0"/>
+            </a:endParaRPr>
+          </a:p>
+          <a:p>
+            <a:r>
+              <a:rPr lang="en-GB" sz="1200" dirty="0">
+                <a:solidFill>
+                  <a:srgbClr val="000000"/>
+                </a:solidFill>
+                <a:highlight>
+                  <a:srgbClr val="FFFFFF"/>
+                </a:highlight>
+                <a:latin typeface="Cascadia Mono" panose="020B0609020000020004" pitchFamily="49" charset="0"/>
+              </a:rPr>
+              <a:t>                </a:t>
+            </a:r>
+            <a:r>
+              <a:rPr lang="en-GB" sz="1200" dirty="0">
+                <a:solidFill>
+                  <a:srgbClr val="0000FF"/>
+                </a:solidFill>
+                <a:highlight>
+                  <a:srgbClr val="FFFFFF"/>
+                </a:highlight>
+                <a:latin typeface="Cascadia Mono" panose="020B0609020000020004" pitchFamily="49" charset="0"/>
+              </a:rPr>
+              <a:t>&lt;</a:t>
+            </a:r>
+            <a:r>
+              <a:rPr lang="en-GB" sz="1200" dirty="0" err="1">
+                <a:solidFill>
+                  <a:srgbClr val="A31515"/>
+                </a:solidFill>
+                <a:highlight>
+                  <a:srgbClr val="FFFFFF"/>
+                </a:highlight>
+                <a:latin typeface="Cascadia Mono" panose="020B0609020000020004" pitchFamily="49" charset="0"/>
+              </a:rPr>
+              <a:t>ListView.ItemTemplate</a:t>
+            </a:r>
+            <a:r>
+              <a:rPr lang="en-GB" sz="1200" dirty="0">
+                <a:solidFill>
+                  <a:srgbClr val="0000FF"/>
+                </a:solidFill>
+                <a:highlight>
+                  <a:srgbClr val="FFFFFF"/>
+                </a:highlight>
+                <a:latin typeface="Cascadia Mono" panose="020B0609020000020004" pitchFamily="49" charset="0"/>
+              </a:rPr>
+              <a:t>&gt;</a:t>
+            </a:r>
+            <a:endParaRPr lang="en-GB" sz="1200" dirty="0">
+              <a:solidFill>
+                <a:srgbClr val="000000"/>
+              </a:solidFill>
+              <a:highlight>
+                <a:srgbClr val="FFFFFF"/>
+              </a:highlight>
+              <a:latin typeface="Cascadia Mono" panose="020B0609020000020004" pitchFamily="49" charset="0"/>
+            </a:endParaRPr>
+          </a:p>
+          <a:p>
+            <a:r>
+              <a:rPr lang="en-GB" sz="1200" dirty="0">
+                <a:solidFill>
+                  <a:srgbClr val="000000"/>
+                </a:solidFill>
+                <a:highlight>
+                  <a:srgbClr val="FFFFFF"/>
+                </a:highlight>
+                <a:latin typeface="Cascadia Mono" panose="020B0609020000020004" pitchFamily="49" charset="0"/>
+              </a:rPr>
+              <a:t>                    </a:t>
+            </a:r>
+            <a:r>
+              <a:rPr lang="en-GB" sz="1200" dirty="0">
+                <a:solidFill>
+                  <a:srgbClr val="0000FF"/>
+                </a:solidFill>
+                <a:highlight>
+                  <a:srgbClr val="FFFFFF"/>
+                </a:highlight>
+                <a:latin typeface="Cascadia Mono" panose="020B0609020000020004" pitchFamily="49" charset="0"/>
+              </a:rPr>
+              <a:t>&lt;</a:t>
+            </a:r>
+            <a:r>
+              <a:rPr lang="en-GB" sz="1200" dirty="0" err="1">
+                <a:solidFill>
+                  <a:srgbClr val="A31515"/>
+                </a:solidFill>
+                <a:highlight>
+                  <a:srgbClr val="FFFFFF"/>
+                </a:highlight>
+                <a:latin typeface="Cascadia Mono" panose="020B0609020000020004" pitchFamily="49" charset="0"/>
+              </a:rPr>
+              <a:t>DataTemplate</a:t>
+            </a:r>
+            <a:r>
+              <a:rPr lang="en-GB" sz="1200" dirty="0">
+                <a:solidFill>
+                  <a:srgbClr val="0000FF"/>
+                </a:solidFill>
+                <a:highlight>
+                  <a:srgbClr val="FFFFFF"/>
+                </a:highlight>
+                <a:latin typeface="Cascadia Mono" panose="020B0609020000020004" pitchFamily="49" charset="0"/>
+              </a:rPr>
+              <a:t>&gt;</a:t>
+            </a:r>
+            <a:endParaRPr lang="en-GB" sz="1200" dirty="0">
+              <a:solidFill>
+                <a:srgbClr val="000000"/>
+              </a:solidFill>
+              <a:highlight>
+                <a:srgbClr val="FFFFFF"/>
+              </a:highlight>
+              <a:latin typeface="Cascadia Mono" panose="020B0609020000020004" pitchFamily="49" charset="0"/>
+            </a:endParaRPr>
+          </a:p>
+          <a:p>
+            <a:r>
+              <a:rPr lang="en-GB" sz="1200" strike="sngStrike" dirty="0">
+                <a:solidFill>
+                  <a:srgbClr val="000000"/>
+                </a:solidFill>
+                <a:highlight>
+                  <a:srgbClr val="FFFFFF"/>
+                </a:highlight>
+                <a:latin typeface="Cascadia Mono" panose="020B0609020000020004" pitchFamily="49" charset="0"/>
+              </a:rPr>
+              <a:t>                        </a:t>
+            </a:r>
+            <a:r>
+              <a:rPr lang="en-GB" sz="1200" strike="sngStrike" dirty="0">
+                <a:solidFill>
+                  <a:srgbClr val="0000FF"/>
+                </a:solidFill>
+                <a:highlight>
+                  <a:srgbClr val="FFFFFF"/>
+                </a:highlight>
+                <a:latin typeface="Cascadia Mono" panose="020B0609020000020004" pitchFamily="49" charset="0"/>
+              </a:rPr>
+              <a:t>&lt;</a:t>
+            </a:r>
+            <a:r>
+              <a:rPr lang="en-GB" sz="1200" strike="sngStrike" dirty="0" err="1">
+                <a:solidFill>
+                  <a:srgbClr val="A31515"/>
+                </a:solidFill>
+                <a:highlight>
+                  <a:srgbClr val="FFFFFF"/>
+                </a:highlight>
+                <a:latin typeface="Cascadia Mono" panose="020B0609020000020004" pitchFamily="49" charset="0"/>
+              </a:rPr>
+              <a:t>StackPanel</a:t>
+            </a:r>
+            <a:r>
+              <a:rPr lang="en-GB" sz="1200" strike="sngStrike" dirty="0">
+                <a:solidFill>
+                  <a:srgbClr val="0000FF"/>
+                </a:solidFill>
+                <a:highlight>
+                  <a:srgbClr val="FFFFFF"/>
+                </a:highlight>
+                <a:latin typeface="Cascadia Mono" panose="020B0609020000020004" pitchFamily="49" charset="0"/>
+              </a:rPr>
+              <a:t>&gt;</a:t>
+            </a:r>
+            <a:endParaRPr lang="en-GB" sz="1200" strike="sngStrike" dirty="0">
+              <a:solidFill>
+                <a:srgbClr val="000000"/>
+              </a:solidFill>
+              <a:highlight>
+                <a:srgbClr val="FFFFFF"/>
+              </a:highlight>
+              <a:latin typeface="Cascadia Mono" panose="020B0609020000020004" pitchFamily="49" charset="0"/>
+            </a:endParaRPr>
+          </a:p>
+          <a:p>
+            <a:r>
+              <a:rPr lang="en-GB" sz="1200" strike="sngStrike" dirty="0">
+                <a:solidFill>
+                  <a:srgbClr val="000000"/>
+                </a:solidFill>
+                <a:highlight>
+                  <a:srgbClr val="FFFFFF"/>
+                </a:highlight>
+                <a:latin typeface="Cascadia Mono" panose="020B0609020000020004" pitchFamily="49" charset="0"/>
+              </a:rPr>
+              <a:t>                            </a:t>
+            </a:r>
+            <a:r>
+              <a:rPr lang="en-GB" sz="1200" strike="sngStrike" dirty="0">
+                <a:solidFill>
+                  <a:srgbClr val="0000FF"/>
+                </a:solidFill>
+                <a:highlight>
+                  <a:srgbClr val="FFFFFF"/>
+                </a:highlight>
+                <a:latin typeface="Cascadia Mono" panose="020B0609020000020004" pitchFamily="49" charset="0"/>
+              </a:rPr>
+              <a:t>&lt;</a:t>
+            </a:r>
+            <a:r>
+              <a:rPr lang="en-GB" sz="1200" strike="sngStrike" dirty="0" err="1">
+                <a:solidFill>
+                  <a:srgbClr val="A31515"/>
+                </a:solidFill>
+                <a:highlight>
+                  <a:srgbClr val="FFFFFF"/>
+                </a:highlight>
+                <a:latin typeface="Cascadia Mono" panose="020B0609020000020004" pitchFamily="49" charset="0"/>
+              </a:rPr>
+              <a:t>TextBlock</a:t>
+            </a:r>
+            <a:r>
+              <a:rPr lang="en-GB" sz="1200" strike="sngStrike" dirty="0">
+                <a:solidFill>
+                  <a:srgbClr val="FF0000"/>
+                </a:solidFill>
+                <a:highlight>
+                  <a:srgbClr val="FFFFFF"/>
+                </a:highlight>
+                <a:latin typeface="Cascadia Mono" panose="020B0609020000020004" pitchFamily="49" charset="0"/>
+              </a:rPr>
+              <a:t> Text</a:t>
+            </a:r>
+            <a:r>
+              <a:rPr lang="en-GB" sz="1200" strike="sngStrike" dirty="0">
+                <a:solidFill>
+                  <a:srgbClr val="0000FF"/>
+                </a:solidFill>
+                <a:highlight>
+                  <a:srgbClr val="FFFFFF"/>
+                </a:highlight>
+                <a:latin typeface="Cascadia Mono" panose="020B0609020000020004" pitchFamily="49" charset="0"/>
+              </a:rPr>
+              <a:t>="{</a:t>
+            </a:r>
+            <a:r>
+              <a:rPr lang="en-GB" sz="1200" strike="sngStrike" dirty="0">
+                <a:solidFill>
+                  <a:srgbClr val="A31515"/>
+                </a:solidFill>
+                <a:highlight>
+                  <a:srgbClr val="FFFFFF"/>
+                </a:highlight>
+                <a:latin typeface="Cascadia Mono" panose="020B0609020000020004" pitchFamily="49" charset="0"/>
+              </a:rPr>
+              <a:t>Binding</a:t>
+            </a:r>
+            <a:r>
+              <a:rPr lang="en-GB" sz="1200" strike="sngStrike" dirty="0">
+                <a:solidFill>
+                  <a:srgbClr val="FF0000"/>
+                </a:solidFill>
+                <a:highlight>
+                  <a:srgbClr val="FFFFFF"/>
+                </a:highlight>
+                <a:latin typeface="Cascadia Mono" panose="020B0609020000020004" pitchFamily="49" charset="0"/>
+              </a:rPr>
+              <a:t> Name</a:t>
+            </a:r>
+            <a:r>
+              <a:rPr lang="en-GB" sz="1200" strike="sngStrike" dirty="0">
+                <a:solidFill>
+                  <a:srgbClr val="0000FF"/>
+                </a:solidFill>
+                <a:highlight>
+                  <a:srgbClr val="FFFFFF"/>
+                </a:highlight>
+                <a:latin typeface="Cascadia Mono" panose="020B0609020000020004" pitchFamily="49" charset="0"/>
+              </a:rPr>
+              <a:t>}"</a:t>
+            </a:r>
+            <a:endParaRPr lang="en-GB" sz="1200" strike="sngStrike" dirty="0">
+              <a:solidFill>
+                <a:srgbClr val="000000"/>
+              </a:solidFill>
+              <a:highlight>
+                <a:srgbClr val="FFFFFF"/>
+              </a:highlight>
+              <a:latin typeface="Cascadia Mono" panose="020B0609020000020004" pitchFamily="49" charset="0"/>
+            </a:endParaRPr>
+          </a:p>
+          <a:p>
+            <a:r>
+              <a:rPr lang="en-GB" sz="1200" strike="sngStrike" dirty="0">
+                <a:solidFill>
+                  <a:srgbClr val="000000"/>
+                </a:solidFill>
+                <a:highlight>
+                  <a:srgbClr val="FFFFFF"/>
+                </a:highlight>
+                <a:latin typeface="Cascadia Mono" panose="020B0609020000020004" pitchFamily="49" charset="0"/>
+              </a:rPr>
+              <a:t>                                      </a:t>
+            </a:r>
+            <a:r>
+              <a:rPr lang="en-GB" sz="1200" strike="sngStrike" dirty="0">
+                <a:solidFill>
+                  <a:srgbClr val="FF0000"/>
+                </a:solidFill>
+                <a:highlight>
+                  <a:srgbClr val="FFFFFF"/>
+                </a:highlight>
+                <a:latin typeface="Cascadia Mono" panose="020B0609020000020004" pitchFamily="49" charset="0"/>
+              </a:rPr>
+              <a:t> </a:t>
+            </a:r>
+            <a:r>
+              <a:rPr lang="en-GB" sz="1200" strike="sngStrike" dirty="0" err="1">
+                <a:solidFill>
+                  <a:srgbClr val="FF0000"/>
+                </a:solidFill>
+                <a:highlight>
+                  <a:srgbClr val="FFFFFF"/>
+                </a:highlight>
+                <a:latin typeface="Cascadia Mono" panose="020B0609020000020004" pitchFamily="49" charset="0"/>
+              </a:rPr>
+              <a:t>FontSize</a:t>
+            </a:r>
+            <a:r>
+              <a:rPr lang="en-GB" sz="1200" strike="sngStrike" dirty="0">
+                <a:solidFill>
+                  <a:srgbClr val="0000FF"/>
+                </a:solidFill>
+                <a:highlight>
+                  <a:srgbClr val="FFFFFF"/>
+                </a:highlight>
+                <a:latin typeface="Cascadia Mono" panose="020B0609020000020004" pitchFamily="49" charset="0"/>
+              </a:rPr>
+              <a:t>="20"</a:t>
+            </a:r>
+            <a:endParaRPr lang="en-GB" sz="1200" strike="sngStrike" dirty="0">
+              <a:solidFill>
+                <a:srgbClr val="000000"/>
+              </a:solidFill>
+              <a:highlight>
+                <a:srgbClr val="FFFFFF"/>
+              </a:highlight>
+              <a:latin typeface="Cascadia Mono" panose="020B0609020000020004" pitchFamily="49" charset="0"/>
+            </a:endParaRPr>
+          </a:p>
+          <a:p>
+            <a:r>
+              <a:rPr lang="en-GB" sz="1200" strike="sngStrike" dirty="0">
+                <a:solidFill>
+                  <a:srgbClr val="000000"/>
+                </a:solidFill>
+                <a:highlight>
+                  <a:srgbClr val="FFFFFF"/>
+                </a:highlight>
+                <a:latin typeface="Cascadia Mono" panose="020B0609020000020004" pitchFamily="49" charset="0"/>
+              </a:rPr>
+              <a:t>                                      </a:t>
+            </a:r>
+            <a:r>
+              <a:rPr lang="en-GB" sz="1200" strike="sngStrike" dirty="0">
+                <a:solidFill>
+                  <a:srgbClr val="FF0000"/>
+                </a:solidFill>
+                <a:highlight>
+                  <a:srgbClr val="FFFFFF"/>
+                </a:highlight>
+                <a:latin typeface="Cascadia Mono" panose="020B0609020000020004" pitchFamily="49" charset="0"/>
+              </a:rPr>
+              <a:t> </a:t>
+            </a:r>
+            <a:r>
+              <a:rPr lang="en-GB" sz="1200" strike="sngStrike" dirty="0" err="1">
+                <a:solidFill>
+                  <a:srgbClr val="FF0000"/>
+                </a:solidFill>
+                <a:highlight>
+                  <a:srgbClr val="FFFFFF"/>
+                </a:highlight>
+                <a:latin typeface="Cascadia Mono" panose="020B0609020000020004" pitchFamily="49" charset="0"/>
+              </a:rPr>
+              <a:t>FontWeight</a:t>
+            </a:r>
+            <a:r>
+              <a:rPr lang="en-GB" sz="1200" strike="sngStrike" dirty="0">
+                <a:solidFill>
+                  <a:srgbClr val="0000FF"/>
+                </a:solidFill>
+                <a:highlight>
+                  <a:srgbClr val="FFFFFF"/>
+                </a:highlight>
+                <a:latin typeface="Cascadia Mono" panose="020B0609020000020004" pitchFamily="49" charset="0"/>
+              </a:rPr>
+              <a:t>="Bold"/&gt;</a:t>
+            </a:r>
+            <a:endParaRPr lang="en-GB" sz="1200" strike="sngStrike" dirty="0">
+              <a:solidFill>
+                <a:srgbClr val="000000"/>
+              </a:solidFill>
+              <a:highlight>
+                <a:srgbClr val="FFFFFF"/>
+              </a:highlight>
+              <a:latin typeface="Cascadia Mono" panose="020B0609020000020004" pitchFamily="49" charset="0"/>
+            </a:endParaRPr>
+          </a:p>
+          <a:p>
+            <a:r>
+              <a:rPr lang="en-GB" sz="1200" strike="sngStrike" dirty="0">
+                <a:solidFill>
+                  <a:srgbClr val="000000"/>
+                </a:solidFill>
+                <a:highlight>
+                  <a:srgbClr val="FFFFFF"/>
+                </a:highlight>
+                <a:latin typeface="Cascadia Mono" panose="020B0609020000020004" pitchFamily="49" charset="0"/>
+              </a:rPr>
+              <a:t>                            </a:t>
+            </a:r>
+            <a:r>
+              <a:rPr lang="en-GB" sz="1200" strike="sngStrike" dirty="0">
+                <a:solidFill>
+                  <a:srgbClr val="0000FF"/>
+                </a:solidFill>
+                <a:highlight>
+                  <a:srgbClr val="FFFFFF"/>
+                </a:highlight>
+                <a:latin typeface="Cascadia Mono" panose="020B0609020000020004" pitchFamily="49" charset="0"/>
+              </a:rPr>
+              <a:t>&lt;</a:t>
+            </a:r>
+            <a:r>
+              <a:rPr lang="en-GB" sz="1200" strike="sngStrike" dirty="0" err="1">
+                <a:solidFill>
+                  <a:srgbClr val="A31515"/>
+                </a:solidFill>
+                <a:highlight>
+                  <a:srgbClr val="FFFFFF"/>
+                </a:highlight>
+                <a:latin typeface="Cascadia Mono" panose="020B0609020000020004" pitchFamily="49" charset="0"/>
+              </a:rPr>
+              <a:t>TextBlock</a:t>
+            </a:r>
+            <a:r>
+              <a:rPr lang="en-GB" sz="1200" strike="sngStrike" dirty="0">
+                <a:solidFill>
+                  <a:srgbClr val="FF0000"/>
+                </a:solidFill>
+                <a:highlight>
+                  <a:srgbClr val="FFFFFF"/>
+                </a:highlight>
+                <a:latin typeface="Cascadia Mono" panose="020B0609020000020004" pitchFamily="49" charset="0"/>
+              </a:rPr>
+              <a:t> Text</a:t>
+            </a:r>
+            <a:r>
+              <a:rPr lang="en-GB" sz="1200" strike="sngStrike" dirty="0">
+                <a:solidFill>
+                  <a:srgbClr val="0000FF"/>
+                </a:solidFill>
+                <a:highlight>
+                  <a:srgbClr val="FFFFFF"/>
+                </a:highlight>
+                <a:latin typeface="Cascadia Mono" panose="020B0609020000020004" pitchFamily="49" charset="0"/>
+              </a:rPr>
+              <a:t>="{</a:t>
+            </a:r>
+            <a:r>
+              <a:rPr lang="en-GB" sz="1200" strike="sngStrike" dirty="0">
+                <a:solidFill>
+                  <a:srgbClr val="A31515"/>
+                </a:solidFill>
+                <a:highlight>
+                  <a:srgbClr val="FFFFFF"/>
+                </a:highlight>
+                <a:latin typeface="Cascadia Mono" panose="020B0609020000020004" pitchFamily="49" charset="0"/>
+              </a:rPr>
+              <a:t>Binding</a:t>
+            </a:r>
+            <a:r>
+              <a:rPr lang="en-GB" sz="1200" strike="sngStrike" dirty="0">
+                <a:solidFill>
+                  <a:srgbClr val="FF0000"/>
+                </a:solidFill>
+                <a:highlight>
+                  <a:srgbClr val="FFFFFF"/>
+                </a:highlight>
+                <a:latin typeface="Cascadia Mono" panose="020B0609020000020004" pitchFamily="49" charset="0"/>
+              </a:rPr>
+              <a:t> Email</a:t>
+            </a:r>
+            <a:r>
+              <a:rPr lang="en-GB" sz="1200" strike="sngStrike" dirty="0">
+                <a:solidFill>
+                  <a:srgbClr val="0000FF"/>
+                </a:solidFill>
+                <a:highlight>
+                  <a:srgbClr val="FFFFFF"/>
+                </a:highlight>
+                <a:latin typeface="Cascadia Mono" panose="020B0609020000020004" pitchFamily="49" charset="0"/>
+              </a:rPr>
+              <a:t>}"</a:t>
+            </a:r>
+            <a:r>
+              <a:rPr lang="en-GB" sz="1200" strike="sngStrike" dirty="0">
+                <a:solidFill>
+                  <a:srgbClr val="000000"/>
+                </a:solidFill>
+                <a:highlight>
+                  <a:srgbClr val="FFFFFF"/>
+                </a:highlight>
+                <a:latin typeface="Cascadia Mono" panose="020B0609020000020004" pitchFamily="49" charset="0"/>
+              </a:rPr>
+              <a:t> </a:t>
+            </a:r>
+          </a:p>
+          <a:p>
+            <a:r>
+              <a:rPr lang="en-GB" sz="1200" strike="sngStrike" dirty="0">
+                <a:solidFill>
+                  <a:srgbClr val="000000"/>
+                </a:solidFill>
+                <a:highlight>
+                  <a:srgbClr val="FFFFFF"/>
+                </a:highlight>
+                <a:latin typeface="Cascadia Mono" panose="020B0609020000020004" pitchFamily="49" charset="0"/>
+              </a:rPr>
+              <a:t>                                      </a:t>
+            </a:r>
+            <a:r>
+              <a:rPr lang="en-GB" sz="1200" strike="sngStrike" dirty="0">
+                <a:solidFill>
+                  <a:srgbClr val="FF0000"/>
+                </a:solidFill>
+                <a:highlight>
+                  <a:srgbClr val="FFFFFF"/>
+                </a:highlight>
+                <a:latin typeface="Cascadia Mono" panose="020B0609020000020004" pitchFamily="49" charset="0"/>
+              </a:rPr>
+              <a:t> </a:t>
+            </a:r>
+            <a:r>
+              <a:rPr lang="en-GB" sz="1200" strike="sngStrike" dirty="0" err="1">
+                <a:solidFill>
+                  <a:srgbClr val="FF0000"/>
+                </a:solidFill>
+                <a:highlight>
+                  <a:srgbClr val="FFFFFF"/>
+                </a:highlight>
+                <a:latin typeface="Cascadia Mono" panose="020B0609020000020004" pitchFamily="49" charset="0"/>
+              </a:rPr>
+              <a:t>FontSize</a:t>
+            </a:r>
+            <a:r>
+              <a:rPr lang="en-GB" sz="1200" strike="sngStrike" dirty="0">
+                <a:solidFill>
+                  <a:srgbClr val="0000FF"/>
+                </a:solidFill>
+                <a:highlight>
+                  <a:srgbClr val="FFFFFF"/>
+                </a:highlight>
+                <a:latin typeface="Cascadia Mono" panose="020B0609020000020004" pitchFamily="49" charset="0"/>
+              </a:rPr>
+              <a:t>="15"</a:t>
+            </a:r>
+            <a:endParaRPr lang="en-GB" sz="1200" strike="sngStrike" dirty="0">
+              <a:solidFill>
+                <a:srgbClr val="000000"/>
+              </a:solidFill>
+              <a:highlight>
+                <a:srgbClr val="FFFFFF"/>
+              </a:highlight>
+              <a:latin typeface="Cascadia Mono" panose="020B0609020000020004" pitchFamily="49" charset="0"/>
+            </a:endParaRPr>
+          </a:p>
+          <a:p>
+            <a:r>
+              <a:rPr lang="en-GB" sz="1200" strike="sngStrike" dirty="0">
+                <a:solidFill>
+                  <a:srgbClr val="000000"/>
+                </a:solidFill>
+                <a:highlight>
+                  <a:srgbClr val="FFFFFF"/>
+                </a:highlight>
+                <a:latin typeface="Cascadia Mono" panose="020B0609020000020004" pitchFamily="49" charset="0"/>
+              </a:rPr>
+              <a:t>                                      </a:t>
+            </a:r>
+            <a:r>
+              <a:rPr lang="en-GB" sz="1200" strike="sngStrike" dirty="0">
+                <a:solidFill>
+                  <a:srgbClr val="FF0000"/>
+                </a:solidFill>
+                <a:highlight>
+                  <a:srgbClr val="FFFFFF"/>
+                </a:highlight>
+                <a:latin typeface="Cascadia Mono" panose="020B0609020000020004" pitchFamily="49" charset="0"/>
+              </a:rPr>
+              <a:t> Foreground</a:t>
+            </a:r>
+            <a:r>
+              <a:rPr lang="en-GB" sz="1200" strike="sngStrike" dirty="0">
+                <a:solidFill>
+                  <a:srgbClr val="0000FF"/>
+                </a:solidFill>
+                <a:highlight>
+                  <a:srgbClr val="FFFFFF"/>
+                </a:highlight>
+                <a:latin typeface="Cascadia Mono" panose="020B0609020000020004" pitchFamily="49" charset="0"/>
+              </a:rPr>
+              <a:t>="</a:t>
+            </a:r>
+            <a:r>
+              <a:rPr lang="en-GB" sz="1200" strike="sngStrike" dirty="0" err="1">
+                <a:solidFill>
+                  <a:srgbClr val="0000FF"/>
+                </a:solidFill>
+                <a:highlight>
+                  <a:srgbClr val="FFFFFF"/>
+                </a:highlight>
+                <a:latin typeface="Cascadia Mono" panose="020B0609020000020004" pitchFamily="49" charset="0"/>
+              </a:rPr>
+              <a:t>DodgerBlue</a:t>
+            </a:r>
+            <a:r>
+              <a:rPr lang="en-GB" sz="1200" strike="sngStrike" dirty="0">
+                <a:solidFill>
+                  <a:srgbClr val="0000FF"/>
+                </a:solidFill>
+                <a:highlight>
+                  <a:srgbClr val="FFFFFF"/>
+                </a:highlight>
+                <a:latin typeface="Cascadia Mono" panose="020B0609020000020004" pitchFamily="49" charset="0"/>
+              </a:rPr>
+              <a:t>"/&gt;</a:t>
+            </a:r>
+            <a:endParaRPr lang="en-GB" sz="1200" strike="sngStrike" dirty="0">
+              <a:solidFill>
+                <a:srgbClr val="000000"/>
+              </a:solidFill>
+              <a:highlight>
+                <a:srgbClr val="FFFFFF"/>
+              </a:highlight>
+              <a:latin typeface="Cascadia Mono" panose="020B0609020000020004" pitchFamily="49" charset="0"/>
+            </a:endParaRPr>
+          </a:p>
+          <a:p>
+            <a:r>
+              <a:rPr lang="en-GB" sz="1200" strike="sngStrike" dirty="0">
+                <a:solidFill>
+                  <a:srgbClr val="000000"/>
+                </a:solidFill>
+                <a:highlight>
+                  <a:srgbClr val="FFFFFF"/>
+                </a:highlight>
+                <a:latin typeface="Cascadia Mono" panose="020B0609020000020004" pitchFamily="49" charset="0"/>
+              </a:rPr>
+              <a:t>                            </a:t>
+            </a:r>
+            <a:r>
+              <a:rPr lang="en-GB" sz="1200" strike="sngStrike" dirty="0">
+                <a:solidFill>
+                  <a:srgbClr val="0000FF"/>
+                </a:solidFill>
+                <a:highlight>
+                  <a:srgbClr val="FFFFFF"/>
+                </a:highlight>
+                <a:latin typeface="Cascadia Mono" panose="020B0609020000020004" pitchFamily="49" charset="0"/>
+              </a:rPr>
+              <a:t>&lt;</a:t>
+            </a:r>
+            <a:r>
+              <a:rPr lang="en-GB" sz="1200" strike="sngStrike" dirty="0" err="1">
+                <a:solidFill>
+                  <a:srgbClr val="A31515"/>
+                </a:solidFill>
+                <a:highlight>
+                  <a:srgbClr val="FFFFFF"/>
+                </a:highlight>
+                <a:latin typeface="Cascadia Mono" panose="020B0609020000020004" pitchFamily="49" charset="0"/>
+              </a:rPr>
+              <a:t>TextBlock</a:t>
+            </a:r>
+            <a:r>
+              <a:rPr lang="en-GB" sz="1200" strike="sngStrike" dirty="0">
+                <a:solidFill>
+                  <a:srgbClr val="FF0000"/>
+                </a:solidFill>
+                <a:highlight>
+                  <a:srgbClr val="FFFFFF"/>
+                </a:highlight>
+                <a:latin typeface="Cascadia Mono" panose="020B0609020000020004" pitchFamily="49" charset="0"/>
+              </a:rPr>
+              <a:t> Text</a:t>
+            </a:r>
+            <a:r>
+              <a:rPr lang="en-GB" sz="1200" strike="sngStrike" dirty="0">
+                <a:solidFill>
+                  <a:srgbClr val="0000FF"/>
+                </a:solidFill>
+                <a:highlight>
+                  <a:srgbClr val="FFFFFF"/>
+                </a:highlight>
+                <a:latin typeface="Cascadia Mono" panose="020B0609020000020004" pitchFamily="49" charset="0"/>
+              </a:rPr>
+              <a:t>="{</a:t>
+            </a:r>
+            <a:r>
+              <a:rPr lang="en-GB" sz="1200" strike="sngStrike" dirty="0">
+                <a:solidFill>
+                  <a:srgbClr val="A31515"/>
+                </a:solidFill>
+                <a:highlight>
+                  <a:srgbClr val="FFFFFF"/>
+                </a:highlight>
+                <a:latin typeface="Cascadia Mono" panose="020B0609020000020004" pitchFamily="49" charset="0"/>
+              </a:rPr>
+              <a:t>Binding</a:t>
+            </a:r>
+            <a:r>
+              <a:rPr lang="en-GB" sz="1200" strike="sngStrike" dirty="0">
+                <a:solidFill>
+                  <a:srgbClr val="FF0000"/>
+                </a:solidFill>
+                <a:highlight>
+                  <a:srgbClr val="FFFFFF"/>
+                </a:highlight>
+                <a:latin typeface="Cascadia Mono" panose="020B0609020000020004" pitchFamily="49" charset="0"/>
+              </a:rPr>
+              <a:t> Phone</a:t>
+            </a:r>
+            <a:r>
+              <a:rPr lang="en-GB" sz="1200" strike="sngStrike" dirty="0">
+                <a:solidFill>
+                  <a:srgbClr val="0000FF"/>
+                </a:solidFill>
+                <a:highlight>
+                  <a:srgbClr val="FFFFFF"/>
+                </a:highlight>
+                <a:latin typeface="Cascadia Mono" panose="020B0609020000020004" pitchFamily="49" charset="0"/>
+              </a:rPr>
+              <a:t>}"</a:t>
+            </a:r>
+            <a:endParaRPr lang="en-GB" sz="1200" strike="sngStrike" dirty="0">
+              <a:solidFill>
+                <a:srgbClr val="000000"/>
+              </a:solidFill>
+              <a:highlight>
+                <a:srgbClr val="FFFFFF"/>
+              </a:highlight>
+              <a:latin typeface="Cascadia Mono" panose="020B0609020000020004" pitchFamily="49" charset="0"/>
+            </a:endParaRPr>
+          </a:p>
+          <a:p>
+            <a:r>
+              <a:rPr lang="en-GB" sz="1200" strike="sngStrike" dirty="0">
+                <a:solidFill>
+                  <a:srgbClr val="000000"/>
+                </a:solidFill>
+                <a:highlight>
+                  <a:srgbClr val="FFFFFF"/>
+                </a:highlight>
+                <a:latin typeface="Cascadia Mono" panose="020B0609020000020004" pitchFamily="49" charset="0"/>
+              </a:rPr>
+              <a:t>                                      </a:t>
+            </a:r>
+            <a:r>
+              <a:rPr lang="en-GB" sz="1200" strike="sngStrike" dirty="0">
+                <a:solidFill>
+                  <a:srgbClr val="FF0000"/>
+                </a:solidFill>
+                <a:highlight>
+                  <a:srgbClr val="FFFFFF"/>
+                </a:highlight>
+                <a:latin typeface="Cascadia Mono" panose="020B0609020000020004" pitchFamily="49" charset="0"/>
+              </a:rPr>
+              <a:t> </a:t>
+            </a:r>
+            <a:r>
+              <a:rPr lang="en-GB" sz="1200" strike="sngStrike" dirty="0" err="1">
+                <a:solidFill>
+                  <a:srgbClr val="FF0000"/>
+                </a:solidFill>
+                <a:highlight>
+                  <a:srgbClr val="FFFFFF"/>
+                </a:highlight>
+                <a:latin typeface="Cascadia Mono" panose="020B0609020000020004" pitchFamily="49" charset="0"/>
+              </a:rPr>
+              <a:t>FontSize</a:t>
+            </a:r>
+            <a:r>
+              <a:rPr lang="en-GB" sz="1200" strike="sngStrike" dirty="0">
+                <a:solidFill>
+                  <a:srgbClr val="0000FF"/>
+                </a:solidFill>
+                <a:highlight>
+                  <a:srgbClr val="FFFFFF"/>
+                </a:highlight>
+                <a:latin typeface="Cascadia Mono" panose="020B0609020000020004" pitchFamily="49" charset="0"/>
+              </a:rPr>
+              <a:t>="15"</a:t>
+            </a:r>
+            <a:endParaRPr lang="en-GB" sz="1200" strike="sngStrike" dirty="0">
+              <a:solidFill>
+                <a:srgbClr val="000000"/>
+              </a:solidFill>
+              <a:highlight>
+                <a:srgbClr val="FFFFFF"/>
+              </a:highlight>
+              <a:latin typeface="Cascadia Mono" panose="020B0609020000020004" pitchFamily="49" charset="0"/>
+            </a:endParaRPr>
+          </a:p>
+          <a:p>
+            <a:r>
+              <a:rPr lang="en-GB" sz="1200" strike="sngStrike" dirty="0">
+                <a:solidFill>
+                  <a:srgbClr val="000000"/>
+                </a:solidFill>
+                <a:highlight>
+                  <a:srgbClr val="FFFFFF"/>
+                </a:highlight>
+                <a:latin typeface="Cascadia Mono" panose="020B0609020000020004" pitchFamily="49" charset="0"/>
+              </a:rPr>
+              <a:t>                                      </a:t>
+            </a:r>
+            <a:r>
+              <a:rPr lang="en-GB" sz="1200" strike="sngStrike" dirty="0">
+                <a:solidFill>
+                  <a:srgbClr val="FF0000"/>
+                </a:solidFill>
+                <a:highlight>
+                  <a:srgbClr val="FFFFFF"/>
+                </a:highlight>
+                <a:latin typeface="Cascadia Mono" panose="020B0609020000020004" pitchFamily="49" charset="0"/>
+              </a:rPr>
+              <a:t> </a:t>
+            </a:r>
+            <a:r>
+              <a:rPr lang="en-GB" sz="1200" strike="sngStrike" dirty="0" err="1">
+                <a:solidFill>
+                  <a:srgbClr val="FF0000"/>
+                </a:solidFill>
+                <a:highlight>
+                  <a:srgbClr val="FFFFFF"/>
+                </a:highlight>
+                <a:latin typeface="Cascadia Mono" panose="020B0609020000020004" pitchFamily="49" charset="0"/>
+              </a:rPr>
+              <a:t>FontStyle</a:t>
+            </a:r>
+            <a:r>
+              <a:rPr lang="en-GB" sz="1200" strike="sngStrike" dirty="0">
+                <a:solidFill>
+                  <a:srgbClr val="0000FF"/>
+                </a:solidFill>
+                <a:highlight>
+                  <a:srgbClr val="FFFFFF"/>
+                </a:highlight>
+                <a:latin typeface="Cascadia Mono" panose="020B0609020000020004" pitchFamily="49" charset="0"/>
+              </a:rPr>
+              <a:t>="Italic"/&gt;</a:t>
+            </a:r>
+            <a:endParaRPr lang="en-GB" sz="1200" strike="sngStrike" dirty="0">
+              <a:solidFill>
+                <a:srgbClr val="000000"/>
+              </a:solidFill>
+              <a:highlight>
+                <a:srgbClr val="FFFFFF"/>
+              </a:highlight>
+              <a:latin typeface="Cascadia Mono" panose="020B0609020000020004" pitchFamily="49" charset="0"/>
+            </a:endParaRPr>
+          </a:p>
+          <a:p>
+            <a:r>
+              <a:rPr lang="en-GB" sz="1200" strike="sngStrike" dirty="0">
+                <a:solidFill>
+                  <a:srgbClr val="000000"/>
+                </a:solidFill>
+                <a:highlight>
+                  <a:srgbClr val="FFFFFF"/>
+                </a:highlight>
+                <a:latin typeface="Cascadia Mono" panose="020B0609020000020004" pitchFamily="49" charset="0"/>
+              </a:rPr>
+              <a:t>                        </a:t>
+            </a:r>
+            <a:r>
+              <a:rPr lang="en-GB" sz="1200" strike="sngStrike" dirty="0">
+                <a:solidFill>
+                  <a:srgbClr val="0000FF"/>
+                </a:solidFill>
+                <a:highlight>
+                  <a:srgbClr val="FFFFFF"/>
+                </a:highlight>
+                <a:latin typeface="Cascadia Mono" panose="020B0609020000020004" pitchFamily="49" charset="0"/>
+              </a:rPr>
+              <a:t>&lt;/</a:t>
+            </a:r>
+            <a:r>
+              <a:rPr lang="en-GB" sz="1200" strike="sngStrike" dirty="0" err="1">
+                <a:solidFill>
+                  <a:srgbClr val="A31515"/>
+                </a:solidFill>
+                <a:highlight>
+                  <a:srgbClr val="FFFFFF"/>
+                </a:highlight>
+                <a:latin typeface="Cascadia Mono" panose="020B0609020000020004" pitchFamily="49" charset="0"/>
+              </a:rPr>
+              <a:t>StackPanel</a:t>
+            </a:r>
+            <a:r>
+              <a:rPr lang="en-GB" sz="1200" strike="sngStrike" dirty="0">
+                <a:solidFill>
+                  <a:srgbClr val="0000FF"/>
+                </a:solidFill>
+                <a:highlight>
+                  <a:srgbClr val="FFFFFF"/>
+                </a:highlight>
+                <a:latin typeface="Cascadia Mono" panose="020B0609020000020004" pitchFamily="49" charset="0"/>
+              </a:rPr>
+              <a:t>&gt;</a:t>
+            </a:r>
+            <a:endParaRPr lang="en-GB" sz="1200" strike="sngStrike" dirty="0">
+              <a:solidFill>
+                <a:srgbClr val="000000"/>
+              </a:solidFill>
+              <a:highlight>
+                <a:srgbClr val="FFFFFF"/>
+              </a:highlight>
+              <a:latin typeface="Cascadia Mono" panose="020B0609020000020004" pitchFamily="49" charset="0"/>
+            </a:endParaRPr>
+          </a:p>
+          <a:p>
+            <a:r>
+              <a:rPr lang="en-GB" sz="1200" dirty="0">
+                <a:solidFill>
+                  <a:srgbClr val="000000"/>
+                </a:solidFill>
+                <a:highlight>
+                  <a:srgbClr val="FFFFFF"/>
+                </a:highlight>
+                <a:latin typeface="Cascadia Mono" panose="020B0609020000020004" pitchFamily="49" charset="0"/>
+              </a:rPr>
+              <a:t>                    </a:t>
+            </a:r>
+            <a:r>
+              <a:rPr lang="en-GB" sz="1200" dirty="0">
+                <a:solidFill>
+                  <a:srgbClr val="0000FF"/>
+                </a:solidFill>
+                <a:highlight>
+                  <a:srgbClr val="FFFFFF"/>
+                </a:highlight>
+                <a:latin typeface="Cascadia Mono" panose="020B0609020000020004" pitchFamily="49" charset="0"/>
+              </a:rPr>
+              <a:t>&lt;/</a:t>
+            </a:r>
+            <a:r>
+              <a:rPr lang="en-GB" sz="1200" dirty="0" err="1">
+                <a:solidFill>
+                  <a:srgbClr val="A31515"/>
+                </a:solidFill>
+                <a:highlight>
+                  <a:srgbClr val="FFFFFF"/>
+                </a:highlight>
+                <a:latin typeface="Cascadia Mono" panose="020B0609020000020004" pitchFamily="49" charset="0"/>
+              </a:rPr>
+              <a:t>DataTemplate</a:t>
+            </a:r>
+            <a:r>
+              <a:rPr lang="en-GB" sz="1200" dirty="0">
+                <a:solidFill>
+                  <a:srgbClr val="0000FF"/>
+                </a:solidFill>
+                <a:highlight>
+                  <a:srgbClr val="FFFFFF"/>
+                </a:highlight>
+                <a:latin typeface="Cascadia Mono" panose="020B0609020000020004" pitchFamily="49" charset="0"/>
+              </a:rPr>
+              <a:t>&gt;</a:t>
+            </a:r>
+            <a:endParaRPr lang="en-GB" sz="1200" dirty="0">
+              <a:solidFill>
+                <a:srgbClr val="000000"/>
+              </a:solidFill>
+              <a:highlight>
+                <a:srgbClr val="FFFFFF"/>
+              </a:highlight>
+              <a:latin typeface="Cascadia Mono" panose="020B0609020000020004" pitchFamily="49" charset="0"/>
+            </a:endParaRPr>
+          </a:p>
+          <a:p>
+            <a:r>
+              <a:rPr lang="en-GB" sz="1200" dirty="0">
+                <a:solidFill>
+                  <a:srgbClr val="000000"/>
+                </a:solidFill>
+                <a:highlight>
+                  <a:srgbClr val="FFFFFF"/>
+                </a:highlight>
+                <a:latin typeface="Cascadia Mono" panose="020B0609020000020004" pitchFamily="49" charset="0"/>
+              </a:rPr>
+              <a:t>                </a:t>
+            </a:r>
+            <a:r>
+              <a:rPr lang="en-GB" sz="1200" dirty="0">
+                <a:solidFill>
+                  <a:srgbClr val="0000FF"/>
+                </a:solidFill>
+                <a:highlight>
+                  <a:srgbClr val="FFFFFF"/>
+                </a:highlight>
+                <a:latin typeface="Cascadia Mono" panose="020B0609020000020004" pitchFamily="49" charset="0"/>
+              </a:rPr>
+              <a:t>&lt;/</a:t>
+            </a:r>
+            <a:r>
+              <a:rPr lang="en-GB" sz="1200" dirty="0" err="1">
+                <a:solidFill>
+                  <a:srgbClr val="A31515"/>
+                </a:solidFill>
+                <a:highlight>
+                  <a:srgbClr val="FFFFFF"/>
+                </a:highlight>
+                <a:latin typeface="Cascadia Mono" panose="020B0609020000020004" pitchFamily="49" charset="0"/>
+              </a:rPr>
+              <a:t>ListView.ItemTemplate</a:t>
+            </a:r>
+            <a:r>
+              <a:rPr lang="en-GB" sz="1200" dirty="0">
+                <a:solidFill>
+                  <a:srgbClr val="0000FF"/>
+                </a:solidFill>
+                <a:highlight>
+                  <a:srgbClr val="FFFFFF"/>
+                </a:highlight>
+                <a:latin typeface="Cascadia Mono" panose="020B0609020000020004" pitchFamily="49" charset="0"/>
+              </a:rPr>
+              <a:t>&gt;</a:t>
+            </a:r>
+            <a:endParaRPr lang="en-GB" sz="1200" dirty="0">
+              <a:solidFill>
+                <a:srgbClr val="000000"/>
+              </a:solidFill>
+              <a:highlight>
+                <a:srgbClr val="FFFFFF"/>
+              </a:highlight>
+              <a:latin typeface="Cascadia Mono" panose="020B0609020000020004" pitchFamily="49" charset="0"/>
+            </a:endParaRPr>
+          </a:p>
+          <a:p>
+            <a:r>
+              <a:rPr lang="en-GB" sz="1200" dirty="0">
+                <a:solidFill>
+                  <a:srgbClr val="000000"/>
+                </a:solidFill>
+                <a:highlight>
+                  <a:srgbClr val="FFFFFF"/>
+                </a:highlight>
+                <a:latin typeface="Cascadia Mono" panose="020B0609020000020004" pitchFamily="49" charset="0"/>
+              </a:rPr>
+              <a:t>            </a:t>
+            </a:r>
+            <a:r>
+              <a:rPr lang="en-GB" sz="1200" dirty="0">
+                <a:solidFill>
+                  <a:srgbClr val="0000FF"/>
+                </a:solidFill>
+                <a:highlight>
+                  <a:srgbClr val="FFFFFF"/>
+                </a:highlight>
+                <a:latin typeface="Cascadia Mono" panose="020B0609020000020004" pitchFamily="49" charset="0"/>
+              </a:rPr>
+              <a:t>&lt;/</a:t>
+            </a:r>
+            <a:r>
+              <a:rPr lang="en-GB" sz="1200" dirty="0" err="1">
+                <a:solidFill>
+                  <a:srgbClr val="A31515"/>
+                </a:solidFill>
+                <a:highlight>
+                  <a:srgbClr val="FFFFFF"/>
+                </a:highlight>
+                <a:latin typeface="Cascadia Mono" panose="020B0609020000020004" pitchFamily="49" charset="0"/>
+              </a:rPr>
+              <a:t>ListView</a:t>
+            </a:r>
+            <a:r>
+              <a:rPr lang="en-GB" sz="1200" dirty="0">
+                <a:solidFill>
+                  <a:srgbClr val="0000FF"/>
+                </a:solidFill>
+                <a:highlight>
+                  <a:srgbClr val="FFFFFF"/>
+                </a:highlight>
+                <a:latin typeface="Cascadia Mono" panose="020B0609020000020004" pitchFamily="49" charset="0"/>
+              </a:rPr>
+              <a:t>&gt;</a:t>
+            </a:r>
+            <a:endParaRPr lang="en-GB" sz="1200" dirty="0">
+              <a:solidFill>
+                <a:srgbClr val="000000"/>
+              </a:solidFill>
+              <a:highlight>
+                <a:srgbClr val="FFFFFF"/>
+              </a:highlight>
+              <a:latin typeface="Cascadia Mono" panose="020B0609020000020004" pitchFamily="49" charset="0"/>
+            </a:endParaRPr>
+          </a:p>
+          <a:p>
+            <a:r>
+              <a:rPr lang="en-GB" sz="1200" dirty="0">
+                <a:solidFill>
+                  <a:srgbClr val="000000"/>
+                </a:solidFill>
+                <a:highlight>
+                  <a:srgbClr val="FFFFFF"/>
+                </a:highlight>
+                <a:latin typeface="Cascadia Mono" panose="020B0609020000020004" pitchFamily="49" charset="0"/>
+              </a:rPr>
+              <a:t>        </a:t>
+            </a:r>
+            <a:r>
+              <a:rPr lang="en-GB" sz="1200" dirty="0">
+                <a:solidFill>
+                  <a:srgbClr val="0000FF"/>
+                </a:solidFill>
+                <a:highlight>
+                  <a:srgbClr val="FFFFFF"/>
+                </a:highlight>
+                <a:latin typeface="Cascadia Mono" panose="020B0609020000020004" pitchFamily="49" charset="0"/>
+              </a:rPr>
+              <a:t>&lt;/</a:t>
+            </a:r>
+            <a:r>
+              <a:rPr lang="en-GB" sz="1200" dirty="0" err="1">
+                <a:solidFill>
+                  <a:srgbClr val="A31515"/>
+                </a:solidFill>
+                <a:highlight>
+                  <a:srgbClr val="FFFFFF"/>
+                </a:highlight>
+                <a:latin typeface="Cascadia Mono" panose="020B0609020000020004" pitchFamily="49" charset="0"/>
+              </a:rPr>
+              <a:t>StackPanel</a:t>
+            </a:r>
+            <a:r>
+              <a:rPr lang="en-GB" sz="1200" dirty="0">
+                <a:solidFill>
+                  <a:srgbClr val="0000FF"/>
+                </a:solidFill>
+                <a:highlight>
+                  <a:srgbClr val="FFFFFF"/>
+                </a:highlight>
+                <a:latin typeface="Cascadia Mono" panose="020B0609020000020004" pitchFamily="49" charset="0"/>
+              </a:rPr>
+              <a:t>&gt;</a:t>
+            </a:r>
+            <a:endParaRPr lang="en-GB" sz="1200" dirty="0">
+              <a:solidFill>
+                <a:srgbClr val="000000"/>
+              </a:solidFill>
+              <a:highlight>
+                <a:srgbClr val="FFFFFF"/>
+              </a:highlight>
+              <a:latin typeface="Cascadia Mono" panose="020B0609020000020004" pitchFamily="49" charset="0"/>
+            </a:endParaRPr>
+          </a:p>
+          <a:p>
+            <a:r>
+              <a:rPr lang="en-GB" sz="1200" dirty="0">
+                <a:solidFill>
+                  <a:srgbClr val="000000"/>
+                </a:solidFill>
+                <a:highlight>
+                  <a:srgbClr val="FFFFFF"/>
+                </a:highlight>
+                <a:latin typeface="Cascadia Mono" panose="020B0609020000020004" pitchFamily="49" charset="0"/>
+              </a:rPr>
+              <a:t>    </a:t>
+            </a:r>
+            <a:r>
+              <a:rPr lang="en-GB" sz="1200" dirty="0">
+                <a:solidFill>
+                  <a:srgbClr val="0000FF"/>
+                </a:solidFill>
+                <a:highlight>
+                  <a:srgbClr val="FFFFFF"/>
+                </a:highlight>
+                <a:latin typeface="Cascadia Mono" panose="020B0609020000020004" pitchFamily="49" charset="0"/>
+              </a:rPr>
+              <a:t>&lt;/</a:t>
+            </a:r>
+            <a:r>
+              <a:rPr lang="en-GB" sz="1200" dirty="0">
+                <a:solidFill>
+                  <a:srgbClr val="A31515"/>
+                </a:solidFill>
+                <a:highlight>
+                  <a:srgbClr val="FFFFFF"/>
+                </a:highlight>
+                <a:latin typeface="Cascadia Mono" panose="020B0609020000020004" pitchFamily="49" charset="0"/>
+              </a:rPr>
+              <a:t>Grid</a:t>
+            </a:r>
+            <a:r>
+              <a:rPr lang="en-GB" sz="1200" dirty="0">
+                <a:solidFill>
+                  <a:srgbClr val="0000FF"/>
+                </a:solidFill>
+                <a:highlight>
+                  <a:srgbClr val="FFFFFF"/>
+                </a:highlight>
+                <a:latin typeface="Cascadia Mono" panose="020B0609020000020004" pitchFamily="49" charset="0"/>
+              </a:rPr>
+              <a:t>&gt;</a:t>
+            </a:r>
+            <a:endParaRPr lang="en-GB" sz="1200" dirty="0"/>
+          </a:p>
+        </p:txBody>
+      </p:sp>
+      <p:sp>
+        <p:nvSpPr>
+          <p:cNvPr id="5" name="TextBox 4">
+            <a:extLst>
+              <a:ext uri="{FF2B5EF4-FFF2-40B4-BE49-F238E27FC236}">
+                <a16:creationId xmlns:a16="http://schemas.microsoft.com/office/drawing/2014/main" id="{69BCD404-584E-2DEB-27B8-3DC8A244E28E}"/>
+              </a:ext>
+            </a:extLst>
+          </p:cNvPr>
+          <p:cNvSpPr txBox="1"/>
+          <p:nvPr/>
+        </p:nvSpPr>
+        <p:spPr>
+          <a:xfrm>
+            <a:off x="6420802" y="1746379"/>
+            <a:ext cx="6780847" cy="1569660"/>
+          </a:xfrm>
+          <a:prstGeom prst="rect">
+            <a:avLst/>
+          </a:prstGeom>
+          <a:noFill/>
+        </p:spPr>
+        <p:txBody>
+          <a:bodyPr wrap="square">
+            <a:spAutoFit/>
+          </a:bodyPr>
+          <a:lstStyle/>
+          <a:p>
+            <a:r>
+              <a:rPr lang="en-GB" sz="1200" dirty="0">
+                <a:solidFill>
+                  <a:srgbClr val="000000"/>
+                </a:solidFill>
+                <a:highlight>
+                  <a:srgbClr val="FFFFFF"/>
+                </a:highlight>
+                <a:latin typeface="Cascadia Mono" panose="020B0609020000020004" pitchFamily="49" charset="0"/>
+              </a:rPr>
+              <a:t> </a:t>
+            </a:r>
+            <a:r>
+              <a:rPr lang="en-GB" sz="1200" dirty="0">
+                <a:solidFill>
+                  <a:srgbClr val="0000FF"/>
+                </a:solidFill>
+                <a:highlight>
+                  <a:srgbClr val="FFFFFF"/>
+                </a:highlight>
+                <a:latin typeface="Cascadia Mono" panose="020B0609020000020004" pitchFamily="49" charset="0"/>
+              </a:rPr>
+              <a:t>&lt;</a:t>
+            </a:r>
+            <a:r>
+              <a:rPr lang="en-GB" sz="1200" dirty="0" err="1">
+                <a:solidFill>
+                  <a:srgbClr val="A31515"/>
+                </a:solidFill>
+                <a:highlight>
+                  <a:srgbClr val="FFFFFF"/>
+                </a:highlight>
+                <a:latin typeface="Cascadia Mono" panose="020B0609020000020004" pitchFamily="49" charset="0"/>
+              </a:rPr>
+              <a:t>ListView</a:t>
+            </a:r>
+            <a:r>
+              <a:rPr lang="en-GB" sz="1200" dirty="0">
+                <a:solidFill>
+                  <a:srgbClr val="FF0000"/>
+                </a:solidFill>
+                <a:highlight>
+                  <a:srgbClr val="FFFFFF"/>
+                </a:highlight>
+                <a:latin typeface="Cascadia Mono" panose="020B0609020000020004" pitchFamily="49" charset="0"/>
+              </a:rPr>
+              <a:t> x</a:t>
+            </a:r>
+            <a:r>
+              <a:rPr lang="en-GB" sz="1200" dirty="0">
+                <a:solidFill>
+                  <a:srgbClr val="0000FF"/>
+                </a:solidFill>
+                <a:highlight>
+                  <a:srgbClr val="FFFFFF"/>
+                </a:highlight>
+                <a:latin typeface="Cascadia Mono" panose="020B0609020000020004" pitchFamily="49" charset="0"/>
+              </a:rPr>
+              <a:t>:</a:t>
+            </a:r>
+            <a:r>
+              <a:rPr lang="en-GB" sz="1200" dirty="0">
+                <a:solidFill>
+                  <a:srgbClr val="FF0000"/>
+                </a:solidFill>
+                <a:highlight>
+                  <a:srgbClr val="FFFFFF"/>
+                </a:highlight>
+                <a:latin typeface="Cascadia Mono" panose="020B0609020000020004" pitchFamily="49" charset="0"/>
+              </a:rPr>
+              <a:t>Name</a:t>
+            </a:r>
+            <a:r>
+              <a:rPr lang="en-GB" sz="1200" dirty="0">
+                <a:solidFill>
+                  <a:srgbClr val="0000FF"/>
+                </a:solidFill>
+                <a:highlight>
+                  <a:srgbClr val="FFFFFF"/>
+                </a:highlight>
+                <a:latin typeface="Cascadia Mono" panose="020B0609020000020004" pitchFamily="49" charset="0"/>
+              </a:rPr>
+              <a:t>="contactsListView"</a:t>
+            </a:r>
+            <a:endParaRPr lang="en-GB" sz="1200" dirty="0">
+              <a:solidFill>
+                <a:srgbClr val="000000"/>
+              </a:solidFill>
+              <a:highlight>
+                <a:srgbClr val="FFFFFF"/>
+              </a:highlight>
+              <a:latin typeface="Cascadia Mono" panose="020B0609020000020004" pitchFamily="49" charset="0"/>
+            </a:endParaRPr>
+          </a:p>
+          <a:p>
+            <a:r>
+              <a:rPr lang="en-GB" sz="1200" dirty="0">
+                <a:solidFill>
+                  <a:srgbClr val="000000"/>
+                </a:solidFill>
+                <a:highlight>
+                  <a:srgbClr val="FFFFFF"/>
+                </a:highlight>
+                <a:latin typeface="Cascadia Mono" panose="020B0609020000020004" pitchFamily="49" charset="0"/>
+              </a:rPr>
+              <a:t>                   </a:t>
+            </a:r>
+            <a:r>
+              <a:rPr lang="en-GB" sz="1200" dirty="0">
+                <a:solidFill>
+                  <a:srgbClr val="FF0000"/>
+                </a:solidFill>
+                <a:highlight>
+                  <a:srgbClr val="FFFFFF"/>
+                </a:highlight>
+                <a:latin typeface="Cascadia Mono" panose="020B0609020000020004" pitchFamily="49" charset="0"/>
+              </a:rPr>
+              <a:t> Margin</a:t>
+            </a:r>
+            <a:r>
+              <a:rPr lang="en-GB" sz="1200" dirty="0">
+                <a:solidFill>
+                  <a:srgbClr val="0000FF"/>
+                </a:solidFill>
+                <a:highlight>
+                  <a:srgbClr val="FFFFFF"/>
+                </a:highlight>
+                <a:latin typeface="Cascadia Mono" panose="020B0609020000020004" pitchFamily="49" charset="0"/>
+              </a:rPr>
+              <a:t>="0, 5, 0, 0"&gt;</a:t>
+            </a:r>
+            <a:endParaRPr lang="en-GB" sz="1200" dirty="0">
+              <a:solidFill>
+                <a:srgbClr val="000000"/>
+              </a:solidFill>
+              <a:highlight>
+                <a:srgbClr val="FFFFFF"/>
+              </a:highlight>
+              <a:latin typeface="Cascadia Mono" panose="020B0609020000020004" pitchFamily="49" charset="0"/>
+            </a:endParaRPr>
+          </a:p>
+          <a:p>
+            <a:r>
+              <a:rPr lang="en-GB" sz="1200" dirty="0">
+                <a:solidFill>
+                  <a:srgbClr val="000000"/>
+                </a:solidFill>
+                <a:highlight>
+                  <a:srgbClr val="FFFFFF"/>
+                </a:highlight>
+                <a:latin typeface="Cascadia Mono" panose="020B0609020000020004" pitchFamily="49" charset="0"/>
+              </a:rPr>
+              <a:t>                </a:t>
+            </a:r>
+            <a:r>
+              <a:rPr lang="en-GB" sz="1200" dirty="0">
+                <a:solidFill>
+                  <a:srgbClr val="0000FF"/>
+                </a:solidFill>
+                <a:highlight>
+                  <a:srgbClr val="FFFFFF"/>
+                </a:highlight>
+                <a:latin typeface="Cascadia Mono" panose="020B0609020000020004" pitchFamily="49" charset="0"/>
+              </a:rPr>
+              <a:t>&lt;</a:t>
+            </a:r>
+            <a:r>
+              <a:rPr lang="en-GB" sz="1200" dirty="0" err="1">
+                <a:solidFill>
+                  <a:srgbClr val="A31515"/>
+                </a:solidFill>
+                <a:highlight>
+                  <a:srgbClr val="FFFFFF"/>
+                </a:highlight>
+                <a:latin typeface="Cascadia Mono" panose="020B0609020000020004" pitchFamily="49" charset="0"/>
+              </a:rPr>
+              <a:t>ListView.ItemTemplate</a:t>
+            </a:r>
+            <a:r>
+              <a:rPr lang="en-GB" sz="1200" dirty="0">
+                <a:solidFill>
+                  <a:srgbClr val="0000FF"/>
+                </a:solidFill>
+                <a:highlight>
+                  <a:srgbClr val="FFFFFF"/>
+                </a:highlight>
+                <a:latin typeface="Cascadia Mono" panose="020B0609020000020004" pitchFamily="49" charset="0"/>
+              </a:rPr>
+              <a:t>&gt;</a:t>
+            </a:r>
+            <a:endParaRPr lang="en-GB" sz="1200" dirty="0">
+              <a:solidFill>
+                <a:srgbClr val="000000"/>
+              </a:solidFill>
+              <a:highlight>
+                <a:srgbClr val="FFFFFF"/>
+              </a:highlight>
+              <a:latin typeface="Cascadia Mono" panose="020B0609020000020004" pitchFamily="49" charset="0"/>
+            </a:endParaRPr>
+          </a:p>
+          <a:p>
+            <a:r>
+              <a:rPr lang="en-GB" sz="1200" dirty="0">
+                <a:solidFill>
+                  <a:srgbClr val="000000"/>
+                </a:solidFill>
+                <a:highlight>
+                  <a:srgbClr val="FFFFFF"/>
+                </a:highlight>
+                <a:latin typeface="Cascadia Mono" panose="020B0609020000020004" pitchFamily="49" charset="0"/>
+              </a:rPr>
+              <a:t>                    </a:t>
+            </a:r>
+            <a:r>
+              <a:rPr lang="en-GB" sz="1200" dirty="0">
+                <a:solidFill>
+                  <a:srgbClr val="0000FF"/>
+                </a:solidFill>
+                <a:highlight>
+                  <a:srgbClr val="FFFFFF"/>
+                </a:highlight>
+                <a:latin typeface="Cascadia Mono" panose="020B0609020000020004" pitchFamily="49" charset="0"/>
+              </a:rPr>
+              <a:t>&lt;</a:t>
+            </a:r>
+            <a:r>
+              <a:rPr lang="en-GB" sz="1200" dirty="0" err="1">
+                <a:solidFill>
+                  <a:srgbClr val="A31515"/>
+                </a:solidFill>
+                <a:highlight>
+                  <a:srgbClr val="FFFFFF"/>
+                </a:highlight>
+                <a:latin typeface="Cascadia Mono" panose="020B0609020000020004" pitchFamily="49" charset="0"/>
+              </a:rPr>
+              <a:t>DataTemplate</a:t>
+            </a:r>
+            <a:r>
+              <a:rPr lang="en-GB" sz="1200" dirty="0">
+                <a:solidFill>
+                  <a:srgbClr val="0000FF"/>
+                </a:solidFill>
+                <a:highlight>
+                  <a:srgbClr val="FFFFFF"/>
+                </a:highlight>
+                <a:latin typeface="Cascadia Mono" panose="020B0609020000020004" pitchFamily="49" charset="0"/>
+              </a:rPr>
+              <a:t>&gt;</a:t>
+            </a:r>
+            <a:endParaRPr lang="en-GB" sz="1200" dirty="0">
+              <a:solidFill>
+                <a:srgbClr val="000000"/>
+              </a:solidFill>
+              <a:highlight>
+                <a:srgbClr val="FFFFFF"/>
+              </a:highlight>
+              <a:latin typeface="Cascadia Mono" panose="020B0609020000020004" pitchFamily="49" charset="0"/>
+            </a:endParaRPr>
+          </a:p>
+          <a:p>
+            <a:r>
+              <a:rPr lang="en-GB" sz="1200" dirty="0">
+                <a:solidFill>
+                  <a:srgbClr val="000000"/>
+                </a:solidFill>
+                <a:highlight>
+                  <a:srgbClr val="FFFFFF"/>
+                </a:highlight>
+                <a:latin typeface="Cascadia Mono" panose="020B0609020000020004" pitchFamily="49" charset="0"/>
+              </a:rPr>
+              <a:t>                        </a:t>
+            </a:r>
+            <a:r>
+              <a:rPr lang="en-GB" sz="1200" dirty="0">
+                <a:solidFill>
+                  <a:srgbClr val="0000FF"/>
+                </a:solidFill>
+                <a:highlight>
+                  <a:srgbClr val="FFFF00"/>
+                </a:highlight>
+                <a:latin typeface="Cascadia Mono" panose="020B0609020000020004" pitchFamily="49" charset="0"/>
+              </a:rPr>
+              <a:t>&lt;</a:t>
+            </a:r>
+            <a:r>
+              <a:rPr lang="en-GB" sz="1200" dirty="0" err="1">
+                <a:solidFill>
+                  <a:srgbClr val="A31515"/>
+                </a:solidFill>
+                <a:highlight>
+                  <a:srgbClr val="FFFF00"/>
+                </a:highlight>
+                <a:latin typeface="Cascadia Mono" panose="020B0609020000020004" pitchFamily="49" charset="0"/>
+              </a:rPr>
+              <a:t>userControls</a:t>
+            </a:r>
+            <a:r>
+              <a:rPr lang="en-GB" sz="1200" dirty="0" err="1">
+                <a:solidFill>
+                  <a:srgbClr val="0000FF"/>
+                </a:solidFill>
+                <a:highlight>
+                  <a:srgbClr val="FFFF00"/>
+                </a:highlight>
+                <a:latin typeface="Cascadia Mono" panose="020B0609020000020004" pitchFamily="49" charset="0"/>
+              </a:rPr>
+              <a:t>:</a:t>
+            </a:r>
+            <a:r>
+              <a:rPr lang="en-GB" sz="1200" dirty="0" err="1">
+                <a:solidFill>
+                  <a:srgbClr val="A31515"/>
+                </a:solidFill>
+                <a:highlight>
+                  <a:srgbClr val="FFFF00"/>
+                </a:highlight>
+                <a:latin typeface="Cascadia Mono" panose="020B0609020000020004" pitchFamily="49" charset="0"/>
+              </a:rPr>
+              <a:t>ContactControl</a:t>
+            </a:r>
+            <a:r>
+              <a:rPr lang="en-GB" sz="1200" dirty="0">
+                <a:solidFill>
+                  <a:srgbClr val="FF0000"/>
+                </a:solidFill>
+                <a:highlight>
+                  <a:srgbClr val="FFFF00"/>
+                </a:highlight>
+                <a:latin typeface="Cascadia Mono" panose="020B0609020000020004" pitchFamily="49" charset="0"/>
+              </a:rPr>
+              <a:t> Contact</a:t>
+            </a:r>
+            <a:r>
+              <a:rPr lang="en-GB" sz="1200" dirty="0">
+                <a:solidFill>
+                  <a:srgbClr val="0000FF"/>
+                </a:solidFill>
+                <a:highlight>
+                  <a:srgbClr val="FFFF00"/>
+                </a:highlight>
+                <a:latin typeface="Cascadia Mono" panose="020B0609020000020004" pitchFamily="49" charset="0"/>
+              </a:rPr>
+              <a:t>="{</a:t>
+            </a:r>
+            <a:r>
+              <a:rPr lang="en-GB" sz="1200" dirty="0">
+                <a:solidFill>
+                  <a:srgbClr val="A31515"/>
+                </a:solidFill>
+                <a:highlight>
+                  <a:srgbClr val="FFFF00"/>
+                </a:highlight>
+                <a:latin typeface="Cascadia Mono" panose="020B0609020000020004" pitchFamily="49" charset="0"/>
+              </a:rPr>
+              <a:t>Binding</a:t>
+            </a:r>
+            <a:r>
+              <a:rPr lang="en-GB" sz="1200" dirty="0">
+                <a:solidFill>
+                  <a:srgbClr val="0000FF"/>
+                </a:solidFill>
+                <a:highlight>
+                  <a:srgbClr val="FFFF00"/>
+                </a:highlight>
+                <a:latin typeface="Cascadia Mono" panose="020B0609020000020004" pitchFamily="49" charset="0"/>
+              </a:rPr>
+              <a:t>}"/&gt;</a:t>
+            </a:r>
+            <a:endParaRPr lang="en-GB" sz="1200" dirty="0">
+              <a:solidFill>
+                <a:srgbClr val="000000"/>
+              </a:solidFill>
+              <a:highlight>
+                <a:srgbClr val="FFFF00"/>
+              </a:highlight>
+              <a:latin typeface="Cascadia Mono" panose="020B0609020000020004" pitchFamily="49" charset="0"/>
+            </a:endParaRPr>
+          </a:p>
+          <a:p>
+            <a:r>
+              <a:rPr lang="en-GB" sz="1200" dirty="0">
+                <a:solidFill>
+                  <a:srgbClr val="000000"/>
+                </a:solidFill>
+                <a:highlight>
+                  <a:srgbClr val="FFFFFF"/>
+                </a:highlight>
+                <a:latin typeface="Cascadia Mono" panose="020B0609020000020004" pitchFamily="49" charset="0"/>
+              </a:rPr>
+              <a:t>                    </a:t>
+            </a:r>
+            <a:r>
+              <a:rPr lang="en-GB" sz="1200" dirty="0">
+                <a:solidFill>
+                  <a:srgbClr val="0000FF"/>
+                </a:solidFill>
+                <a:highlight>
+                  <a:srgbClr val="FFFFFF"/>
+                </a:highlight>
+                <a:latin typeface="Cascadia Mono" panose="020B0609020000020004" pitchFamily="49" charset="0"/>
+              </a:rPr>
+              <a:t>&lt;/</a:t>
+            </a:r>
+            <a:r>
+              <a:rPr lang="en-GB" sz="1200" dirty="0" err="1">
+                <a:solidFill>
+                  <a:srgbClr val="A31515"/>
+                </a:solidFill>
+                <a:highlight>
+                  <a:srgbClr val="FFFFFF"/>
+                </a:highlight>
+                <a:latin typeface="Cascadia Mono" panose="020B0609020000020004" pitchFamily="49" charset="0"/>
+              </a:rPr>
+              <a:t>DataTemplate</a:t>
+            </a:r>
+            <a:r>
+              <a:rPr lang="en-GB" sz="1200" dirty="0">
+                <a:solidFill>
+                  <a:srgbClr val="0000FF"/>
+                </a:solidFill>
+                <a:highlight>
+                  <a:srgbClr val="FFFFFF"/>
+                </a:highlight>
+                <a:latin typeface="Cascadia Mono" panose="020B0609020000020004" pitchFamily="49" charset="0"/>
+              </a:rPr>
+              <a:t>&gt;</a:t>
+            </a:r>
+            <a:endParaRPr lang="en-GB" sz="1200" dirty="0">
+              <a:solidFill>
+                <a:srgbClr val="000000"/>
+              </a:solidFill>
+              <a:highlight>
+                <a:srgbClr val="FFFFFF"/>
+              </a:highlight>
+              <a:latin typeface="Cascadia Mono" panose="020B0609020000020004" pitchFamily="49" charset="0"/>
+            </a:endParaRPr>
+          </a:p>
+          <a:p>
+            <a:r>
+              <a:rPr lang="en-GB" sz="1200" dirty="0">
+                <a:solidFill>
+                  <a:srgbClr val="000000"/>
+                </a:solidFill>
+                <a:highlight>
+                  <a:srgbClr val="FFFFFF"/>
+                </a:highlight>
+                <a:latin typeface="Cascadia Mono" panose="020B0609020000020004" pitchFamily="49" charset="0"/>
+              </a:rPr>
+              <a:t>                </a:t>
+            </a:r>
+            <a:r>
+              <a:rPr lang="en-GB" sz="1200" dirty="0">
+                <a:solidFill>
+                  <a:srgbClr val="0000FF"/>
+                </a:solidFill>
+                <a:highlight>
+                  <a:srgbClr val="FFFFFF"/>
+                </a:highlight>
+                <a:latin typeface="Cascadia Mono" panose="020B0609020000020004" pitchFamily="49" charset="0"/>
+              </a:rPr>
+              <a:t>&lt;/</a:t>
+            </a:r>
+            <a:r>
+              <a:rPr lang="en-GB" sz="1200" dirty="0" err="1">
+                <a:solidFill>
+                  <a:srgbClr val="A31515"/>
+                </a:solidFill>
+                <a:highlight>
+                  <a:srgbClr val="FFFFFF"/>
+                </a:highlight>
+                <a:latin typeface="Cascadia Mono" panose="020B0609020000020004" pitchFamily="49" charset="0"/>
+              </a:rPr>
+              <a:t>ListView.ItemTemplate</a:t>
+            </a:r>
+            <a:r>
+              <a:rPr lang="en-GB" sz="1200" dirty="0">
+                <a:solidFill>
+                  <a:srgbClr val="0000FF"/>
+                </a:solidFill>
+                <a:highlight>
+                  <a:srgbClr val="FFFFFF"/>
+                </a:highlight>
+                <a:latin typeface="Cascadia Mono" panose="020B0609020000020004" pitchFamily="49" charset="0"/>
+              </a:rPr>
+              <a:t>&gt;</a:t>
+            </a:r>
+            <a:endParaRPr lang="en-GB" sz="1200" dirty="0">
+              <a:solidFill>
+                <a:srgbClr val="000000"/>
+              </a:solidFill>
+              <a:highlight>
+                <a:srgbClr val="FFFFFF"/>
+              </a:highlight>
+              <a:latin typeface="Cascadia Mono" panose="020B0609020000020004" pitchFamily="49" charset="0"/>
+            </a:endParaRPr>
+          </a:p>
+          <a:p>
+            <a:r>
+              <a:rPr lang="en-GB" sz="1200" dirty="0">
+                <a:solidFill>
+                  <a:srgbClr val="000000"/>
+                </a:solidFill>
+                <a:highlight>
+                  <a:srgbClr val="FFFFFF"/>
+                </a:highlight>
+                <a:latin typeface="Cascadia Mono" panose="020B0609020000020004" pitchFamily="49" charset="0"/>
+              </a:rPr>
+              <a:t>            </a:t>
+            </a:r>
+            <a:r>
+              <a:rPr lang="en-GB" sz="1200" dirty="0">
+                <a:solidFill>
+                  <a:srgbClr val="0000FF"/>
+                </a:solidFill>
+                <a:highlight>
+                  <a:srgbClr val="FFFFFF"/>
+                </a:highlight>
+                <a:latin typeface="Cascadia Mono" panose="020B0609020000020004" pitchFamily="49" charset="0"/>
+              </a:rPr>
+              <a:t>&lt;/</a:t>
+            </a:r>
+            <a:r>
+              <a:rPr lang="en-GB" sz="1200" dirty="0" err="1">
+                <a:solidFill>
+                  <a:srgbClr val="A31515"/>
+                </a:solidFill>
+                <a:highlight>
+                  <a:srgbClr val="FFFFFF"/>
+                </a:highlight>
+                <a:latin typeface="Cascadia Mono" panose="020B0609020000020004" pitchFamily="49" charset="0"/>
+              </a:rPr>
+              <a:t>ListView</a:t>
+            </a:r>
+            <a:r>
+              <a:rPr lang="en-GB" sz="1200" dirty="0">
+                <a:solidFill>
+                  <a:srgbClr val="0000FF"/>
+                </a:solidFill>
+                <a:highlight>
+                  <a:srgbClr val="FFFFFF"/>
+                </a:highlight>
+                <a:latin typeface="Cascadia Mono" panose="020B0609020000020004" pitchFamily="49" charset="0"/>
+              </a:rPr>
+              <a:t>&gt;</a:t>
+            </a:r>
+            <a:endParaRPr lang="en-GB" sz="1200" dirty="0"/>
+          </a:p>
+        </p:txBody>
+      </p:sp>
+      <p:sp>
+        <p:nvSpPr>
+          <p:cNvPr id="7" name="TextBox 6">
+            <a:extLst>
+              <a:ext uri="{FF2B5EF4-FFF2-40B4-BE49-F238E27FC236}">
+                <a16:creationId xmlns:a16="http://schemas.microsoft.com/office/drawing/2014/main" id="{1D597F41-862F-E66E-8E72-3F78F156F7EB}"/>
+              </a:ext>
+            </a:extLst>
+          </p:cNvPr>
+          <p:cNvSpPr txBox="1"/>
+          <p:nvPr/>
+        </p:nvSpPr>
+        <p:spPr>
+          <a:xfrm>
+            <a:off x="6326505" y="4139268"/>
+            <a:ext cx="6640830" cy="2031325"/>
+          </a:xfrm>
+          <a:prstGeom prst="rect">
+            <a:avLst/>
+          </a:prstGeom>
+          <a:noFill/>
+        </p:spPr>
+        <p:txBody>
+          <a:bodyPr wrap="square">
+            <a:spAutoFit/>
+          </a:bodyPr>
+          <a:lstStyle/>
+          <a:p>
+            <a:r>
+              <a:rPr lang="en-GB" sz="1800" dirty="0">
+                <a:solidFill>
+                  <a:srgbClr val="000000"/>
+                </a:solidFill>
+                <a:highlight>
+                  <a:srgbClr val="FFFFFF"/>
+                </a:highlight>
+                <a:latin typeface="Cascadia Mono" panose="020B0609020000020004" pitchFamily="49" charset="0"/>
+              </a:rPr>
+              <a:t>An unhandled exception of type '</a:t>
+            </a:r>
+            <a:r>
+              <a:rPr lang="en-GB" sz="1800" dirty="0" err="1">
+                <a:solidFill>
+                  <a:srgbClr val="000000"/>
+                </a:solidFill>
+                <a:highlight>
+                  <a:srgbClr val="FFFFFF"/>
+                </a:highlight>
+                <a:latin typeface="Cascadia Mono" panose="020B0609020000020004" pitchFamily="49" charset="0"/>
+              </a:rPr>
+              <a:t>System.Windows.Markup.XamlParseException</a:t>
+            </a:r>
+            <a:r>
+              <a:rPr lang="en-GB" sz="1800" dirty="0">
+                <a:solidFill>
+                  <a:srgbClr val="000000"/>
+                </a:solidFill>
+                <a:highlight>
+                  <a:srgbClr val="FFFFFF"/>
+                </a:highlight>
+                <a:latin typeface="Cascadia Mono" panose="020B0609020000020004" pitchFamily="49" charset="0"/>
+              </a:rPr>
+              <a:t>' occurred in WindowsBase.dll</a:t>
+            </a:r>
+          </a:p>
+          <a:p>
+            <a:r>
+              <a:rPr lang="en-GB" sz="1800" dirty="0">
+                <a:solidFill>
+                  <a:srgbClr val="000000"/>
+                </a:solidFill>
+                <a:highlight>
+                  <a:srgbClr val="FFFFFF"/>
+                </a:highlight>
+                <a:latin typeface="Cascadia Mono" panose="020B0609020000020004" pitchFamily="49" charset="0"/>
+              </a:rPr>
+              <a:t>A 'Binding' cannot be set on the 'Contact' property of type '</a:t>
+            </a:r>
+            <a:r>
+              <a:rPr lang="en-GB" sz="1800" dirty="0" err="1">
+                <a:solidFill>
+                  <a:srgbClr val="000000"/>
+                </a:solidFill>
+                <a:highlight>
+                  <a:srgbClr val="FFFFFF"/>
+                </a:highlight>
+                <a:latin typeface="Cascadia Mono" panose="020B0609020000020004" pitchFamily="49" charset="0"/>
+              </a:rPr>
+              <a:t>ContactControl</a:t>
+            </a:r>
+            <a:r>
+              <a:rPr lang="en-GB" sz="1800" dirty="0">
+                <a:solidFill>
+                  <a:srgbClr val="000000"/>
+                </a:solidFill>
+                <a:highlight>
+                  <a:srgbClr val="FFFFFF"/>
+                </a:highlight>
+                <a:latin typeface="Cascadia Mono" panose="020B0609020000020004" pitchFamily="49" charset="0"/>
+              </a:rPr>
+              <a:t>'. A 'Binding' can only be set on a </a:t>
+            </a:r>
+            <a:r>
+              <a:rPr lang="en-GB" sz="1800" dirty="0" err="1">
+                <a:solidFill>
+                  <a:srgbClr val="000000"/>
+                </a:solidFill>
+                <a:highlight>
+                  <a:srgbClr val="FFFFFF"/>
+                </a:highlight>
+                <a:latin typeface="Cascadia Mono" panose="020B0609020000020004" pitchFamily="49" charset="0"/>
+              </a:rPr>
+              <a:t>DependencyProperty</a:t>
+            </a:r>
+            <a:r>
+              <a:rPr lang="en-GB" sz="1800" dirty="0">
+                <a:solidFill>
+                  <a:srgbClr val="000000"/>
+                </a:solidFill>
+                <a:highlight>
+                  <a:srgbClr val="FFFFFF"/>
+                </a:highlight>
+                <a:latin typeface="Cascadia Mono" panose="020B0609020000020004" pitchFamily="49" charset="0"/>
+              </a:rPr>
+              <a:t> of a </a:t>
+            </a:r>
+            <a:r>
+              <a:rPr lang="en-GB" sz="1800" dirty="0" err="1">
+                <a:solidFill>
+                  <a:srgbClr val="000000"/>
+                </a:solidFill>
+                <a:highlight>
+                  <a:srgbClr val="FFFFFF"/>
+                </a:highlight>
+                <a:latin typeface="Cascadia Mono" panose="020B0609020000020004" pitchFamily="49" charset="0"/>
+              </a:rPr>
+              <a:t>DependencyObject</a:t>
+            </a:r>
+            <a:r>
+              <a:rPr lang="en-GB" sz="1800" dirty="0">
+                <a:solidFill>
+                  <a:srgbClr val="000000"/>
+                </a:solidFill>
+                <a:highlight>
+                  <a:srgbClr val="FFFFFF"/>
+                </a:highlight>
+                <a:latin typeface="Cascadia Mono" panose="020B0609020000020004" pitchFamily="49" charset="0"/>
+              </a:rPr>
+              <a:t>.</a:t>
+            </a:r>
+            <a:endParaRPr lang="en-GB" dirty="0"/>
+          </a:p>
+        </p:txBody>
+      </p:sp>
     </p:spTree>
     <p:extLst>
       <p:ext uri="{BB962C8B-B14F-4D97-AF65-F5344CB8AC3E}">
@@ -6093,6 +11171,1313 @@
           <a:chExt cx="0" cy="0"/>
         </a:xfrm>
       </p:grpSpPr>
+      <p:sp>
+        <p:nvSpPr>
+          <p:cNvPr id="2" name="TextBox 1">
+            <a:extLst>
+              <a:ext uri="{FF2B5EF4-FFF2-40B4-BE49-F238E27FC236}">
+                <a16:creationId xmlns:a16="http://schemas.microsoft.com/office/drawing/2014/main" id="{BE4F8EFE-7034-FFA9-97E6-B505BB10F258}"/>
+              </a:ext>
+            </a:extLst>
+          </p:cNvPr>
+          <p:cNvSpPr txBox="1"/>
+          <p:nvPr/>
+        </p:nvSpPr>
+        <p:spPr>
+          <a:xfrm>
+            <a:off x="1137424" y="657922"/>
+            <a:ext cx="5210529" cy="646331"/>
+          </a:xfrm>
+          <a:prstGeom prst="rect">
+            <a:avLst/>
+          </a:prstGeom>
+          <a:noFill/>
+        </p:spPr>
+        <p:txBody>
+          <a:bodyPr wrap="none" rtlCol="0">
+            <a:spAutoFit/>
+          </a:bodyPr>
+          <a:lstStyle/>
+          <a:p>
+            <a:r>
+              <a:rPr lang="en-GB" dirty="0"/>
+              <a:t>Ctrl + k, c – to comment selected block of code</a:t>
+            </a:r>
+          </a:p>
+          <a:p>
+            <a:r>
+              <a:rPr lang="en-GB" dirty="0"/>
+              <a:t>Ctrl + k, u – uncomment the selected block of code</a:t>
+            </a:r>
+          </a:p>
+        </p:txBody>
+      </p:sp>
+      <p:pic>
+        <p:nvPicPr>
+          <p:cNvPr id="4" name="Picture 3">
+            <a:extLst>
+              <a:ext uri="{FF2B5EF4-FFF2-40B4-BE49-F238E27FC236}">
+                <a16:creationId xmlns:a16="http://schemas.microsoft.com/office/drawing/2014/main" id="{101567E2-4864-0B73-B1C8-38796AE2C058}"/>
+              </a:ext>
+            </a:extLst>
+          </p:cNvPr>
+          <p:cNvPicPr>
+            <a:picLocks noChangeAspect="1"/>
+          </p:cNvPicPr>
+          <p:nvPr/>
+        </p:nvPicPr>
+        <p:blipFill>
+          <a:blip r:embed="rId2"/>
+          <a:stretch>
+            <a:fillRect/>
+          </a:stretch>
+        </p:blipFill>
+        <p:spPr>
+          <a:xfrm>
+            <a:off x="2156090" y="2082092"/>
+            <a:ext cx="5296639" cy="1047896"/>
+          </a:xfrm>
+          <a:prstGeom prst="rect">
+            <a:avLst/>
+          </a:prstGeom>
+        </p:spPr>
+      </p:pic>
+      <p:sp>
+        <p:nvSpPr>
+          <p:cNvPr id="5" name="TextBox 4">
+            <a:extLst>
+              <a:ext uri="{FF2B5EF4-FFF2-40B4-BE49-F238E27FC236}">
+                <a16:creationId xmlns:a16="http://schemas.microsoft.com/office/drawing/2014/main" id="{CB094EAC-A798-C4C4-555D-B8D5E31279EE}"/>
+              </a:ext>
+            </a:extLst>
+          </p:cNvPr>
+          <p:cNvSpPr txBox="1"/>
+          <p:nvPr/>
+        </p:nvSpPr>
+        <p:spPr>
+          <a:xfrm>
+            <a:off x="267335" y="1611351"/>
+            <a:ext cx="5669116" cy="646331"/>
+          </a:xfrm>
+          <a:prstGeom prst="rect">
+            <a:avLst/>
+          </a:prstGeom>
+          <a:noFill/>
+        </p:spPr>
+        <p:txBody>
+          <a:bodyPr wrap="none" rtlCol="0">
+            <a:spAutoFit/>
+          </a:bodyPr>
+          <a:lstStyle/>
+          <a:p>
+            <a:r>
+              <a:rPr lang="en-GB" dirty="0"/>
+              <a:t>Create a dependency property by using </a:t>
+            </a:r>
+            <a:r>
+              <a:rPr lang="en-GB" dirty="0" err="1"/>
+              <a:t>propdp</a:t>
+            </a:r>
+            <a:r>
+              <a:rPr lang="en-GB" dirty="0"/>
+              <a:t> snippet:</a:t>
+            </a:r>
+          </a:p>
+          <a:p>
+            <a:endParaRPr lang="en-GB" dirty="0"/>
+          </a:p>
+        </p:txBody>
+      </p:sp>
+      <p:sp>
+        <p:nvSpPr>
+          <p:cNvPr id="7" name="TextBox 6">
+            <a:extLst>
+              <a:ext uri="{FF2B5EF4-FFF2-40B4-BE49-F238E27FC236}">
+                <a16:creationId xmlns:a16="http://schemas.microsoft.com/office/drawing/2014/main" id="{29CE540A-9822-0559-6B27-A9487E293D76}"/>
+              </a:ext>
+            </a:extLst>
+          </p:cNvPr>
+          <p:cNvSpPr txBox="1"/>
+          <p:nvPr/>
+        </p:nvSpPr>
+        <p:spPr>
+          <a:xfrm>
+            <a:off x="755402" y="4584251"/>
+            <a:ext cx="10681196" cy="1615827"/>
+          </a:xfrm>
+          <a:prstGeom prst="rect">
+            <a:avLst/>
+          </a:prstGeom>
+          <a:noFill/>
+        </p:spPr>
+        <p:txBody>
+          <a:bodyPr wrap="square">
+            <a:spAutoFit/>
+          </a:bodyPr>
+          <a:lstStyle/>
+          <a:p>
+            <a:r>
+              <a:rPr lang="en-GB" sz="1100" dirty="0">
+                <a:solidFill>
+                  <a:srgbClr val="000000"/>
+                </a:solidFill>
+                <a:highlight>
+                  <a:srgbClr val="FFFFFF"/>
+                </a:highlight>
+                <a:latin typeface="Cascadia Mono" panose="020B0609020000020004" pitchFamily="49" charset="0"/>
+              </a:rPr>
+              <a:t> </a:t>
+            </a:r>
+            <a:r>
+              <a:rPr lang="en-GB" sz="1100" dirty="0">
+                <a:solidFill>
+                  <a:srgbClr val="0000FF"/>
+                </a:solidFill>
+                <a:highlight>
+                  <a:srgbClr val="FFFFFF"/>
+                </a:highlight>
+                <a:latin typeface="Cascadia Mono" panose="020B0609020000020004" pitchFamily="49" charset="0"/>
+              </a:rPr>
+              <a:t>public</a:t>
+            </a:r>
+            <a:r>
+              <a:rPr lang="en-GB" sz="1100" dirty="0">
+                <a:solidFill>
+                  <a:srgbClr val="000000"/>
+                </a:solidFill>
+                <a:highlight>
+                  <a:srgbClr val="FFFFFF"/>
+                </a:highlight>
+                <a:latin typeface="Cascadia Mono" panose="020B0609020000020004" pitchFamily="49" charset="0"/>
+              </a:rPr>
+              <a:t> </a:t>
+            </a:r>
+            <a:r>
+              <a:rPr lang="en-GB" sz="1100" dirty="0">
+                <a:solidFill>
+                  <a:srgbClr val="0000FF"/>
+                </a:solidFill>
+                <a:highlight>
+                  <a:srgbClr val="FFFF00"/>
+                </a:highlight>
+                <a:latin typeface="Cascadia Mono" panose="020B0609020000020004" pitchFamily="49" charset="0"/>
+              </a:rPr>
+              <a:t>int</a:t>
+            </a:r>
+            <a:r>
+              <a:rPr lang="en-GB" sz="1100" dirty="0">
+                <a:solidFill>
+                  <a:srgbClr val="000000"/>
+                </a:solidFill>
+                <a:highlight>
+                  <a:srgbClr val="FFFFFF"/>
+                </a:highlight>
+                <a:latin typeface="Cascadia Mono" panose="020B0609020000020004" pitchFamily="49" charset="0"/>
+              </a:rPr>
+              <a:t> </a:t>
+            </a:r>
+            <a:r>
+              <a:rPr lang="en-GB" sz="1100" dirty="0" err="1">
+                <a:solidFill>
+                  <a:srgbClr val="000000"/>
+                </a:solidFill>
+                <a:highlight>
+                  <a:srgbClr val="FFFF00"/>
+                </a:highlight>
+                <a:latin typeface="Cascadia Mono" panose="020B0609020000020004" pitchFamily="49" charset="0"/>
+              </a:rPr>
+              <a:t>MyProperty</a:t>
+            </a:r>
+            <a:endParaRPr lang="en-GB" sz="1100" dirty="0">
+              <a:solidFill>
+                <a:srgbClr val="000000"/>
+              </a:solidFill>
+              <a:highlight>
+                <a:srgbClr val="FFFF00"/>
+              </a:highlight>
+              <a:latin typeface="Cascadia Mono" panose="020B0609020000020004" pitchFamily="49" charset="0"/>
+            </a:endParaRPr>
+          </a:p>
+          <a:p>
+            <a:r>
+              <a:rPr lang="en-GB" sz="1100" dirty="0">
+                <a:solidFill>
+                  <a:srgbClr val="000000"/>
+                </a:solidFill>
+                <a:highlight>
+                  <a:srgbClr val="FFFFFF"/>
+                </a:highlight>
+                <a:latin typeface="Cascadia Mono" panose="020B0609020000020004" pitchFamily="49" charset="0"/>
+              </a:rPr>
+              <a:t>        {</a:t>
+            </a:r>
+          </a:p>
+          <a:p>
+            <a:r>
+              <a:rPr lang="en-GB" sz="1100" dirty="0">
+                <a:solidFill>
+                  <a:srgbClr val="000000"/>
+                </a:solidFill>
+                <a:highlight>
+                  <a:srgbClr val="FFFFFF"/>
+                </a:highlight>
+                <a:latin typeface="Cascadia Mono" panose="020B0609020000020004" pitchFamily="49" charset="0"/>
+              </a:rPr>
+              <a:t>            </a:t>
+            </a:r>
+            <a:r>
+              <a:rPr lang="en-GB" sz="1100" dirty="0">
+                <a:solidFill>
+                  <a:srgbClr val="0000FF"/>
+                </a:solidFill>
+                <a:highlight>
+                  <a:srgbClr val="FFFFFF"/>
+                </a:highlight>
+                <a:latin typeface="Cascadia Mono" panose="020B0609020000020004" pitchFamily="49" charset="0"/>
+              </a:rPr>
+              <a:t>get</a:t>
+            </a:r>
+            <a:r>
+              <a:rPr lang="en-GB" sz="1100" dirty="0">
+                <a:solidFill>
+                  <a:srgbClr val="000000"/>
+                </a:solidFill>
+                <a:highlight>
+                  <a:srgbClr val="FFFFFF"/>
+                </a:highlight>
+                <a:latin typeface="Cascadia Mono" panose="020B0609020000020004" pitchFamily="49" charset="0"/>
+              </a:rPr>
+              <a:t> { </a:t>
+            </a:r>
+            <a:r>
+              <a:rPr lang="en-GB" sz="1100" dirty="0">
+                <a:solidFill>
+                  <a:srgbClr val="0000FF"/>
+                </a:solidFill>
+                <a:highlight>
+                  <a:srgbClr val="FFFFFF"/>
+                </a:highlight>
+                <a:latin typeface="Cascadia Mono" panose="020B0609020000020004" pitchFamily="49" charset="0"/>
+              </a:rPr>
+              <a:t>return</a:t>
+            </a:r>
+            <a:r>
+              <a:rPr lang="en-GB" sz="1100" dirty="0">
+                <a:solidFill>
+                  <a:srgbClr val="000000"/>
+                </a:solidFill>
+                <a:highlight>
+                  <a:srgbClr val="FFFFFF"/>
+                </a:highlight>
+                <a:latin typeface="Cascadia Mono" panose="020B0609020000020004" pitchFamily="49" charset="0"/>
+              </a:rPr>
+              <a:t> (</a:t>
+            </a:r>
+            <a:r>
+              <a:rPr lang="en-GB" sz="1100" dirty="0">
+                <a:solidFill>
+                  <a:srgbClr val="0000FF"/>
+                </a:solidFill>
+                <a:highlight>
+                  <a:srgbClr val="FFFFFF"/>
+                </a:highlight>
+                <a:latin typeface="Cascadia Mono" panose="020B0609020000020004" pitchFamily="49" charset="0"/>
+              </a:rPr>
+              <a:t>int</a:t>
+            </a:r>
+            <a:r>
+              <a:rPr lang="en-GB" sz="1100" dirty="0">
+                <a:solidFill>
+                  <a:srgbClr val="000000"/>
+                </a:solidFill>
+                <a:highlight>
+                  <a:srgbClr val="FFFFFF"/>
+                </a:highlight>
+                <a:latin typeface="Cascadia Mono" panose="020B0609020000020004" pitchFamily="49" charset="0"/>
+              </a:rPr>
+              <a:t>)</a:t>
+            </a:r>
+            <a:r>
+              <a:rPr lang="en-GB" sz="1100" dirty="0" err="1">
+                <a:solidFill>
+                  <a:srgbClr val="000000"/>
+                </a:solidFill>
+                <a:highlight>
+                  <a:srgbClr val="FFFFFF"/>
+                </a:highlight>
+                <a:latin typeface="Cascadia Mono" panose="020B0609020000020004" pitchFamily="49" charset="0"/>
+              </a:rPr>
+              <a:t>GetValue</a:t>
+            </a:r>
+            <a:r>
+              <a:rPr lang="en-GB" sz="1100" dirty="0">
+                <a:solidFill>
+                  <a:srgbClr val="000000"/>
+                </a:solidFill>
+                <a:highlight>
+                  <a:srgbClr val="FFFFFF"/>
+                </a:highlight>
+                <a:latin typeface="Cascadia Mono" panose="020B0609020000020004" pitchFamily="49" charset="0"/>
+              </a:rPr>
+              <a:t>(</a:t>
+            </a:r>
+            <a:r>
+              <a:rPr lang="en-GB" sz="1100" dirty="0" err="1">
+                <a:solidFill>
+                  <a:srgbClr val="000000"/>
+                </a:solidFill>
+                <a:highlight>
+                  <a:srgbClr val="FFFFFF"/>
+                </a:highlight>
+                <a:latin typeface="Cascadia Mono" panose="020B0609020000020004" pitchFamily="49" charset="0"/>
+              </a:rPr>
+              <a:t>MyPropertyProperty</a:t>
+            </a:r>
+            <a:r>
+              <a:rPr lang="en-GB" sz="1100" dirty="0">
+                <a:solidFill>
+                  <a:srgbClr val="000000"/>
+                </a:solidFill>
+                <a:highlight>
+                  <a:srgbClr val="FFFFFF"/>
+                </a:highlight>
+                <a:latin typeface="Cascadia Mono" panose="020B0609020000020004" pitchFamily="49" charset="0"/>
+              </a:rPr>
+              <a:t>); }</a:t>
+            </a:r>
+          </a:p>
+          <a:p>
+            <a:r>
+              <a:rPr lang="en-GB" sz="1100" dirty="0">
+                <a:solidFill>
+                  <a:srgbClr val="000000"/>
+                </a:solidFill>
+                <a:highlight>
+                  <a:srgbClr val="FFFFFF"/>
+                </a:highlight>
+                <a:latin typeface="Cascadia Mono" panose="020B0609020000020004" pitchFamily="49" charset="0"/>
+              </a:rPr>
+              <a:t>            </a:t>
+            </a:r>
+            <a:r>
+              <a:rPr lang="en-GB" sz="1100" dirty="0">
+                <a:solidFill>
+                  <a:srgbClr val="0000FF"/>
+                </a:solidFill>
+                <a:highlight>
+                  <a:srgbClr val="FFFFFF"/>
+                </a:highlight>
+                <a:latin typeface="Cascadia Mono" panose="020B0609020000020004" pitchFamily="49" charset="0"/>
+              </a:rPr>
+              <a:t>set</a:t>
+            </a:r>
+            <a:r>
+              <a:rPr lang="en-GB" sz="1100" dirty="0">
+                <a:solidFill>
+                  <a:srgbClr val="000000"/>
+                </a:solidFill>
+                <a:highlight>
+                  <a:srgbClr val="FFFFFF"/>
+                </a:highlight>
+                <a:latin typeface="Cascadia Mono" panose="020B0609020000020004" pitchFamily="49" charset="0"/>
+              </a:rPr>
+              <a:t> { </a:t>
+            </a:r>
+            <a:r>
+              <a:rPr lang="en-GB" sz="1100" dirty="0" err="1">
+                <a:solidFill>
+                  <a:srgbClr val="000000"/>
+                </a:solidFill>
+                <a:highlight>
+                  <a:srgbClr val="FFFFFF"/>
+                </a:highlight>
+                <a:latin typeface="Cascadia Mono" panose="020B0609020000020004" pitchFamily="49" charset="0"/>
+              </a:rPr>
+              <a:t>SetValue</a:t>
+            </a:r>
+            <a:r>
+              <a:rPr lang="en-GB" sz="1100" dirty="0">
+                <a:solidFill>
+                  <a:srgbClr val="000000"/>
+                </a:solidFill>
+                <a:highlight>
+                  <a:srgbClr val="FFFFFF"/>
+                </a:highlight>
+                <a:latin typeface="Cascadia Mono" panose="020B0609020000020004" pitchFamily="49" charset="0"/>
+              </a:rPr>
+              <a:t>(</a:t>
+            </a:r>
+            <a:r>
+              <a:rPr lang="en-GB" sz="1100" dirty="0" err="1">
+                <a:solidFill>
+                  <a:srgbClr val="000000"/>
+                </a:solidFill>
+                <a:highlight>
+                  <a:srgbClr val="FFFFFF"/>
+                </a:highlight>
+                <a:latin typeface="Cascadia Mono" panose="020B0609020000020004" pitchFamily="49" charset="0"/>
+              </a:rPr>
+              <a:t>MyPropertyProperty</a:t>
+            </a:r>
+            <a:r>
+              <a:rPr lang="en-GB" sz="1100" dirty="0">
+                <a:solidFill>
+                  <a:srgbClr val="000000"/>
+                </a:solidFill>
+                <a:highlight>
+                  <a:srgbClr val="FFFFFF"/>
+                </a:highlight>
+                <a:latin typeface="Cascadia Mono" panose="020B0609020000020004" pitchFamily="49" charset="0"/>
+              </a:rPr>
+              <a:t>, </a:t>
+            </a:r>
+            <a:r>
+              <a:rPr lang="en-GB" sz="1100" dirty="0">
+                <a:solidFill>
+                  <a:srgbClr val="0000FF"/>
+                </a:solidFill>
+                <a:highlight>
+                  <a:srgbClr val="FFFFFF"/>
+                </a:highlight>
+                <a:latin typeface="Cascadia Mono" panose="020B0609020000020004" pitchFamily="49" charset="0"/>
+              </a:rPr>
+              <a:t>value</a:t>
+            </a:r>
+            <a:r>
+              <a:rPr lang="en-GB" sz="1100" dirty="0">
+                <a:solidFill>
+                  <a:srgbClr val="000000"/>
+                </a:solidFill>
+                <a:highlight>
+                  <a:srgbClr val="FFFFFF"/>
+                </a:highlight>
+                <a:latin typeface="Cascadia Mono" panose="020B0609020000020004" pitchFamily="49" charset="0"/>
+              </a:rPr>
+              <a:t>); }</a:t>
+            </a:r>
+          </a:p>
+          <a:p>
+            <a:r>
+              <a:rPr lang="en-GB" sz="1100" dirty="0">
+                <a:solidFill>
+                  <a:srgbClr val="000000"/>
+                </a:solidFill>
+                <a:highlight>
+                  <a:srgbClr val="FFFFFF"/>
+                </a:highlight>
+                <a:latin typeface="Cascadia Mono" panose="020B0609020000020004" pitchFamily="49" charset="0"/>
+              </a:rPr>
+              <a:t>        }</a:t>
+            </a:r>
+          </a:p>
+          <a:p>
+            <a:endParaRPr lang="en-GB" sz="1100" dirty="0">
+              <a:solidFill>
+                <a:srgbClr val="000000"/>
+              </a:solidFill>
+              <a:highlight>
+                <a:srgbClr val="FFFFFF"/>
+              </a:highlight>
+              <a:latin typeface="Cascadia Mono" panose="020B0609020000020004" pitchFamily="49" charset="0"/>
+            </a:endParaRPr>
+          </a:p>
+          <a:p>
+            <a:r>
+              <a:rPr lang="en-GB" sz="1100" dirty="0">
+                <a:solidFill>
+                  <a:srgbClr val="000000"/>
+                </a:solidFill>
+                <a:highlight>
+                  <a:srgbClr val="FFFFFF"/>
+                </a:highlight>
+                <a:latin typeface="Cascadia Mono" panose="020B0609020000020004" pitchFamily="49" charset="0"/>
+              </a:rPr>
+              <a:t>        </a:t>
+            </a:r>
+            <a:r>
+              <a:rPr lang="en-GB" sz="1100" dirty="0">
+                <a:solidFill>
+                  <a:srgbClr val="008000"/>
+                </a:solidFill>
+                <a:highlight>
+                  <a:srgbClr val="FFFFFF"/>
+                </a:highlight>
+                <a:latin typeface="Cascadia Mono" panose="020B0609020000020004" pitchFamily="49" charset="0"/>
+              </a:rPr>
+              <a:t>// Using a </a:t>
+            </a:r>
+            <a:r>
+              <a:rPr lang="en-GB" sz="1100" dirty="0" err="1">
+                <a:solidFill>
+                  <a:srgbClr val="008000"/>
+                </a:solidFill>
+                <a:highlight>
+                  <a:srgbClr val="FFFFFF"/>
+                </a:highlight>
+                <a:latin typeface="Cascadia Mono" panose="020B0609020000020004" pitchFamily="49" charset="0"/>
+              </a:rPr>
+              <a:t>DependencyProperty</a:t>
+            </a:r>
+            <a:r>
+              <a:rPr lang="en-GB" sz="1100" dirty="0">
+                <a:solidFill>
+                  <a:srgbClr val="008000"/>
+                </a:solidFill>
+                <a:highlight>
+                  <a:srgbClr val="FFFFFF"/>
+                </a:highlight>
+                <a:latin typeface="Cascadia Mono" panose="020B0609020000020004" pitchFamily="49" charset="0"/>
+              </a:rPr>
+              <a:t> as the backing store for </a:t>
+            </a:r>
+            <a:r>
+              <a:rPr lang="en-GB" sz="1100" dirty="0" err="1">
+                <a:solidFill>
+                  <a:srgbClr val="008000"/>
+                </a:solidFill>
+                <a:highlight>
+                  <a:srgbClr val="FFFFFF"/>
+                </a:highlight>
+                <a:latin typeface="Cascadia Mono" panose="020B0609020000020004" pitchFamily="49" charset="0"/>
+              </a:rPr>
+              <a:t>MyProperty</a:t>
+            </a:r>
+            <a:r>
+              <a:rPr lang="en-GB" sz="1100" dirty="0">
+                <a:solidFill>
+                  <a:srgbClr val="008000"/>
+                </a:solidFill>
+                <a:highlight>
+                  <a:srgbClr val="FFFFFF"/>
+                </a:highlight>
+                <a:latin typeface="Cascadia Mono" panose="020B0609020000020004" pitchFamily="49" charset="0"/>
+              </a:rPr>
+              <a:t>.  This enables animation, styling, binding, etc...</a:t>
+            </a:r>
+            <a:endParaRPr lang="en-GB" sz="1100" dirty="0">
+              <a:solidFill>
+                <a:srgbClr val="000000"/>
+              </a:solidFill>
+              <a:highlight>
+                <a:srgbClr val="FFFFFF"/>
+              </a:highlight>
+              <a:latin typeface="Cascadia Mono" panose="020B0609020000020004" pitchFamily="49" charset="0"/>
+            </a:endParaRPr>
+          </a:p>
+          <a:p>
+            <a:r>
+              <a:rPr lang="en-GB" sz="1100" dirty="0">
+                <a:solidFill>
+                  <a:srgbClr val="000000"/>
+                </a:solidFill>
+                <a:highlight>
+                  <a:srgbClr val="FFFFFF"/>
+                </a:highlight>
+                <a:latin typeface="Cascadia Mono" panose="020B0609020000020004" pitchFamily="49" charset="0"/>
+              </a:rPr>
+              <a:t>        </a:t>
+            </a:r>
+            <a:r>
+              <a:rPr lang="en-GB" sz="1100" dirty="0">
+                <a:solidFill>
+                  <a:srgbClr val="0000FF"/>
+                </a:solidFill>
+                <a:highlight>
+                  <a:srgbClr val="FFFFFF"/>
+                </a:highlight>
+                <a:latin typeface="Cascadia Mono" panose="020B0609020000020004" pitchFamily="49" charset="0"/>
+              </a:rPr>
+              <a:t>public</a:t>
+            </a:r>
+            <a:r>
+              <a:rPr lang="en-GB" sz="1100" dirty="0">
+                <a:solidFill>
+                  <a:srgbClr val="000000"/>
+                </a:solidFill>
+                <a:highlight>
+                  <a:srgbClr val="FFFFFF"/>
+                </a:highlight>
+                <a:latin typeface="Cascadia Mono" panose="020B0609020000020004" pitchFamily="49" charset="0"/>
+              </a:rPr>
+              <a:t> </a:t>
+            </a:r>
+            <a:r>
+              <a:rPr lang="en-GB" sz="1100" dirty="0">
+                <a:solidFill>
+                  <a:srgbClr val="0000FF"/>
+                </a:solidFill>
+                <a:highlight>
+                  <a:srgbClr val="FFFFFF"/>
+                </a:highlight>
+                <a:latin typeface="Cascadia Mono" panose="020B0609020000020004" pitchFamily="49" charset="0"/>
+              </a:rPr>
+              <a:t>static</a:t>
+            </a:r>
+            <a:r>
+              <a:rPr lang="en-GB" sz="1100" dirty="0">
+                <a:solidFill>
+                  <a:srgbClr val="000000"/>
+                </a:solidFill>
+                <a:highlight>
+                  <a:srgbClr val="FFFFFF"/>
+                </a:highlight>
+                <a:latin typeface="Cascadia Mono" panose="020B0609020000020004" pitchFamily="49" charset="0"/>
+              </a:rPr>
+              <a:t> </a:t>
+            </a:r>
+            <a:r>
+              <a:rPr lang="en-GB" sz="1100" dirty="0" err="1">
+                <a:solidFill>
+                  <a:srgbClr val="0000FF"/>
+                </a:solidFill>
+                <a:highlight>
+                  <a:srgbClr val="FFFFFF"/>
+                </a:highlight>
+                <a:latin typeface="Cascadia Mono" panose="020B0609020000020004" pitchFamily="49" charset="0"/>
+              </a:rPr>
+              <a:t>readonly</a:t>
+            </a:r>
+            <a:r>
+              <a:rPr lang="en-GB" sz="1100" dirty="0">
+                <a:solidFill>
+                  <a:srgbClr val="000000"/>
+                </a:solidFill>
+                <a:highlight>
+                  <a:srgbClr val="FFFFFF"/>
+                </a:highlight>
+                <a:latin typeface="Cascadia Mono" panose="020B0609020000020004" pitchFamily="49" charset="0"/>
+              </a:rPr>
+              <a:t> </a:t>
+            </a:r>
+            <a:r>
+              <a:rPr lang="en-GB" sz="1100" dirty="0" err="1">
+                <a:solidFill>
+                  <a:srgbClr val="2B91AF"/>
+                </a:solidFill>
+                <a:highlight>
+                  <a:srgbClr val="FFFFFF"/>
+                </a:highlight>
+                <a:latin typeface="Cascadia Mono" panose="020B0609020000020004" pitchFamily="49" charset="0"/>
+              </a:rPr>
+              <a:t>DependencyProperty</a:t>
+            </a:r>
+            <a:r>
+              <a:rPr lang="en-GB" sz="1100" dirty="0">
+                <a:solidFill>
+                  <a:srgbClr val="000000"/>
+                </a:solidFill>
+                <a:highlight>
+                  <a:srgbClr val="FFFFFF"/>
+                </a:highlight>
+                <a:latin typeface="Cascadia Mono" panose="020B0609020000020004" pitchFamily="49" charset="0"/>
+              </a:rPr>
+              <a:t> </a:t>
+            </a:r>
+            <a:r>
+              <a:rPr lang="en-GB" sz="1100" dirty="0" err="1">
+                <a:solidFill>
+                  <a:srgbClr val="000000"/>
+                </a:solidFill>
+                <a:highlight>
+                  <a:srgbClr val="FFFFFF"/>
+                </a:highlight>
+                <a:latin typeface="Cascadia Mono" panose="020B0609020000020004" pitchFamily="49" charset="0"/>
+              </a:rPr>
+              <a:t>MyPropertyProperty</a:t>
+            </a:r>
+            <a:r>
+              <a:rPr lang="en-GB" sz="1100" dirty="0">
+                <a:solidFill>
+                  <a:srgbClr val="000000"/>
+                </a:solidFill>
+                <a:highlight>
+                  <a:srgbClr val="FFFFFF"/>
+                </a:highlight>
+                <a:latin typeface="Cascadia Mono" panose="020B0609020000020004" pitchFamily="49" charset="0"/>
+              </a:rPr>
+              <a:t> =</a:t>
+            </a:r>
+          </a:p>
+          <a:p>
+            <a:r>
+              <a:rPr lang="en-GB" sz="1100" dirty="0">
+                <a:solidFill>
+                  <a:srgbClr val="000000"/>
+                </a:solidFill>
+                <a:highlight>
+                  <a:srgbClr val="FFFFFF"/>
+                </a:highlight>
+                <a:latin typeface="Cascadia Mono" panose="020B0609020000020004" pitchFamily="49" charset="0"/>
+              </a:rPr>
+              <a:t>            </a:t>
+            </a:r>
+            <a:r>
+              <a:rPr lang="en-GB" sz="1100" dirty="0" err="1">
+                <a:solidFill>
+                  <a:srgbClr val="2B91AF"/>
+                </a:solidFill>
+                <a:highlight>
+                  <a:srgbClr val="FFFFFF"/>
+                </a:highlight>
+                <a:latin typeface="Cascadia Mono" panose="020B0609020000020004" pitchFamily="49" charset="0"/>
+              </a:rPr>
+              <a:t>DependencyProperty</a:t>
+            </a:r>
+            <a:r>
+              <a:rPr lang="en-GB" sz="1100" dirty="0" err="1">
+                <a:solidFill>
+                  <a:srgbClr val="000000"/>
+                </a:solidFill>
+                <a:highlight>
+                  <a:srgbClr val="FFFFFF"/>
+                </a:highlight>
+                <a:latin typeface="Cascadia Mono" panose="020B0609020000020004" pitchFamily="49" charset="0"/>
+              </a:rPr>
+              <a:t>.Register</a:t>
+            </a:r>
+            <a:r>
+              <a:rPr lang="en-GB" sz="1100" dirty="0">
+                <a:solidFill>
+                  <a:srgbClr val="000000"/>
+                </a:solidFill>
+                <a:highlight>
+                  <a:srgbClr val="FFFFFF"/>
+                </a:highlight>
+                <a:latin typeface="Cascadia Mono" panose="020B0609020000020004" pitchFamily="49" charset="0"/>
+              </a:rPr>
+              <a:t>(</a:t>
+            </a:r>
+            <a:r>
+              <a:rPr lang="en-GB" sz="1100" dirty="0">
+                <a:solidFill>
+                  <a:srgbClr val="A31515"/>
+                </a:solidFill>
+                <a:highlight>
+                  <a:srgbClr val="FFFFFF"/>
+                </a:highlight>
+                <a:latin typeface="Cascadia Mono" panose="020B0609020000020004" pitchFamily="49" charset="0"/>
+              </a:rPr>
+              <a:t>"</a:t>
+            </a:r>
+            <a:r>
+              <a:rPr lang="en-GB" sz="1100" dirty="0" err="1">
+                <a:solidFill>
+                  <a:srgbClr val="A31515"/>
+                </a:solidFill>
+                <a:highlight>
+                  <a:srgbClr val="FFFFFF"/>
+                </a:highlight>
+                <a:latin typeface="Cascadia Mono" panose="020B0609020000020004" pitchFamily="49" charset="0"/>
+              </a:rPr>
+              <a:t>MyProperty</a:t>
+            </a:r>
+            <a:r>
+              <a:rPr lang="en-GB" sz="1100" dirty="0">
+                <a:solidFill>
+                  <a:srgbClr val="A31515"/>
+                </a:solidFill>
+                <a:highlight>
+                  <a:srgbClr val="FFFFFF"/>
+                </a:highlight>
+                <a:latin typeface="Cascadia Mono" panose="020B0609020000020004" pitchFamily="49" charset="0"/>
+              </a:rPr>
+              <a:t>"</a:t>
+            </a:r>
+            <a:r>
+              <a:rPr lang="en-GB" sz="1100" dirty="0">
+                <a:solidFill>
+                  <a:srgbClr val="000000"/>
+                </a:solidFill>
+                <a:highlight>
+                  <a:srgbClr val="FFFFFF"/>
+                </a:highlight>
+                <a:latin typeface="Cascadia Mono" panose="020B0609020000020004" pitchFamily="49" charset="0"/>
+              </a:rPr>
+              <a:t>, </a:t>
+            </a:r>
+            <a:r>
+              <a:rPr lang="en-GB" sz="1100" dirty="0" err="1">
+                <a:solidFill>
+                  <a:srgbClr val="0000FF"/>
+                </a:solidFill>
+                <a:highlight>
+                  <a:srgbClr val="FFFFFF"/>
+                </a:highlight>
+                <a:latin typeface="Cascadia Mono" panose="020B0609020000020004" pitchFamily="49" charset="0"/>
+              </a:rPr>
+              <a:t>typeof</a:t>
+            </a:r>
+            <a:r>
+              <a:rPr lang="en-GB" sz="1100" dirty="0">
+                <a:solidFill>
+                  <a:srgbClr val="000000"/>
+                </a:solidFill>
+                <a:highlight>
+                  <a:srgbClr val="FFFFFF"/>
+                </a:highlight>
+                <a:latin typeface="Cascadia Mono" panose="020B0609020000020004" pitchFamily="49" charset="0"/>
+              </a:rPr>
+              <a:t>(</a:t>
+            </a:r>
+            <a:r>
+              <a:rPr lang="en-GB" sz="1100" dirty="0">
+                <a:solidFill>
+                  <a:srgbClr val="0000FF"/>
+                </a:solidFill>
+                <a:highlight>
+                  <a:srgbClr val="FFFF00"/>
+                </a:highlight>
+                <a:latin typeface="Cascadia Mono" panose="020B0609020000020004" pitchFamily="49" charset="0"/>
+              </a:rPr>
+              <a:t>int</a:t>
+            </a:r>
+            <a:r>
+              <a:rPr lang="en-GB" sz="1100" dirty="0">
+                <a:solidFill>
+                  <a:srgbClr val="000000"/>
+                </a:solidFill>
+                <a:highlight>
+                  <a:srgbClr val="FFFFFF"/>
+                </a:highlight>
+                <a:latin typeface="Cascadia Mono" panose="020B0609020000020004" pitchFamily="49" charset="0"/>
+              </a:rPr>
+              <a:t>), </a:t>
+            </a:r>
+            <a:r>
+              <a:rPr lang="en-GB" sz="1100" dirty="0" err="1">
+                <a:solidFill>
+                  <a:srgbClr val="0000FF"/>
+                </a:solidFill>
+                <a:highlight>
+                  <a:srgbClr val="FFFFFF"/>
+                </a:highlight>
+                <a:latin typeface="Cascadia Mono" panose="020B0609020000020004" pitchFamily="49" charset="0"/>
+              </a:rPr>
+              <a:t>typeof</a:t>
+            </a:r>
+            <a:r>
+              <a:rPr lang="en-GB" sz="1100" dirty="0">
+                <a:solidFill>
+                  <a:srgbClr val="000000"/>
+                </a:solidFill>
+                <a:highlight>
+                  <a:srgbClr val="FFFFFF"/>
+                </a:highlight>
+                <a:latin typeface="Cascadia Mono" panose="020B0609020000020004" pitchFamily="49" charset="0"/>
+              </a:rPr>
+              <a:t>(</a:t>
+            </a:r>
+            <a:r>
+              <a:rPr lang="en-GB" sz="1100" dirty="0" err="1">
+                <a:solidFill>
+                  <a:srgbClr val="000000"/>
+                </a:solidFill>
+                <a:highlight>
+                  <a:srgbClr val="FFFF00"/>
+                </a:highlight>
+                <a:latin typeface="Cascadia Mono" panose="020B0609020000020004" pitchFamily="49" charset="0"/>
+              </a:rPr>
+              <a:t>ownerclass</a:t>
+            </a:r>
+            <a:r>
+              <a:rPr lang="en-GB" sz="1100" dirty="0">
+                <a:solidFill>
+                  <a:srgbClr val="000000"/>
+                </a:solidFill>
+                <a:highlight>
+                  <a:srgbClr val="FFFFFF"/>
+                </a:highlight>
+                <a:latin typeface="Cascadia Mono" panose="020B0609020000020004" pitchFamily="49" charset="0"/>
+              </a:rPr>
+              <a:t>), </a:t>
+            </a:r>
+            <a:r>
+              <a:rPr lang="en-GB" sz="1100" dirty="0">
+                <a:solidFill>
+                  <a:srgbClr val="0000FF"/>
+                </a:solidFill>
+                <a:highlight>
+                  <a:srgbClr val="FFFFFF"/>
+                </a:highlight>
+                <a:latin typeface="Cascadia Mono" panose="020B0609020000020004" pitchFamily="49" charset="0"/>
+              </a:rPr>
+              <a:t>new</a:t>
+            </a:r>
+            <a:r>
+              <a:rPr lang="en-GB" sz="1100" dirty="0">
+                <a:solidFill>
+                  <a:srgbClr val="000000"/>
+                </a:solidFill>
+                <a:highlight>
+                  <a:srgbClr val="FFFFFF"/>
+                </a:highlight>
+                <a:latin typeface="Cascadia Mono" panose="020B0609020000020004" pitchFamily="49" charset="0"/>
+              </a:rPr>
+              <a:t> </a:t>
+            </a:r>
+            <a:r>
+              <a:rPr lang="en-GB" sz="1100" dirty="0" err="1">
+                <a:solidFill>
+                  <a:srgbClr val="2B91AF"/>
+                </a:solidFill>
+                <a:highlight>
+                  <a:srgbClr val="FFFFFF"/>
+                </a:highlight>
+                <a:latin typeface="Cascadia Mono" panose="020B0609020000020004" pitchFamily="49" charset="0"/>
+              </a:rPr>
+              <a:t>PropertyMetadata</a:t>
+            </a:r>
+            <a:r>
+              <a:rPr lang="en-GB" sz="1100" dirty="0">
+                <a:solidFill>
+                  <a:srgbClr val="000000"/>
+                </a:solidFill>
+                <a:highlight>
+                  <a:srgbClr val="FFFFFF"/>
+                </a:highlight>
+                <a:latin typeface="Cascadia Mono" panose="020B0609020000020004" pitchFamily="49" charset="0"/>
+              </a:rPr>
+              <a:t>(</a:t>
+            </a:r>
+            <a:r>
+              <a:rPr lang="en-GB" sz="1100" dirty="0">
+                <a:solidFill>
+                  <a:srgbClr val="000000"/>
+                </a:solidFill>
+                <a:highlight>
+                  <a:srgbClr val="FFFF00"/>
+                </a:highlight>
+                <a:latin typeface="Cascadia Mono" panose="020B0609020000020004" pitchFamily="49" charset="0"/>
+              </a:rPr>
+              <a:t>0</a:t>
+            </a:r>
+            <a:r>
+              <a:rPr lang="en-GB" sz="1100" dirty="0">
+                <a:solidFill>
+                  <a:srgbClr val="000000"/>
+                </a:solidFill>
+                <a:highlight>
+                  <a:srgbClr val="FFFFFF"/>
+                </a:highlight>
+                <a:latin typeface="Cascadia Mono" panose="020B0609020000020004" pitchFamily="49" charset="0"/>
+              </a:rPr>
+              <a:t>));</a:t>
+            </a:r>
+            <a:endParaRPr lang="en-GB" sz="1100" dirty="0"/>
+          </a:p>
+        </p:txBody>
+      </p:sp>
+      <p:cxnSp>
+        <p:nvCxnSpPr>
+          <p:cNvPr id="9" name="Straight Arrow Connector 8">
+            <a:extLst>
+              <a:ext uri="{FF2B5EF4-FFF2-40B4-BE49-F238E27FC236}">
+                <a16:creationId xmlns:a16="http://schemas.microsoft.com/office/drawing/2014/main" id="{F256B1A6-54E5-76FE-D733-39CCDD0F3948}"/>
+              </a:ext>
+            </a:extLst>
+          </p:cNvPr>
+          <p:cNvCxnSpPr/>
+          <p:nvPr/>
+        </p:nvCxnSpPr>
+        <p:spPr>
+          <a:xfrm flipH="1">
+            <a:off x="1661532" y="4092498"/>
+            <a:ext cx="189570" cy="491753"/>
+          </a:xfrm>
+          <a:prstGeom prst="straightConnector1">
+            <a:avLst/>
+          </a:prstGeom>
+          <a:ln>
+            <a:tailEnd type="triangle"/>
+          </a:ln>
+        </p:spPr>
+        <p:style>
+          <a:lnRef idx="2">
+            <a:schemeClr val="accent1"/>
+          </a:lnRef>
+          <a:fillRef idx="0">
+            <a:schemeClr val="accent1"/>
+          </a:fillRef>
+          <a:effectRef idx="1">
+            <a:schemeClr val="accent1"/>
+          </a:effectRef>
+          <a:fontRef idx="minor">
+            <a:schemeClr val="tx1"/>
+          </a:fontRef>
+        </p:style>
+      </p:cxnSp>
+      <p:sp>
+        <p:nvSpPr>
+          <p:cNvPr id="10" name="TextBox 9">
+            <a:extLst>
+              <a:ext uri="{FF2B5EF4-FFF2-40B4-BE49-F238E27FC236}">
+                <a16:creationId xmlns:a16="http://schemas.microsoft.com/office/drawing/2014/main" id="{38847D3D-DECF-AFDA-565B-AE22CCE09969}"/>
+              </a:ext>
+            </a:extLst>
+          </p:cNvPr>
+          <p:cNvSpPr txBox="1"/>
+          <p:nvPr/>
+        </p:nvSpPr>
+        <p:spPr>
+          <a:xfrm>
+            <a:off x="1520190" y="3737610"/>
+            <a:ext cx="2056460" cy="369332"/>
+          </a:xfrm>
+          <a:prstGeom prst="rect">
+            <a:avLst/>
+          </a:prstGeom>
+          <a:noFill/>
+        </p:spPr>
+        <p:txBody>
+          <a:bodyPr wrap="none" rtlCol="0">
+            <a:spAutoFit/>
+          </a:bodyPr>
+          <a:lstStyle/>
+          <a:p>
+            <a:r>
+              <a:rPr lang="en-GB" dirty="0"/>
+              <a:t>Change to Contact</a:t>
+            </a:r>
+          </a:p>
+        </p:txBody>
+      </p:sp>
+      <p:cxnSp>
+        <p:nvCxnSpPr>
+          <p:cNvPr id="11" name="Straight Arrow Connector 10">
+            <a:extLst>
+              <a:ext uri="{FF2B5EF4-FFF2-40B4-BE49-F238E27FC236}">
+                <a16:creationId xmlns:a16="http://schemas.microsoft.com/office/drawing/2014/main" id="{D19C4756-C5EC-71FE-3E8B-45668E90D1D3}"/>
+              </a:ext>
+            </a:extLst>
+          </p:cNvPr>
+          <p:cNvCxnSpPr>
+            <a:cxnSpLocks/>
+          </p:cNvCxnSpPr>
+          <p:nvPr/>
+        </p:nvCxnSpPr>
+        <p:spPr>
+          <a:xfrm flipH="1">
+            <a:off x="2757232" y="4447386"/>
+            <a:ext cx="869330" cy="162530"/>
+          </a:xfrm>
+          <a:prstGeom prst="straightConnector1">
+            <a:avLst/>
+          </a:prstGeom>
+          <a:ln>
+            <a:tailEnd type="triangle"/>
+          </a:ln>
+        </p:spPr>
+        <p:style>
+          <a:lnRef idx="2">
+            <a:schemeClr val="accent1"/>
+          </a:lnRef>
+          <a:fillRef idx="0">
+            <a:schemeClr val="accent1"/>
+          </a:fillRef>
+          <a:effectRef idx="1">
+            <a:schemeClr val="accent1"/>
+          </a:effectRef>
+          <a:fontRef idx="minor">
+            <a:schemeClr val="tx1"/>
+          </a:fontRef>
+        </p:style>
+      </p:cxnSp>
+      <p:sp>
+        <p:nvSpPr>
+          <p:cNvPr id="12" name="TextBox 11">
+            <a:extLst>
+              <a:ext uri="{FF2B5EF4-FFF2-40B4-BE49-F238E27FC236}">
+                <a16:creationId xmlns:a16="http://schemas.microsoft.com/office/drawing/2014/main" id="{5A361124-1E02-F863-2E85-1CD8F604BA3B}"/>
+              </a:ext>
+            </a:extLst>
+          </p:cNvPr>
+          <p:cNvSpPr txBox="1"/>
+          <p:nvPr/>
+        </p:nvSpPr>
+        <p:spPr>
+          <a:xfrm>
+            <a:off x="3295650" y="4092498"/>
+            <a:ext cx="2056460" cy="369332"/>
+          </a:xfrm>
+          <a:prstGeom prst="rect">
+            <a:avLst/>
+          </a:prstGeom>
+          <a:noFill/>
+        </p:spPr>
+        <p:txBody>
+          <a:bodyPr wrap="square" rtlCol="0">
+            <a:spAutoFit/>
+          </a:bodyPr>
+          <a:lstStyle/>
+          <a:p>
+            <a:r>
+              <a:rPr lang="en-GB" dirty="0"/>
+              <a:t>Change to Contact</a:t>
+            </a:r>
+          </a:p>
+        </p:txBody>
+      </p:sp>
+      <p:cxnSp>
+        <p:nvCxnSpPr>
+          <p:cNvPr id="14" name="Straight Arrow Connector 13">
+            <a:extLst>
+              <a:ext uri="{FF2B5EF4-FFF2-40B4-BE49-F238E27FC236}">
+                <a16:creationId xmlns:a16="http://schemas.microsoft.com/office/drawing/2014/main" id="{75FA7929-61CE-2C8C-811C-49B3CC90BE7A}"/>
+              </a:ext>
+            </a:extLst>
+          </p:cNvPr>
+          <p:cNvCxnSpPr>
+            <a:cxnSpLocks/>
+          </p:cNvCxnSpPr>
+          <p:nvPr/>
+        </p:nvCxnSpPr>
+        <p:spPr>
+          <a:xfrm flipV="1">
+            <a:off x="5191914" y="6200078"/>
+            <a:ext cx="648816" cy="233433"/>
+          </a:xfrm>
+          <a:prstGeom prst="straightConnector1">
+            <a:avLst/>
+          </a:prstGeom>
+          <a:ln>
+            <a:tailEnd type="triangle"/>
+          </a:ln>
+        </p:spPr>
+        <p:style>
+          <a:lnRef idx="2">
+            <a:schemeClr val="accent1"/>
+          </a:lnRef>
+          <a:fillRef idx="0">
+            <a:schemeClr val="accent1"/>
+          </a:fillRef>
+          <a:effectRef idx="1">
+            <a:schemeClr val="accent1"/>
+          </a:effectRef>
+          <a:fontRef idx="minor">
+            <a:schemeClr val="tx1"/>
+          </a:fontRef>
+        </p:style>
+      </p:cxnSp>
+      <p:sp>
+        <p:nvSpPr>
+          <p:cNvPr id="15" name="TextBox 14">
+            <a:extLst>
+              <a:ext uri="{FF2B5EF4-FFF2-40B4-BE49-F238E27FC236}">
+                <a16:creationId xmlns:a16="http://schemas.microsoft.com/office/drawing/2014/main" id="{B331180F-7B32-EAC1-C985-39EB08EDD373}"/>
+              </a:ext>
+            </a:extLst>
+          </p:cNvPr>
+          <p:cNvSpPr txBox="1"/>
+          <p:nvPr/>
+        </p:nvSpPr>
+        <p:spPr>
+          <a:xfrm>
+            <a:off x="3626562" y="6433511"/>
+            <a:ext cx="2754472" cy="369332"/>
+          </a:xfrm>
+          <a:prstGeom prst="rect">
+            <a:avLst/>
+          </a:prstGeom>
+          <a:noFill/>
+        </p:spPr>
+        <p:txBody>
+          <a:bodyPr wrap="none" rtlCol="0">
+            <a:spAutoFit/>
+          </a:bodyPr>
+          <a:lstStyle/>
+          <a:p>
+            <a:r>
+              <a:rPr lang="en-GB" dirty="0"/>
+              <a:t>Will change automatically</a:t>
+            </a:r>
+          </a:p>
+        </p:txBody>
+      </p:sp>
+      <p:cxnSp>
+        <p:nvCxnSpPr>
+          <p:cNvPr id="17" name="Straight Arrow Connector 16">
+            <a:extLst>
+              <a:ext uri="{FF2B5EF4-FFF2-40B4-BE49-F238E27FC236}">
+                <a16:creationId xmlns:a16="http://schemas.microsoft.com/office/drawing/2014/main" id="{647E0214-32E9-4B44-C69C-35D3530E83AD}"/>
+              </a:ext>
+            </a:extLst>
+          </p:cNvPr>
+          <p:cNvCxnSpPr>
+            <a:cxnSpLocks/>
+          </p:cNvCxnSpPr>
+          <p:nvPr/>
+        </p:nvCxnSpPr>
+        <p:spPr>
+          <a:xfrm flipH="1" flipV="1">
+            <a:off x="7801732" y="6200078"/>
+            <a:ext cx="1086501" cy="292643"/>
+          </a:xfrm>
+          <a:prstGeom prst="straightConnector1">
+            <a:avLst/>
+          </a:prstGeom>
+          <a:ln>
+            <a:tailEnd type="triangle"/>
+          </a:ln>
+        </p:spPr>
+        <p:style>
+          <a:lnRef idx="2">
+            <a:schemeClr val="accent1"/>
+          </a:lnRef>
+          <a:fillRef idx="0">
+            <a:schemeClr val="accent1"/>
+          </a:fillRef>
+          <a:effectRef idx="1">
+            <a:schemeClr val="accent1"/>
+          </a:effectRef>
+          <a:fontRef idx="minor">
+            <a:schemeClr val="tx1"/>
+          </a:fontRef>
+        </p:style>
+      </p:cxnSp>
+      <p:sp>
+        <p:nvSpPr>
+          <p:cNvPr id="18" name="TextBox 17">
+            <a:extLst>
+              <a:ext uri="{FF2B5EF4-FFF2-40B4-BE49-F238E27FC236}">
+                <a16:creationId xmlns:a16="http://schemas.microsoft.com/office/drawing/2014/main" id="{E2489070-16D1-9A73-E239-7C5107DB4471}"/>
+              </a:ext>
+            </a:extLst>
+          </p:cNvPr>
+          <p:cNvSpPr txBox="1"/>
+          <p:nvPr/>
+        </p:nvSpPr>
+        <p:spPr>
+          <a:xfrm>
+            <a:off x="7322880" y="6492721"/>
+            <a:ext cx="4869119" cy="369332"/>
+          </a:xfrm>
+          <a:prstGeom prst="rect">
+            <a:avLst/>
+          </a:prstGeom>
+          <a:noFill/>
+        </p:spPr>
+        <p:txBody>
+          <a:bodyPr wrap="square" rtlCol="0">
+            <a:spAutoFit/>
+          </a:bodyPr>
+          <a:lstStyle/>
+          <a:p>
+            <a:r>
+              <a:rPr lang="en-GB" dirty="0" err="1"/>
+              <a:t>ownerClass</a:t>
+            </a:r>
+            <a:r>
+              <a:rPr lang="en-GB" dirty="0"/>
+              <a:t> in this case is: </a:t>
+            </a:r>
+            <a:r>
+              <a:rPr lang="en-GB" dirty="0" err="1"/>
+              <a:t>ContactControl</a:t>
+            </a:r>
+            <a:endParaRPr lang="en-GB" dirty="0"/>
+          </a:p>
+        </p:txBody>
+      </p:sp>
     </p:spTree>
     <p:extLst>
       <p:ext uri="{BB962C8B-B14F-4D97-AF65-F5344CB8AC3E}">
@@ -6129,6 +12514,1196 @@
           <a:chExt cx="0" cy="0"/>
         </a:xfrm>
       </p:grpSpPr>
+      <p:sp>
+        <p:nvSpPr>
+          <p:cNvPr id="2" name="TextBox 1">
+            <a:extLst>
+              <a:ext uri="{FF2B5EF4-FFF2-40B4-BE49-F238E27FC236}">
+                <a16:creationId xmlns:a16="http://schemas.microsoft.com/office/drawing/2014/main" id="{04738C91-0EC9-9469-CB58-BCABC131EDD6}"/>
+              </a:ext>
+            </a:extLst>
+          </p:cNvPr>
+          <p:cNvSpPr txBox="1"/>
+          <p:nvPr/>
+        </p:nvSpPr>
+        <p:spPr>
+          <a:xfrm>
+            <a:off x="244475" y="376911"/>
+            <a:ext cx="5669116" cy="646331"/>
+          </a:xfrm>
+          <a:prstGeom prst="rect">
+            <a:avLst/>
+          </a:prstGeom>
+          <a:noFill/>
+        </p:spPr>
+        <p:txBody>
+          <a:bodyPr wrap="none" rtlCol="0">
+            <a:spAutoFit/>
+          </a:bodyPr>
+          <a:lstStyle/>
+          <a:p>
+            <a:r>
+              <a:rPr lang="en-GB" dirty="0"/>
+              <a:t>Create a dependency property by using </a:t>
+            </a:r>
+            <a:r>
+              <a:rPr lang="en-GB" dirty="0" err="1"/>
+              <a:t>propdp</a:t>
+            </a:r>
+            <a:r>
+              <a:rPr lang="en-GB" dirty="0"/>
+              <a:t> snippet:</a:t>
+            </a:r>
+          </a:p>
+          <a:p>
+            <a:endParaRPr lang="en-GB" dirty="0"/>
+          </a:p>
+        </p:txBody>
+      </p:sp>
+      <p:pic>
+        <p:nvPicPr>
+          <p:cNvPr id="4" name="Picture 3">
+            <a:extLst>
+              <a:ext uri="{FF2B5EF4-FFF2-40B4-BE49-F238E27FC236}">
+                <a16:creationId xmlns:a16="http://schemas.microsoft.com/office/drawing/2014/main" id="{01A4498F-7C5E-8E0F-2B04-CCCE4465A47F}"/>
+              </a:ext>
+            </a:extLst>
+          </p:cNvPr>
+          <p:cNvPicPr>
+            <a:picLocks noChangeAspect="1"/>
+          </p:cNvPicPr>
+          <p:nvPr/>
+        </p:nvPicPr>
+        <p:blipFill>
+          <a:blip r:embed="rId2"/>
+          <a:stretch>
+            <a:fillRect/>
+          </a:stretch>
+        </p:blipFill>
+        <p:spPr>
+          <a:xfrm>
+            <a:off x="893867" y="1023242"/>
+            <a:ext cx="7592485" cy="2162477"/>
+          </a:xfrm>
+          <a:prstGeom prst="rect">
+            <a:avLst/>
+          </a:prstGeom>
+        </p:spPr>
+      </p:pic>
+      <p:sp>
+        <p:nvSpPr>
+          <p:cNvPr id="6" name="TextBox 5">
+            <a:extLst>
+              <a:ext uri="{FF2B5EF4-FFF2-40B4-BE49-F238E27FC236}">
+                <a16:creationId xmlns:a16="http://schemas.microsoft.com/office/drawing/2014/main" id="{4F4B6D04-3BDE-F363-CE1D-775472A95D0C}"/>
+              </a:ext>
+            </a:extLst>
+          </p:cNvPr>
+          <p:cNvSpPr txBox="1"/>
+          <p:nvPr/>
+        </p:nvSpPr>
+        <p:spPr>
+          <a:xfrm>
+            <a:off x="342900" y="3532227"/>
+            <a:ext cx="12435839" cy="2462213"/>
+          </a:xfrm>
+          <a:prstGeom prst="rect">
+            <a:avLst/>
+          </a:prstGeom>
+          <a:noFill/>
+        </p:spPr>
+        <p:txBody>
+          <a:bodyPr wrap="square">
+            <a:spAutoFit/>
+          </a:bodyPr>
+          <a:lstStyle/>
+          <a:p>
+            <a:r>
+              <a:rPr lang="en-GB" sz="1100" dirty="0">
+                <a:solidFill>
+                  <a:srgbClr val="000000"/>
+                </a:solidFill>
+                <a:highlight>
+                  <a:srgbClr val="FFFFFF"/>
+                </a:highlight>
+                <a:latin typeface="Cascadia Mono" panose="020B0609020000020004" pitchFamily="49" charset="0"/>
+              </a:rPr>
+              <a:t> </a:t>
+            </a:r>
+            <a:r>
+              <a:rPr lang="en-GB" sz="1100" dirty="0">
+                <a:solidFill>
+                  <a:srgbClr val="0000FF"/>
+                </a:solidFill>
+                <a:highlight>
+                  <a:srgbClr val="FFFFFF"/>
+                </a:highlight>
+                <a:latin typeface="Cascadia Mono" panose="020B0609020000020004" pitchFamily="49" charset="0"/>
+              </a:rPr>
+              <a:t>public</a:t>
+            </a:r>
+            <a:r>
+              <a:rPr lang="en-GB" sz="1100" dirty="0">
+                <a:solidFill>
+                  <a:srgbClr val="000000"/>
+                </a:solidFill>
+                <a:highlight>
+                  <a:srgbClr val="FFFFFF"/>
+                </a:highlight>
+                <a:latin typeface="Cascadia Mono" panose="020B0609020000020004" pitchFamily="49" charset="0"/>
+              </a:rPr>
+              <a:t> </a:t>
+            </a:r>
+            <a:r>
+              <a:rPr lang="en-GB" sz="1100" dirty="0">
+                <a:solidFill>
+                  <a:srgbClr val="2B91AF"/>
+                </a:solidFill>
+                <a:highlight>
+                  <a:srgbClr val="FFFFFF"/>
+                </a:highlight>
+                <a:latin typeface="Cascadia Mono" panose="020B0609020000020004" pitchFamily="49" charset="0"/>
+              </a:rPr>
+              <a:t>Contact</a:t>
+            </a:r>
+            <a:r>
+              <a:rPr lang="en-GB" sz="1100" dirty="0">
+                <a:solidFill>
+                  <a:srgbClr val="000000"/>
+                </a:solidFill>
+                <a:highlight>
+                  <a:srgbClr val="FFFFFF"/>
+                </a:highlight>
+                <a:latin typeface="Cascadia Mono" panose="020B0609020000020004" pitchFamily="49" charset="0"/>
+              </a:rPr>
+              <a:t> </a:t>
+            </a:r>
+            <a:r>
+              <a:rPr lang="en-GB" sz="1100" dirty="0" err="1">
+                <a:solidFill>
+                  <a:srgbClr val="000000"/>
+                </a:solidFill>
+                <a:highlight>
+                  <a:srgbClr val="FFFFFF"/>
+                </a:highlight>
+                <a:latin typeface="Cascadia Mono" panose="020B0609020000020004" pitchFamily="49" charset="0"/>
+              </a:rPr>
+              <a:t>Contact</a:t>
+            </a:r>
+            <a:endParaRPr lang="en-GB" sz="1100" dirty="0">
+              <a:solidFill>
+                <a:srgbClr val="000000"/>
+              </a:solidFill>
+              <a:highlight>
+                <a:srgbClr val="FFFFFF"/>
+              </a:highlight>
+              <a:latin typeface="Cascadia Mono" panose="020B0609020000020004" pitchFamily="49" charset="0"/>
+            </a:endParaRPr>
+          </a:p>
+          <a:p>
+            <a:r>
+              <a:rPr lang="en-GB" sz="1100" dirty="0">
+                <a:solidFill>
+                  <a:srgbClr val="000000"/>
+                </a:solidFill>
+                <a:highlight>
+                  <a:srgbClr val="FFFFFF"/>
+                </a:highlight>
+                <a:latin typeface="Cascadia Mono" panose="020B0609020000020004" pitchFamily="49" charset="0"/>
+              </a:rPr>
+              <a:t>        {</a:t>
+            </a:r>
+          </a:p>
+          <a:p>
+            <a:r>
+              <a:rPr lang="en-GB" sz="1100" dirty="0">
+                <a:solidFill>
+                  <a:srgbClr val="000000"/>
+                </a:solidFill>
+                <a:highlight>
+                  <a:srgbClr val="FFFFFF"/>
+                </a:highlight>
+                <a:latin typeface="Cascadia Mono" panose="020B0609020000020004" pitchFamily="49" charset="0"/>
+              </a:rPr>
+              <a:t>            </a:t>
+            </a:r>
+            <a:r>
+              <a:rPr lang="en-GB" sz="1100" dirty="0">
+                <a:solidFill>
+                  <a:srgbClr val="0000FF"/>
+                </a:solidFill>
+                <a:highlight>
+                  <a:srgbClr val="FFFFFF"/>
+                </a:highlight>
+                <a:latin typeface="Cascadia Mono" panose="020B0609020000020004" pitchFamily="49" charset="0"/>
+              </a:rPr>
+              <a:t>get</a:t>
+            </a:r>
+            <a:r>
+              <a:rPr lang="en-GB" sz="1100" dirty="0">
+                <a:solidFill>
+                  <a:srgbClr val="000000"/>
+                </a:solidFill>
+                <a:highlight>
+                  <a:srgbClr val="FFFFFF"/>
+                </a:highlight>
+                <a:latin typeface="Cascadia Mono" panose="020B0609020000020004" pitchFamily="49" charset="0"/>
+              </a:rPr>
+              <a:t> { </a:t>
+            </a:r>
+            <a:r>
+              <a:rPr lang="en-GB" sz="1100" dirty="0">
+                <a:solidFill>
+                  <a:srgbClr val="0000FF"/>
+                </a:solidFill>
+                <a:highlight>
+                  <a:srgbClr val="FFFFFF"/>
+                </a:highlight>
+                <a:latin typeface="Cascadia Mono" panose="020B0609020000020004" pitchFamily="49" charset="0"/>
+              </a:rPr>
+              <a:t>return</a:t>
+            </a:r>
+            <a:r>
+              <a:rPr lang="en-GB" sz="1100" dirty="0">
+                <a:solidFill>
+                  <a:srgbClr val="000000"/>
+                </a:solidFill>
+                <a:highlight>
+                  <a:srgbClr val="FFFFFF"/>
+                </a:highlight>
+                <a:latin typeface="Cascadia Mono" panose="020B0609020000020004" pitchFamily="49" charset="0"/>
+              </a:rPr>
+              <a:t> (</a:t>
+            </a:r>
+            <a:r>
+              <a:rPr lang="en-GB" sz="1100" dirty="0">
+                <a:solidFill>
+                  <a:srgbClr val="2B91AF"/>
+                </a:solidFill>
+                <a:highlight>
+                  <a:srgbClr val="FFFFFF"/>
+                </a:highlight>
+                <a:latin typeface="Cascadia Mono" panose="020B0609020000020004" pitchFamily="49" charset="0"/>
+              </a:rPr>
+              <a:t>Contact</a:t>
+            </a:r>
+            <a:r>
+              <a:rPr lang="en-GB" sz="1100" dirty="0">
+                <a:solidFill>
+                  <a:srgbClr val="000000"/>
+                </a:solidFill>
+                <a:highlight>
+                  <a:srgbClr val="FFFFFF"/>
+                </a:highlight>
+                <a:latin typeface="Cascadia Mono" panose="020B0609020000020004" pitchFamily="49" charset="0"/>
+              </a:rPr>
+              <a:t>)</a:t>
+            </a:r>
+            <a:r>
+              <a:rPr lang="en-GB" sz="1100" dirty="0" err="1">
+                <a:solidFill>
+                  <a:srgbClr val="000000"/>
+                </a:solidFill>
+                <a:highlight>
+                  <a:srgbClr val="FFFFFF"/>
+                </a:highlight>
+                <a:latin typeface="Cascadia Mono" panose="020B0609020000020004" pitchFamily="49" charset="0"/>
+              </a:rPr>
+              <a:t>GetValue</a:t>
+            </a:r>
+            <a:r>
+              <a:rPr lang="en-GB" sz="1100" dirty="0">
+                <a:solidFill>
+                  <a:srgbClr val="000000"/>
+                </a:solidFill>
+                <a:highlight>
+                  <a:srgbClr val="FFFFFF"/>
+                </a:highlight>
+                <a:latin typeface="Cascadia Mono" panose="020B0609020000020004" pitchFamily="49" charset="0"/>
+              </a:rPr>
+              <a:t>(</a:t>
+            </a:r>
+            <a:r>
+              <a:rPr lang="en-GB" sz="1100" dirty="0" err="1">
+                <a:solidFill>
+                  <a:srgbClr val="000000"/>
+                </a:solidFill>
+                <a:highlight>
+                  <a:srgbClr val="FFFFFF"/>
+                </a:highlight>
+                <a:latin typeface="Cascadia Mono" panose="020B0609020000020004" pitchFamily="49" charset="0"/>
+              </a:rPr>
+              <a:t>ContactProperty</a:t>
+            </a:r>
+            <a:r>
+              <a:rPr lang="en-GB" sz="1100" dirty="0">
+                <a:solidFill>
+                  <a:srgbClr val="000000"/>
+                </a:solidFill>
+                <a:highlight>
+                  <a:srgbClr val="FFFFFF"/>
+                </a:highlight>
+                <a:latin typeface="Cascadia Mono" panose="020B0609020000020004" pitchFamily="49" charset="0"/>
+              </a:rPr>
+              <a:t>); }</a:t>
+            </a:r>
+          </a:p>
+          <a:p>
+            <a:r>
+              <a:rPr lang="en-GB" sz="1100" dirty="0">
+                <a:solidFill>
+                  <a:srgbClr val="000000"/>
+                </a:solidFill>
+                <a:highlight>
+                  <a:srgbClr val="FFFFFF"/>
+                </a:highlight>
+                <a:latin typeface="Cascadia Mono" panose="020B0609020000020004" pitchFamily="49" charset="0"/>
+              </a:rPr>
+              <a:t>            </a:t>
+            </a:r>
+            <a:r>
+              <a:rPr lang="en-GB" sz="1100" dirty="0">
+                <a:solidFill>
+                  <a:srgbClr val="0000FF"/>
+                </a:solidFill>
+                <a:highlight>
+                  <a:srgbClr val="FFFFFF"/>
+                </a:highlight>
+                <a:latin typeface="Cascadia Mono" panose="020B0609020000020004" pitchFamily="49" charset="0"/>
+              </a:rPr>
+              <a:t>set</a:t>
+            </a:r>
+            <a:r>
+              <a:rPr lang="en-GB" sz="1100" dirty="0">
+                <a:solidFill>
+                  <a:srgbClr val="000000"/>
+                </a:solidFill>
+                <a:highlight>
+                  <a:srgbClr val="FFFFFF"/>
+                </a:highlight>
+                <a:latin typeface="Cascadia Mono" panose="020B0609020000020004" pitchFamily="49" charset="0"/>
+              </a:rPr>
+              <a:t> { </a:t>
+            </a:r>
+            <a:r>
+              <a:rPr lang="en-GB" sz="1100" dirty="0" err="1">
+                <a:solidFill>
+                  <a:srgbClr val="000000"/>
+                </a:solidFill>
+                <a:highlight>
+                  <a:srgbClr val="FFFFFF"/>
+                </a:highlight>
+                <a:latin typeface="Cascadia Mono" panose="020B0609020000020004" pitchFamily="49" charset="0"/>
+              </a:rPr>
+              <a:t>SetValue</a:t>
+            </a:r>
+            <a:r>
+              <a:rPr lang="en-GB" sz="1100" dirty="0">
+                <a:solidFill>
+                  <a:srgbClr val="000000"/>
+                </a:solidFill>
+                <a:highlight>
+                  <a:srgbClr val="FFFFFF"/>
+                </a:highlight>
+                <a:latin typeface="Cascadia Mono" panose="020B0609020000020004" pitchFamily="49" charset="0"/>
+              </a:rPr>
+              <a:t>(</a:t>
+            </a:r>
+            <a:r>
+              <a:rPr lang="en-GB" sz="1100" dirty="0" err="1">
+                <a:solidFill>
+                  <a:srgbClr val="000000"/>
+                </a:solidFill>
+                <a:highlight>
+                  <a:srgbClr val="FFFFFF"/>
+                </a:highlight>
+                <a:latin typeface="Cascadia Mono" panose="020B0609020000020004" pitchFamily="49" charset="0"/>
+              </a:rPr>
+              <a:t>ContactProperty</a:t>
+            </a:r>
+            <a:r>
+              <a:rPr lang="en-GB" sz="1100" dirty="0">
+                <a:solidFill>
+                  <a:srgbClr val="000000"/>
+                </a:solidFill>
+                <a:highlight>
+                  <a:srgbClr val="FFFFFF"/>
+                </a:highlight>
+                <a:latin typeface="Cascadia Mono" panose="020B0609020000020004" pitchFamily="49" charset="0"/>
+              </a:rPr>
+              <a:t>, </a:t>
+            </a:r>
+            <a:r>
+              <a:rPr lang="en-GB" sz="1100" dirty="0">
+                <a:solidFill>
+                  <a:srgbClr val="0000FF"/>
+                </a:solidFill>
+                <a:highlight>
+                  <a:srgbClr val="FFFFFF"/>
+                </a:highlight>
+                <a:latin typeface="Cascadia Mono" panose="020B0609020000020004" pitchFamily="49" charset="0"/>
+              </a:rPr>
+              <a:t>value</a:t>
+            </a:r>
+            <a:r>
+              <a:rPr lang="en-GB" sz="1100" dirty="0">
+                <a:solidFill>
+                  <a:srgbClr val="000000"/>
+                </a:solidFill>
+                <a:highlight>
+                  <a:srgbClr val="FFFFFF"/>
+                </a:highlight>
+                <a:latin typeface="Cascadia Mono" panose="020B0609020000020004" pitchFamily="49" charset="0"/>
+              </a:rPr>
+              <a:t>); }</a:t>
+            </a:r>
+          </a:p>
+          <a:p>
+            <a:r>
+              <a:rPr lang="en-GB" sz="1100" dirty="0">
+                <a:solidFill>
+                  <a:srgbClr val="000000"/>
+                </a:solidFill>
+                <a:highlight>
+                  <a:srgbClr val="FFFFFF"/>
+                </a:highlight>
+                <a:latin typeface="Cascadia Mono" panose="020B0609020000020004" pitchFamily="49" charset="0"/>
+              </a:rPr>
+              <a:t>        }</a:t>
+            </a:r>
+          </a:p>
+          <a:p>
+            <a:endParaRPr lang="en-GB" sz="1100" dirty="0">
+              <a:solidFill>
+                <a:srgbClr val="000000"/>
+              </a:solidFill>
+              <a:highlight>
+                <a:srgbClr val="FFFFFF"/>
+              </a:highlight>
+              <a:latin typeface="Cascadia Mono" panose="020B0609020000020004" pitchFamily="49" charset="0"/>
+            </a:endParaRPr>
+          </a:p>
+          <a:p>
+            <a:r>
+              <a:rPr lang="en-GB" sz="1100" dirty="0">
+                <a:solidFill>
+                  <a:srgbClr val="000000"/>
+                </a:solidFill>
+                <a:highlight>
+                  <a:srgbClr val="FFFFFF"/>
+                </a:highlight>
+                <a:latin typeface="Cascadia Mono" panose="020B0609020000020004" pitchFamily="49" charset="0"/>
+              </a:rPr>
+              <a:t>        </a:t>
+            </a:r>
+            <a:r>
+              <a:rPr lang="en-GB" sz="1100" dirty="0">
+                <a:solidFill>
+                  <a:srgbClr val="008000"/>
+                </a:solidFill>
+                <a:highlight>
+                  <a:srgbClr val="FFFFFF"/>
+                </a:highlight>
+                <a:latin typeface="Cascadia Mono" panose="020B0609020000020004" pitchFamily="49" charset="0"/>
+              </a:rPr>
+              <a:t>// Using a </a:t>
+            </a:r>
+            <a:r>
+              <a:rPr lang="en-GB" sz="1100" dirty="0" err="1">
+                <a:solidFill>
+                  <a:srgbClr val="008000"/>
+                </a:solidFill>
+                <a:highlight>
+                  <a:srgbClr val="FFFFFF"/>
+                </a:highlight>
+                <a:latin typeface="Cascadia Mono" panose="020B0609020000020004" pitchFamily="49" charset="0"/>
+              </a:rPr>
+              <a:t>DependencyProperty</a:t>
+            </a:r>
+            <a:r>
+              <a:rPr lang="en-GB" sz="1100" dirty="0">
+                <a:solidFill>
+                  <a:srgbClr val="008000"/>
+                </a:solidFill>
+                <a:highlight>
+                  <a:srgbClr val="FFFFFF"/>
+                </a:highlight>
+                <a:latin typeface="Cascadia Mono" panose="020B0609020000020004" pitchFamily="49" charset="0"/>
+              </a:rPr>
+              <a:t> as the backing store for Contact.  This enables animation, styling, binding, etc...</a:t>
+            </a:r>
+            <a:endParaRPr lang="en-GB" sz="1100" dirty="0">
+              <a:solidFill>
+                <a:srgbClr val="000000"/>
+              </a:solidFill>
+              <a:highlight>
+                <a:srgbClr val="FFFFFF"/>
+              </a:highlight>
+              <a:latin typeface="Cascadia Mono" panose="020B0609020000020004" pitchFamily="49" charset="0"/>
+            </a:endParaRPr>
+          </a:p>
+          <a:p>
+            <a:r>
+              <a:rPr lang="en-GB" sz="1100" dirty="0">
+                <a:solidFill>
+                  <a:srgbClr val="000000"/>
+                </a:solidFill>
+                <a:highlight>
+                  <a:srgbClr val="FFFFFF"/>
+                </a:highlight>
+                <a:latin typeface="Cascadia Mono" panose="020B0609020000020004" pitchFamily="49" charset="0"/>
+              </a:rPr>
+              <a:t>        </a:t>
+            </a:r>
+            <a:r>
+              <a:rPr lang="en-GB" sz="1100" dirty="0">
+                <a:solidFill>
+                  <a:srgbClr val="0000FF"/>
+                </a:solidFill>
+                <a:highlight>
+                  <a:srgbClr val="FFFFFF"/>
+                </a:highlight>
+                <a:latin typeface="Cascadia Mono" panose="020B0609020000020004" pitchFamily="49" charset="0"/>
+              </a:rPr>
+              <a:t>public</a:t>
+            </a:r>
+            <a:r>
+              <a:rPr lang="en-GB" sz="1100" dirty="0">
+                <a:solidFill>
+                  <a:srgbClr val="000000"/>
+                </a:solidFill>
+                <a:highlight>
+                  <a:srgbClr val="FFFFFF"/>
+                </a:highlight>
+                <a:latin typeface="Cascadia Mono" panose="020B0609020000020004" pitchFamily="49" charset="0"/>
+              </a:rPr>
+              <a:t> </a:t>
+            </a:r>
+            <a:r>
+              <a:rPr lang="en-GB" sz="1100" dirty="0">
+                <a:solidFill>
+                  <a:srgbClr val="0000FF"/>
+                </a:solidFill>
+                <a:highlight>
+                  <a:srgbClr val="FFFFFF"/>
+                </a:highlight>
+                <a:latin typeface="Cascadia Mono" panose="020B0609020000020004" pitchFamily="49" charset="0"/>
+              </a:rPr>
+              <a:t>static</a:t>
+            </a:r>
+            <a:r>
+              <a:rPr lang="en-GB" sz="1100" dirty="0">
+                <a:solidFill>
+                  <a:srgbClr val="000000"/>
+                </a:solidFill>
+                <a:highlight>
+                  <a:srgbClr val="FFFFFF"/>
+                </a:highlight>
+                <a:latin typeface="Cascadia Mono" panose="020B0609020000020004" pitchFamily="49" charset="0"/>
+              </a:rPr>
+              <a:t> </a:t>
+            </a:r>
+            <a:r>
+              <a:rPr lang="en-GB" sz="1100" dirty="0" err="1">
+                <a:solidFill>
+                  <a:srgbClr val="0000FF"/>
+                </a:solidFill>
+                <a:highlight>
+                  <a:srgbClr val="FFFFFF"/>
+                </a:highlight>
+                <a:latin typeface="Cascadia Mono" panose="020B0609020000020004" pitchFamily="49" charset="0"/>
+              </a:rPr>
+              <a:t>readonly</a:t>
+            </a:r>
+            <a:r>
+              <a:rPr lang="en-GB" sz="1100" dirty="0">
+                <a:solidFill>
+                  <a:srgbClr val="000000"/>
+                </a:solidFill>
+                <a:highlight>
+                  <a:srgbClr val="FFFFFF"/>
+                </a:highlight>
+                <a:latin typeface="Cascadia Mono" panose="020B0609020000020004" pitchFamily="49" charset="0"/>
+              </a:rPr>
+              <a:t> </a:t>
+            </a:r>
+            <a:r>
+              <a:rPr lang="en-GB" sz="1100" dirty="0" err="1">
+                <a:solidFill>
+                  <a:srgbClr val="2B91AF"/>
+                </a:solidFill>
+                <a:highlight>
+                  <a:srgbClr val="FFFFFF"/>
+                </a:highlight>
+                <a:latin typeface="Cascadia Mono" panose="020B0609020000020004" pitchFamily="49" charset="0"/>
+              </a:rPr>
+              <a:t>DependencyProperty</a:t>
+            </a:r>
+            <a:r>
+              <a:rPr lang="en-GB" sz="1100" dirty="0">
+                <a:solidFill>
+                  <a:srgbClr val="000000"/>
+                </a:solidFill>
+                <a:highlight>
+                  <a:srgbClr val="FFFFFF"/>
+                </a:highlight>
+                <a:latin typeface="Cascadia Mono" panose="020B0609020000020004" pitchFamily="49" charset="0"/>
+              </a:rPr>
+              <a:t> </a:t>
+            </a:r>
+            <a:r>
+              <a:rPr lang="en-GB" sz="1100" dirty="0" err="1">
+                <a:solidFill>
+                  <a:srgbClr val="000000"/>
+                </a:solidFill>
+                <a:highlight>
+                  <a:srgbClr val="FFFFFF"/>
+                </a:highlight>
+                <a:latin typeface="Cascadia Mono" panose="020B0609020000020004" pitchFamily="49" charset="0"/>
+              </a:rPr>
+              <a:t>ContactProperty</a:t>
+            </a:r>
+            <a:r>
+              <a:rPr lang="en-GB" sz="1100" dirty="0">
+                <a:solidFill>
+                  <a:srgbClr val="000000"/>
+                </a:solidFill>
+                <a:highlight>
+                  <a:srgbClr val="FFFFFF"/>
+                </a:highlight>
+                <a:latin typeface="Cascadia Mono" panose="020B0609020000020004" pitchFamily="49" charset="0"/>
+              </a:rPr>
+              <a:t> =</a:t>
+            </a:r>
+          </a:p>
+          <a:p>
+            <a:r>
+              <a:rPr lang="en-GB" sz="1100" dirty="0">
+                <a:solidFill>
+                  <a:srgbClr val="000000"/>
+                </a:solidFill>
+                <a:highlight>
+                  <a:srgbClr val="FFFFFF"/>
+                </a:highlight>
+                <a:latin typeface="Cascadia Mono" panose="020B0609020000020004" pitchFamily="49" charset="0"/>
+              </a:rPr>
+              <a:t>            </a:t>
+            </a:r>
+            <a:r>
+              <a:rPr lang="en-GB" sz="1100" dirty="0" err="1">
+                <a:solidFill>
+                  <a:srgbClr val="2B91AF"/>
+                </a:solidFill>
+                <a:highlight>
+                  <a:srgbClr val="FFFFFF"/>
+                </a:highlight>
+                <a:latin typeface="Cascadia Mono" panose="020B0609020000020004" pitchFamily="49" charset="0"/>
+              </a:rPr>
+              <a:t>DependencyProperty</a:t>
+            </a:r>
+            <a:r>
+              <a:rPr lang="en-GB" sz="1100" dirty="0" err="1">
+                <a:solidFill>
+                  <a:srgbClr val="000000"/>
+                </a:solidFill>
+                <a:highlight>
+                  <a:srgbClr val="FFFFFF"/>
+                </a:highlight>
+                <a:latin typeface="Cascadia Mono" panose="020B0609020000020004" pitchFamily="49" charset="0"/>
+              </a:rPr>
+              <a:t>.Register</a:t>
+            </a:r>
+            <a:r>
+              <a:rPr lang="en-GB" sz="1100" dirty="0">
+                <a:solidFill>
+                  <a:srgbClr val="000000"/>
+                </a:solidFill>
+                <a:highlight>
+                  <a:srgbClr val="FFFFFF"/>
+                </a:highlight>
+                <a:latin typeface="Cascadia Mono" panose="020B0609020000020004" pitchFamily="49" charset="0"/>
+              </a:rPr>
+              <a:t>(</a:t>
+            </a:r>
+            <a:r>
+              <a:rPr lang="en-GB" sz="1100" dirty="0">
+                <a:solidFill>
+                  <a:srgbClr val="A31515"/>
+                </a:solidFill>
+                <a:highlight>
+                  <a:srgbClr val="FFFFFF"/>
+                </a:highlight>
+                <a:latin typeface="Cascadia Mono" panose="020B0609020000020004" pitchFamily="49" charset="0"/>
+              </a:rPr>
+              <a:t>"Contact"</a:t>
+            </a:r>
+            <a:r>
+              <a:rPr lang="en-GB" sz="1100" dirty="0">
+                <a:solidFill>
+                  <a:srgbClr val="000000"/>
+                </a:solidFill>
+                <a:highlight>
+                  <a:srgbClr val="FFFFFF"/>
+                </a:highlight>
+                <a:latin typeface="Cascadia Mono" panose="020B0609020000020004" pitchFamily="49" charset="0"/>
+              </a:rPr>
+              <a:t>, </a:t>
+            </a:r>
+            <a:r>
+              <a:rPr lang="en-GB" sz="1100" dirty="0" err="1">
+                <a:solidFill>
+                  <a:srgbClr val="0000FF"/>
+                </a:solidFill>
+                <a:highlight>
+                  <a:srgbClr val="FFFFFF"/>
+                </a:highlight>
+                <a:latin typeface="Cascadia Mono" panose="020B0609020000020004" pitchFamily="49" charset="0"/>
+              </a:rPr>
+              <a:t>typeof</a:t>
+            </a:r>
+            <a:r>
+              <a:rPr lang="en-GB" sz="1100" dirty="0">
+                <a:solidFill>
+                  <a:srgbClr val="000000"/>
+                </a:solidFill>
+                <a:highlight>
+                  <a:srgbClr val="FFFFFF"/>
+                </a:highlight>
+                <a:latin typeface="Cascadia Mono" panose="020B0609020000020004" pitchFamily="49" charset="0"/>
+              </a:rPr>
+              <a:t>(</a:t>
+            </a:r>
+            <a:r>
+              <a:rPr lang="en-GB" sz="1100" dirty="0">
+                <a:solidFill>
+                  <a:srgbClr val="2B91AF"/>
+                </a:solidFill>
+                <a:highlight>
+                  <a:srgbClr val="FFFFFF"/>
+                </a:highlight>
+                <a:latin typeface="Cascadia Mono" panose="020B0609020000020004" pitchFamily="49" charset="0"/>
+              </a:rPr>
+              <a:t>Contact</a:t>
+            </a:r>
+            <a:r>
+              <a:rPr lang="en-GB" sz="1100" dirty="0">
+                <a:solidFill>
+                  <a:srgbClr val="000000"/>
+                </a:solidFill>
+                <a:highlight>
+                  <a:srgbClr val="FFFFFF"/>
+                </a:highlight>
+                <a:latin typeface="Cascadia Mono" panose="020B0609020000020004" pitchFamily="49" charset="0"/>
+              </a:rPr>
+              <a:t>), </a:t>
+            </a:r>
+            <a:r>
+              <a:rPr lang="en-GB" sz="1100" dirty="0" err="1">
+                <a:solidFill>
+                  <a:srgbClr val="0000FF"/>
+                </a:solidFill>
+                <a:highlight>
+                  <a:srgbClr val="FFFFFF"/>
+                </a:highlight>
+                <a:latin typeface="Cascadia Mono" panose="020B0609020000020004" pitchFamily="49" charset="0"/>
+              </a:rPr>
+              <a:t>typeof</a:t>
+            </a:r>
+            <a:r>
+              <a:rPr lang="en-GB" sz="1100" dirty="0">
+                <a:solidFill>
+                  <a:srgbClr val="000000"/>
+                </a:solidFill>
+                <a:highlight>
+                  <a:srgbClr val="FFFFFF"/>
+                </a:highlight>
+                <a:latin typeface="Cascadia Mono" panose="020B0609020000020004" pitchFamily="49" charset="0"/>
+              </a:rPr>
+              <a:t>(</a:t>
+            </a:r>
+            <a:r>
+              <a:rPr lang="en-GB" sz="1100" dirty="0" err="1">
+                <a:solidFill>
+                  <a:srgbClr val="2B91AF"/>
+                </a:solidFill>
+                <a:highlight>
+                  <a:srgbClr val="FFFFFF"/>
+                </a:highlight>
+                <a:latin typeface="Cascadia Mono" panose="020B0609020000020004" pitchFamily="49" charset="0"/>
+              </a:rPr>
+              <a:t>ContactControl</a:t>
+            </a:r>
+            <a:r>
+              <a:rPr lang="en-GB" sz="1100" dirty="0">
+                <a:solidFill>
+                  <a:srgbClr val="000000"/>
+                </a:solidFill>
+                <a:highlight>
+                  <a:srgbClr val="FFFFFF"/>
+                </a:highlight>
+                <a:latin typeface="Cascadia Mono" panose="020B0609020000020004" pitchFamily="49" charset="0"/>
+              </a:rPr>
+              <a:t>), </a:t>
+            </a:r>
+            <a:r>
+              <a:rPr lang="en-GB" sz="1100" dirty="0">
+                <a:solidFill>
+                  <a:srgbClr val="0000FF"/>
+                </a:solidFill>
+                <a:highlight>
+                  <a:srgbClr val="FFFFFF"/>
+                </a:highlight>
+                <a:latin typeface="Cascadia Mono" panose="020B0609020000020004" pitchFamily="49" charset="0"/>
+              </a:rPr>
+              <a:t>new</a:t>
+            </a:r>
+            <a:r>
+              <a:rPr lang="en-GB" sz="1100" dirty="0">
+                <a:solidFill>
+                  <a:srgbClr val="000000"/>
+                </a:solidFill>
+                <a:highlight>
+                  <a:srgbClr val="FFFFFF"/>
+                </a:highlight>
+                <a:latin typeface="Cascadia Mono" panose="020B0609020000020004" pitchFamily="49" charset="0"/>
+              </a:rPr>
+              <a:t> </a:t>
+            </a:r>
+            <a:r>
+              <a:rPr lang="en-GB" sz="1100" dirty="0" err="1">
+                <a:solidFill>
+                  <a:srgbClr val="2B91AF"/>
+                </a:solidFill>
+                <a:highlight>
+                  <a:srgbClr val="FFFFFF"/>
+                </a:highlight>
+                <a:latin typeface="Cascadia Mono" panose="020B0609020000020004" pitchFamily="49" charset="0"/>
+              </a:rPr>
+              <a:t>PropertyMetadata</a:t>
+            </a:r>
+            <a:r>
+              <a:rPr lang="en-GB" sz="1100" dirty="0">
+                <a:solidFill>
+                  <a:srgbClr val="000000"/>
+                </a:solidFill>
+                <a:highlight>
+                  <a:srgbClr val="FFFFFF"/>
+                </a:highlight>
+                <a:latin typeface="Cascadia Mono" panose="020B0609020000020004" pitchFamily="49" charset="0"/>
+              </a:rPr>
+              <a:t>(0, </a:t>
+            </a:r>
+            <a:r>
+              <a:rPr lang="en-GB" sz="1100" dirty="0" err="1">
+                <a:solidFill>
+                  <a:srgbClr val="000000"/>
+                </a:solidFill>
+                <a:highlight>
+                  <a:srgbClr val="FFFFFF"/>
+                </a:highlight>
+                <a:latin typeface="Cascadia Mono" panose="020B0609020000020004" pitchFamily="49" charset="0"/>
+              </a:rPr>
+              <a:t>SetText</a:t>
+            </a:r>
+            <a:r>
+              <a:rPr lang="en-GB" sz="1100" dirty="0">
+                <a:solidFill>
+                  <a:srgbClr val="000000"/>
+                </a:solidFill>
+                <a:highlight>
+                  <a:srgbClr val="FFFFFF"/>
+                </a:highlight>
+                <a:latin typeface="Cascadia Mono" panose="020B0609020000020004" pitchFamily="49" charset="0"/>
+              </a:rPr>
+              <a:t>));</a:t>
+            </a:r>
+          </a:p>
+          <a:p>
+            <a:endParaRPr lang="en-GB" sz="1100" dirty="0">
+              <a:solidFill>
+                <a:srgbClr val="000000"/>
+              </a:solidFill>
+              <a:highlight>
+                <a:srgbClr val="FFFFFF"/>
+              </a:highlight>
+              <a:latin typeface="Cascadia Mono" panose="020B0609020000020004" pitchFamily="49" charset="0"/>
+            </a:endParaRPr>
+          </a:p>
+          <a:p>
+            <a:r>
+              <a:rPr lang="en-GB" sz="1100" dirty="0">
+                <a:solidFill>
+                  <a:srgbClr val="000000"/>
+                </a:solidFill>
+                <a:highlight>
+                  <a:srgbClr val="FFFFFF"/>
+                </a:highlight>
+                <a:latin typeface="Cascadia Mono" panose="020B0609020000020004" pitchFamily="49" charset="0"/>
+              </a:rPr>
+              <a:t>        </a:t>
+            </a:r>
+            <a:r>
+              <a:rPr lang="en-GB" sz="1100" dirty="0">
+                <a:solidFill>
+                  <a:srgbClr val="0000FF"/>
+                </a:solidFill>
+                <a:highlight>
+                  <a:srgbClr val="FFFFFF"/>
+                </a:highlight>
+                <a:latin typeface="Cascadia Mono" panose="020B0609020000020004" pitchFamily="49" charset="0"/>
+              </a:rPr>
+              <a:t>private</a:t>
+            </a:r>
+            <a:r>
+              <a:rPr lang="en-GB" sz="1100" dirty="0">
+                <a:solidFill>
+                  <a:srgbClr val="000000"/>
+                </a:solidFill>
+                <a:highlight>
+                  <a:srgbClr val="FFFFFF"/>
+                </a:highlight>
+                <a:latin typeface="Cascadia Mono" panose="020B0609020000020004" pitchFamily="49" charset="0"/>
+              </a:rPr>
+              <a:t> </a:t>
+            </a:r>
+            <a:r>
+              <a:rPr lang="en-GB" sz="1100" dirty="0">
+                <a:solidFill>
+                  <a:srgbClr val="0000FF"/>
+                </a:solidFill>
+                <a:highlight>
+                  <a:srgbClr val="FFFFFF"/>
+                </a:highlight>
+                <a:latin typeface="Cascadia Mono" panose="020B0609020000020004" pitchFamily="49" charset="0"/>
+              </a:rPr>
+              <a:t>static</a:t>
+            </a:r>
+            <a:r>
+              <a:rPr lang="en-GB" sz="1100" dirty="0">
+                <a:solidFill>
+                  <a:srgbClr val="000000"/>
+                </a:solidFill>
+                <a:highlight>
+                  <a:srgbClr val="FFFFFF"/>
+                </a:highlight>
+                <a:latin typeface="Cascadia Mono" panose="020B0609020000020004" pitchFamily="49" charset="0"/>
+              </a:rPr>
+              <a:t> </a:t>
+            </a:r>
+            <a:r>
+              <a:rPr lang="en-GB" sz="1100" dirty="0">
+                <a:solidFill>
+                  <a:srgbClr val="0000FF"/>
+                </a:solidFill>
+                <a:highlight>
+                  <a:srgbClr val="FFFFFF"/>
+                </a:highlight>
+                <a:latin typeface="Cascadia Mono" panose="020B0609020000020004" pitchFamily="49" charset="0"/>
+              </a:rPr>
+              <a:t>void</a:t>
+            </a:r>
+            <a:r>
+              <a:rPr lang="en-GB" sz="1100" dirty="0">
+                <a:solidFill>
+                  <a:srgbClr val="000000"/>
+                </a:solidFill>
+                <a:highlight>
+                  <a:srgbClr val="FFFFFF"/>
+                </a:highlight>
+                <a:latin typeface="Cascadia Mono" panose="020B0609020000020004" pitchFamily="49" charset="0"/>
+              </a:rPr>
+              <a:t> </a:t>
+            </a:r>
+            <a:r>
+              <a:rPr lang="en-GB" sz="1100" dirty="0" err="1">
+                <a:solidFill>
+                  <a:srgbClr val="000000"/>
+                </a:solidFill>
+                <a:highlight>
+                  <a:srgbClr val="FFFFFF"/>
+                </a:highlight>
+                <a:latin typeface="Cascadia Mono" panose="020B0609020000020004" pitchFamily="49" charset="0"/>
+              </a:rPr>
+              <a:t>SetText</a:t>
+            </a:r>
+            <a:r>
+              <a:rPr lang="en-GB" sz="1100" dirty="0">
+                <a:solidFill>
+                  <a:srgbClr val="000000"/>
+                </a:solidFill>
+                <a:highlight>
+                  <a:srgbClr val="FFFFFF"/>
+                </a:highlight>
+                <a:latin typeface="Cascadia Mono" panose="020B0609020000020004" pitchFamily="49" charset="0"/>
+              </a:rPr>
+              <a:t>(</a:t>
+            </a:r>
+            <a:r>
+              <a:rPr lang="en-GB" sz="1100" dirty="0" err="1">
+                <a:solidFill>
+                  <a:srgbClr val="2B91AF"/>
+                </a:solidFill>
+                <a:highlight>
+                  <a:srgbClr val="FFFFFF"/>
+                </a:highlight>
+                <a:latin typeface="Cascadia Mono" panose="020B0609020000020004" pitchFamily="49" charset="0"/>
+              </a:rPr>
+              <a:t>DependencyObject</a:t>
+            </a:r>
+            <a:r>
+              <a:rPr lang="en-GB" sz="1100" dirty="0">
+                <a:solidFill>
+                  <a:srgbClr val="000000"/>
+                </a:solidFill>
+                <a:highlight>
+                  <a:srgbClr val="FFFFFF"/>
+                </a:highlight>
+                <a:latin typeface="Cascadia Mono" panose="020B0609020000020004" pitchFamily="49" charset="0"/>
+              </a:rPr>
+              <a:t> d, </a:t>
+            </a:r>
+            <a:r>
+              <a:rPr lang="en-GB" sz="1100" dirty="0" err="1">
+                <a:solidFill>
+                  <a:srgbClr val="2B91AF"/>
+                </a:solidFill>
+                <a:highlight>
+                  <a:srgbClr val="FFFFFF"/>
+                </a:highlight>
+                <a:latin typeface="Cascadia Mono" panose="020B0609020000020004" pitchFamily="49" charset="0"/>
+              </a:rPr>
+              <a:t>DependencyPropertyChangedEventArgs</a:t>
+            </a:r>
+            <a:r>
+              <a:rPr lang="en-GB" sz="1100" dirty="0">
+                <a:solidFill>
+                  <a:srgbClr val="000000"/>
+                </a:solidFill>
+                <a:highlight>
+                  <a:srgbClr val="FFFFFF"/>
+                </a:highlight>
+                <a:latin typeface="Cascadia Mono" panose="020B0609020000020004" pitchFamily="49" charset="0"/>
+              </a:rPr>
+              <a:t> e)</a:t>
+            </a:r>
+          </a:p>
+          <a:p>
+            <a:r>
+              <a:rPr lang="en-GB" sz="1100" dirty="0">
+                <a:solidFill>
+                  <a:srgbClr val="000000"/>
+                </a:solidFill>
+                <a:highlight>
+                  <a:srgbClr val="FFFFFF"/>
+                </a:highlight>
+                <a:latin typeface="Cascadia Mono" panose="020B0609020000020004" pitchFamily="49" charset="0"/>
+              </a:rPr>
+              <a:t>        {</a:t>
+            </a:r>
+          </a:p>
+          <a:p>
+            <a:r>
+              <a:rPr lang="en-GB" sz="1100" dirty="0">
+                <a:solidFill>
+                  <a:srgbClr val="000000"/>
+                </a:solidFill>
+                <a:highlight>
+                  <a:srgbClr val="FFFFFF"/>
+                </a:highlight>
+                <a:latin typeface="Cascadia Mono" panose="020B0609020000020004" pitchFamily="49" charset="0"/>
+              </a:rPr>
+              <a:t>            </a:t>
+            </a:r>
+            <a:r>
+              <a:rPr lang="en-GB" sz="1100" dirty="0">
+                <a:solidFill>
+                  <a:srgbClr val="0000FF"/>
+                </a:solidFill>
+                <a:highlight>
+                  <a:srgbClr val="FFFFFF"/>
+                </a:highlight>
+                <a:latin typeface="Cascadia Mono" panose="020B0609020000020004" pitchFamily="49" charset="0"/>
+              </a:rPr>
+              <a:t>throw</a:t>
+            </a:r>
+            <a:r>
+              <a:rPr lang="en-GB" sz="1100" dirty="0">
+                <a:solidFill>
+                  <a:srgbClr val="000000"/>
+                </a:solidFill>
+                <a:highlight>
+                  <a:srgbClr val="FFFFFF"/>
+                </a:highlight>
+                <a:latin typeface="Cascadia Mono" panose="020B0609020000020004" pitchFamily="49" charset="0"/>
+              </a:rPr>
+              <a:t> </a:t>
+            </a:r>
+            <a:r>
+              <a:rPr lang="en-GB" sz="1100" dirty="0">
+                <a:solidFill>
+                  <a:srgbClr val="0000FF"/>
+                </a:solidFill>
+                <a:highlight>
+                  <a:srgbClr val="FFFFFF"/>
+                </a:highlight>
+                <a:latin typeface="Cascadia Mono" panose="020B0609020000020004" pitchFamily="49" charset="0"/>
+              </a:rPr>
+              <a:t>new</a:t>
+            </a:r>
+            <a:r>
+              <a:rPr lang="en-GB" sz="1100" dirty="0">
+                <a:solidFill>
+                  <a:srgbClr val="000000"/>
+                </a:solidFill>
+                <a:highlight>
+                  <a:srgbClr val="FFFFFF"/>
+                </a:highlight>
+                <a:latin typeface="Cascadia Mono" panose="020B0609020000020004" pitchFamily="49" charset="0"/>
+              </a:rPr>
+              <a:t> </a:t>
+            </a:r>
+            <a:r>
+              <a:rPr lang="en-GB" sz="1100" dirty="0" err="1">
+                <a:solidFill>
+                  <a:srgbClr val="2B91AF"/>
+                </a:solidFill>
+                <a:highlight>
+                  <a:srgbClr val="FFFFFF"/>
+                </a:highlight>
+                <a:latin typeface="Cascadia Mono" panose="020B0609020000020004" pitchFamily="49" charset="0"/>
+              </a:rPr>
+              <a:t>NotImplementedException</a:t>
+            </a:r>
+            <a:r>
+              <a:rPr lang="en-GB" sz="1100" dirty="0">
+                <a:solidFill>
+                  <a:srgbClr val="000000"/>
+                </a:solidFill>
+                <a:highlight>
+                  <a:srgbClr val="FFFFFF"/>
+                </a:highlight>
+                <a:latin typeface="Cascadia Mono" panose="020B0609020000020004" pitchFamily="49" charset="0"/>
+              </a:rPr>
+              <a:t>();</a:t>
+            </a:r>
+          </a:p>
+          <a:p>
+            <a:r>
+              <a:rPr lang="en-GB" sz="1100" dirty="0">
+                <a:solidFill>
+                  <a:srgbClr val="000000"/>
+                </a:solidFill>
+                <a:highlight>
+                  <a:srgbClr val="FFFFFF"/>
+                </a:highlight>
+                <a:latin typeface="Cascadia Mono" panose="020B0609020000020004" pitchFamily="49" charset="0"/>
+              </a:rPr>
+              <a:t>        }</a:t>
+            </a:r>
+            <a:endParaRPr lang="en-GB" sz="1100" dirty="0"/>
+          </a:p>
+        </p:txBody>
+      </p:sp>
     </p:spTree>
     <p:extLst>
       <p:ext uri="{BB962C8B-B14F-4D97-AF65-F5344CB8AC3E}">
@@ -6165,6 +13740,1509 @@
           <a:chExt cx="0" cy="0"/>
         </a:xfrm>
       </p:grpSpPr>
+      <p:sp>
+        <p:nvSpPr>
+          <p:cNvPr id="3" name="TextBox 2">
+            <a:extLst>
+              <a:ext uri="{FF2B5EF4-FFF2-40B4-BE49-F238E27FC236}">
+                <a16:creationId xmlns:a16="http://schemas.microsoft.com/office/drawing/2014/main" id="{0E81CD4D-600D-3ED0-3966-1B2252236D69}"/>
+              </a:ext>
+            </a:extLst>
+          </p:cNvPr>
+          <p:cNvSpPr txBox="1"/>
+          <p:nvPr/>
+        </p:nvSpPr>
+        <p:spPr>
+          <a:xfrm>
+            <a:off x="373381" y="2949297"/>
+            <a:ext cx="11818619" cy="2462213"/>
+          </a:xfrm>
+          <a:prstGeom prst="rect">
+            <a:avLst/>
+          </a:prstGeom>
+          <a:noFill/>
+        </p:spPr>
+        <p:txBody>
+          <a:bodyPr wrap="square">
+            <a:spAutoFit/>
+          </a:bodyPr>
+          <a:lstStyle/>
+          <a:p>
+            <a:r>
+              <a:rPr lang="en-GB" sz="1100" dirty="0">
+                <a:solidFill>
+                  <a:srgbClr val="000000"/>
+                </a:solidFill>
+                <a:highlight>
+                  <a:srgbClr val="FFFFFF"/>
+                </a:highlight>
+                <a:latin typeface="Cascadia Mono" panose="020B0609020000020004" pitchFamily="49" charset="0"/>
+              </a:rPr>
+              <a:t> </a:t>
+            </a:r>
+            <a:r>
+              <a:rPr lang="en-GB" sz="1100" dirty="0">
+                <a:solidFill>
+                  <a:srgbClr val="0000FF"/>
+                </a:solidFill>
+                <a:highlight>
+                  <a:srgbClr val="FFFFFF"/>
+                </a:highlight>
+                <a:latin typeface="Cascadia Mono" panose="020B0609020000020004" pitchFamily="49" charset="0"/>
+              </a:rPr>
+              <a:t>public</a:t>
+            </a:r>
+            <a:r>
+              <a:rPr lang="en-GB" sz="1100" dirty="0">
+                <a:solidFill>
+                  <a:srgbClr val="000000"/>
+                </a:solidFill>
+                <a:highlight>
+                  <a:srgbClr val="FFFFFF"/>
+                </a:highlight>
+                <a:latin typeface="Cascadia Mono" panose="020B0609020000020004" pitchFamily="49" charset="0"/>
+              </a:rPr>
+              <a:t> </a:t>
+            </a:r>
+            <a:r>
+              <a:rPr lang="en-GB" sz="1100" dirty="0">
+                <a:solidFill>
+                  <a:srgbClr val="0000FF"/>
+                </a:solidFill>
+                <a:highlight>
+                  <a:srgbClr val="FFFFFF"/>
+                </a:highlight>
+                <a:latin typeface="Cascadia Mono" panose="020B0609020000020004" pitchFamily="49" charset="0"/>
+              </a:rPr>
+              <a:t>static</a:t>
+            </a:r>
+            <a:r>
+              <a:rPr lang="en-GB" sz="1100" dirty="0">
+                <a:solidFill>
+                  <a:srgbClr val="000000"/>
+                </a:solidFill>
+                <a:highlight>
+                  <a:srgbClr val="FFFFFF"/>
+                </a:highlight>
+                <a:latin typeface="Cascadia Mono" panose="020B0609020000020004" pitchFamily="49" charset="0"/>
+              </a:rPr>
+              <a:t> </a:t>
+            </a:r>
+            <a:r>
+              <a:rPr lang="en-GB" sz="1100" dirty="0" err="1">
+                <a:solidFill>
+                  <a:srgbClr val="0000FF"/>
+                </a:solidFill>
+                <a:highlight>
+                  <a:srgbClr val="FFFFFF"/>
+                </a:highlight>
+                <a:latin typeface="Cascadia Mono" panose="020B0609020000020004" pitchFamily="49" charset="0"/>
+              </a:rPr>
+              <a:t>readonly</a:t>
+            </a:r>
+            <a:r>
+              <a:rPr lang="en-GB" sz="1100" dirty="0">
+                <a:solidFill>
+                  <a:srgbClr val="000000"/>
+                </a:solidFill>
+                <a:highlight>
+                  <a:srgbClr val="FFFFFF"/>
+                </a:highlight>
+                <a:latin typeface="Cascadia Mono" panose="020B0609020000020004" pitchFamily="49" charset="0"/>
+              </a:rPr>
+              <a:t> </a:t>
+            </a:r>
+            <a:r>
+              <a:rPr lang="en-GB" sz="1100" dirty="0" err="1">
+                <a:solidFill>
+                  <a:srgbClr val="2B91AF"/>
+                </a:solidFill>
+                <a:highlight>
+                  <a:srgbClr val="FFFFFF"/>
+                </a:highlight>
+                <a:latin typeface="Cascadia Mono" panose="020B0609020000020004" pitchFamily="49" charset="0"/>
+              </a:rPr>
+              <a:t>DependencyProperty</a:t>
+            </a:r>
+            <a:r>
+              <a:rPr lang="en-GB" sz="1100" dirty="0">
+                <a:solidFill>
+                  <a:srgbClr val="000000"/>
+                </a:solidFill>
+                <a:highlight>
+                  <a:srgbClr val="FFFFFF"/>
+                </a:highlight>
+                <a:latin typeface="Cascadia Mono" panose="020B0609020000020004" pitchFamily="49" charset="0"/>
+              </a:rPr>
+              <a:t> </a:t>
+            </a:r>
+            <a:r>
+              <a:rPr lang="en-GB" sz="1100" dirty="0" err="1">
+                <a:solidFill>
+                  <a:srgbClr val="000000"/>
+                </a:solidFill>
+                <a:highlight>
+                  <a:srgbClr val="FFFFFF"/>
+                </a:highlight>
+                <a:latin typeface="Cascadia Mono" panose="020B0609020000020004" pitchFamily="49" charset="0"/>
+              </a:rPr>
+              <a:t>ContactProperty</a:t>
+            </a:r>
+            <a:r>
+              <a:rPr lang="en-GB" sz="1100" dirty="0">
+                <a:solidFill>
+                  <a:srgbClr val="000000"/>
+                </a:solidFill>
+                <a:highlight>
+                  <a:srgbClr val="FFFFFF"/>
+                </a:highlight>
+                <a:latin typeface="Cascadia Mono" panose="020B0609020000020004" pitchFamily="49" charset="0"/>
+              </a:rPr>
+              <a:t> =</a:t>
+            </a:r>
+          </a:p>
+          <a:p>
+            <a:r>
+              <a:rPr lang="en-GB" sz="1100" dirty="0">
+                <a:solidFill>
+                  <a:srgbClr val="000000"/>
+                </a:solidFill>
+                <a:highlight>
+                  <a:srgbClr val="FFFFFF"/>
+                </a:highlight>
+                <a:latin typeface="Cascadia Mono" panose="020B0609020000020004" pitchFamily="49" charset="0"/>
+              </a:rPr>
+              <a:t>            </a:t>
+            </a:r>
+            <a:r>
+              <a:rPr lang="en-GB" sz="1100" dirty="0" err="1">
+                <a:solidFill>
+                  <a:srgbClr val="2B91AF"/>
+                </a:solidFill>
+                <a:highlight>
+                  <a:srgbClr val="FFFFFF"/>
+                </a:highlight>
+                <a:latin typeface="Cascadia Mono" panose="020B0609020000020004" pitchFamily="49" charset="0"/>
+              </a:rPr>
+              <a:t>DependencyProperty</a:t>
+            </a:r>
+            <a:r>
+              <a:rPr lang="en-GB" sz="1100" dirty="0" err="1">
+                <a:solidFill>
+                  <a:srgbClr val="000000"/>
+                </a:solidFill>
+                <a:highlight>
+                  <a:srgbClr val="FFFFFF"/>
+                </a:highlight>
+                <a:latin typeface="Cascadia Mono" panose="020B0609020000020004" pitchFamily="49" charset="0"/>
+              </a:rPr>
+              <a:t>.Register</a:t>
+            </a:r>
+            <a:r>
+              <a:rPr lang="en-GB" sz="1100" dirty="0">
+                <a:solidFill>
+                  <a:srgbClr val="000000"/>
+                </a:solidFill>
+                <a:highlight>
+                  <a:srgbClr val="FFFFFF"/>
+                </a:highlight>
+                <a:latin typeface="Cascadia Mono" panose="020B0609020000020004" pitchFamily="49" charset="0"/>
+              </a:rPr>
+              <a:t>(</a:t>
+            </a:r>
+            <a:r>
+              <a:rPr lang="en-GB" sz="1100" dirty="0">
+                <a:solidFill>
+                  <a:srgbClr val="A31515"/>
+                </a:solidFill>
+                <a:highlight>
+                  <a:srgbClr val="FFFFFF"/>
+                </a:highlight>
+                <a:latin typeface="Cascadia Mono" panose="020B0609020000020004" pitchFamily="49" charset="0"/>
+              </a:rPr>
+              <a:t>"Contact"</a:t>
+            </a:r>
+            <a:r>
+              <a:rPr lang="en-GB" sz="1100" dirty="0">
+                <a:solidFill>
+                  <a:srgbClr val="000000"/>
+                </a:solidFill>
+                <a:highlight>
+                  <a:srgbClr val="FFFFFF"/>
+                </a:highlight>
+                <a:latin typeface="Cascadia Mono" panose="020B0609020000020004" pitchFamily="49" charset="0"/>
+              </a:rPr>
+              <a:t>, </a:t>
+            </a:r>
+            <a:r>
+              <a:rPr lang="en-GB" sz="1100" dirty="0" err="1">
+                <a:solidFill>
+                  <a:srgbClr val="0000FF"/>
+                </a:solidFill>
+                <a:highlight>
+                  <a:srgbClr val="FFFFFF"/>
+                </a:highlight>
+                <a:latin typeface="Cascadia Mono" panose="020B0609020000020004" pitchFamily="49" charset="0"/>
+              </a:rPr>
+              <a:t>typeof</a:t>
+            </a:r>
+            <a:r>
+              <a:rPr lang="en-GB" sz="1100" dirty="0">
+                <a:solidFill>
+                  <a:srgbClr val="000000"/>
+                </a:solidFill>
+                <a:highlight>
+                  <a:srgbClr val="FFFFFF"/>
+                </a:highlight>
+                <a:latin typeface="Cascadia Mono" panose="020B0609020000020004" pitchFamily="49" charset="0"/>
+              </a:rPr>
+              <a:t>(</a:t>
+            </a:r>
+            <a:r>
+              <a:rPr lang="en-GB" sz="1100" dirty="0">
+                <a:solidFill>
+                  <a:srgbClr val="2B91AF"/>
+                </a:solidFill>
+                <a:highlight>
+                  <a:srgbClr val="FFFFFF"/>
+                </a:highlight>
+                <a:latin typeface="Cascadia Mono" panose="020B0609020000020004" pitchFamily="49" charset="0"/>
+              </a:rPr>
+              <a:t>Contact</a:t>
+            </a:r>
+            <a:r>
+              <a:rPr lang="en-GB" sz="1100" dirty="0">
+                <a:solidFill>
+                  <a:srgbClr val="000000"/>
+                </a:solidFill>
+                <a:highlight>
+                  <a:srgbClr val="FFFFFF"/>
+                </a:highlight>
+                <a:latin typeface="Cascadia Mono" panose="020B0609020000020004" pitchFamily="49" charset="0"/>
+              </a:rPr>
+              <a:t>), </a:t>
+            </a:r>
+            <a:r>
+              <a:rPr lang="en-GB" sz="1100" dirty="0" err="1">
+                <a:solidFill>
+                  <a:srgbClr val="0000FF"/>
+                </a:solidFill>
+                <a:highlight>
+                  <a:srgbClr val="FFFFFF"/>
+                </a:highlight>
+                <a:latin typeface="Cascadia Mono" panose="020B0609020000020004" pitchFamily="49" charset="0"/>
+              </a:rPr>
+              <a:t>typeof</a:t>
+            </a:r>
+            <a:r>
+              <a:rPr lang="en-GB" sz="1100" dirty="0">
+                <a:solidFill>
+                  <a:srgbClr val="000000"/>
+                </a:solidFill>
+                <a:highlight>
+                  <a:srgbClr val="FFFFFF"/>
+                </a:highlight>
+                <a:latin typeface="Cascadia Mono" panose="020B0609020000020004" pitchFamily="49" charset="0"/>
+              </a:rPr>
+              <a:t>(</a:t>
+            </a:r>
+            <a:r>
+              <a:rPr lang="en-GB" sz="1100" dirty="0" err="1">
+                <a:solidFill>
+                  <a:srgbClr val="2B91AF"/>
+                </a:solidFill>
+                <a:highlight>
+                  <a:srgbClr val="FFFFFF"/>
+                </a:highlight>
+                <a:latin typeface="Cascadia Mono" panose="020B0609020000020004" pitchFamily="49" charset="0"/>
+              </a:rPr>
+              <a:t>ContactControl</a:t>
+            </a:r>
+            <a:r>
+              <a:rPr lang="en-GB" sz="1100" dirty="0">
+                <a:solidFill>
+                  <a:srgbClr val="000000"/>
+                </a:solidFill>
+                <a:highlight>
+                  <a:srgbClr val="FFFFFF"/>
+                </a:highlight>
+                <a:latin typeface="Cascadia Mono" panose="020B0609020000020004" pitchFamily="49" charset="0"/>
+              </a:rPr>
+              <a:t>), </a:t>
+            </a:r>
+            <a:r>
+              <a:rPr lang="en-GB" sz="1100" dirty="0">
+                <a:solidFill>
+                  <a:srgbClr val="0000FF"/>
+                </a:solidFill>
+                <a:highlight>
+                  <a:srgbClr val="FFFFFF"/>
+                </a:highlight>
+                <a:latin typeface="Cascadia Mono" panose="020B0609020000020004" pitchFamily="49" charset="0"/>
+              </a:rPr>
+              <a:t>new</a:t>
+            </a:r>
+            <a:r>
+              <a:rPr lang="en-GB" sz="1100" dirty="0">
+                <a:solidFill>
+                  <a:srgbClr val="000000"/>
+                </a:solidFill>
+                <a:highlight>
+                  <a:srgbClr val="FFFFFF"/>
+                </a:highlight>
+                <a:latin typeface="Cascadia Mono" panose="020B0609020000020004" pitchFamily="49" charset="0"/>
+              </a:rPr>
+              <a:t> </a:t>
+            </a:r>
+            <a:r>
+              <a:rPr lang="en-GB" sz="1100" dirty="0" err="1">
+                <a:solidFill>
+                  <a:srgbClr val="2B91AF"/>
+                </a:solidFill>
+                <a:highlight>
+                  <a:srgbClr val="FFFFFF"/>
+                </a:highlight>
+                <a:latin typeface="Cascadia Mono" panose="020B0609020000020004" pitchFamily="49" charset="0"/>
+              </a:rPr>
+              <a:t>PropertyMetadata</a:t>
+            </a:r>
+            <a:r>
+              <a:rPr lang="en-GB" sz="1100" dirty="0">
+                <a:solidFill>
+                  <a:srgbClr val="000000"/>
+                </a:solidFill>
+                <a:highlight>
+                  <a:srgbClr val="FFFFFF"/>
+                </a:highlight>
+                <a:latin typeface="Cascadia Mono" panose="020B0609020000020004" pitchFamily="49" charset="0"/>
+              </a:rPr>
+              <a:t>(</a:t>
+            </a:r>
+            <a:r>
+              <a:rPr lang="en-GB" sz="1100" dirty="0">
+                <a:solidFill>
+                  <a:srgbClr val="0000FF"/>
+                </a:solidFill>
+                <a:highlight>
+                  <a:srgbClr val="FFFF00"/>
+                </a:highlight>
+                <a:latin typeface="Cascadia Mono" panose="020B0609020000020004" pitchFamily="49" charset="0"/>
+              </a:rPr>
+              <a:t>new</a:t>
+            </a:r>
+            <a:r>
+              <a:rPr lang="en-GB" sz="1100" dirty="0">
+                <a:solidFill>
+                  <a:srgbClr val="000000"/>
+                </a:solidFill>
+                <a:highlight>
+                  <a:srgbClr val="FFFF00"/>
+                </a:highlight>
+                <a:latin typeface="Cascadia Mono" panose="020B0609020000020004" pitchFamily="49" charset="0"/>
+              </a:rPr>
+              <a:t> </a:t>
+            </a:r>
+            <a:r>
+              <a:rPr lang="en-GB" sz="1100" dirty="0">
+                <a:solidFill>
+                  <a:srgbClr val="2B91AF"/>
+                </a:solidFill>
+                <a:highlight>
+                  <a:srgbClr val="FFFF00"/>
+                </a:highlight>
+                <a:latin typeface="Cascadia Mono" panose="020B0609020000020004" pitchFamily="49" charset="0"/>
+              </a:rPr>
+              <a:t>Contact</a:t>
+            </a:r>
+            <a:r>
+              <a:rPr lang="en-GB" sz="1100" dirty="0">
+                <a:solidFill>
+                  <a:srgbClr val="000000"/>
+                </a:solidFill>
+                <a:highlight>
+                  <a:srgbClr val="FFFF00"/>
+                </a:highlight>
+                <a:latin typeface="Cascadia Mono" panose="020B0609020000020004" pitchFamily="49" charset="0"/>
+              </a:rPr>
+              <a:t>() {Name =</a:t>
+            </a:r>
+            <a:r>
+              <a:rPr lang="en-GB" sz="1100" dirty="0">
+                <a:solidFill>
+                  <a:srgbClr val="A31515"/>
+                </a:solidFill>
+                <a:highlight>
+                  <a:srgbClr val="FFFF00"/>
+                </a:highlight>
+                <a:latin typeface="Cascadia Mono" panose="020B0609020000020004" pitchFamily="49" charset="0"/>
+              </a:rPr>
+              <a:t>"Name LastName"</a:t>
+            </a:r>
+            <a:r>
+              <a:rPr lang="en-GB" sz="1100" dirty="0">
+                <a:solidFill>
+                  <a:srgbClr val="000000"/>
+                </a:solidFill>
+                <a:highlight>
+                  <a:srgbClr val="FFFF00"/>
+                </a:highlight>
+                <a:latin typeface="Cascadia Mono" panose="020B0609020000020004" pitchFamily="49" charset="0"/>
+              </a:rPr>
+              <a:t>, Email=</a:t>
+            </a:r>
+            <a:r>
+              <a:rPr lang="en-GB" sz="1100" dirty="0">
+                <a:solidFill>
+                  <a:srgbClr val="A31515"/>
+                </a:solidFill>
+                <a:highlight>
+                  <a:srgbClr val="FFFF00"/>
+                </a:highlight>
+                <a:latin typeface="Cascadia Mono" panose="020B0609020000020004" pitchFamily="49" charset="0"/>
+              </a:rPr>
+              <a:t>"email@domain.com"</a:t>
+            </a:r>
+            <a:r>
+              <a:rPr lang="en-GB" sz="1100" dirty="0">
+                <a:solidFill>
+                  <a:srgbClr val="000000"/>
+                </a:solidFill>
+                <a:highlight>
+                  <a:srgbClr val="FFFF00"/>
+                </a:highlight>
+                <a:latin typeface="Cascadia Mono" panose="020B0609020000020004" pitchFamily="49" charset="0"/>
+              </a:rPr>
+              <a:t>, Phone=</a:t>
+            </a:r>
+            <a:r>
+              <a:rPr lang="en-GB" sz="1100" dirty="0">
+                <a:solidFill>
+                  <a:srgbClr val="A31515"/>
+                </a:solidFill>
+                <a:highlight>
+                  <a:srgbClr val="FFFF00"/>
+                </a:highlight>
+                <a:latin typeface="Cascadia Mono" panose="020B0609020000020004" pitchFamily="49" charset="0"/>
+              </a:rPr>
+              <a:t>"(01234) 45678 902"</a:t>
+            </a:r>
+            <a:r>
+              <a:rPr lang="en-GB" sz="1100" dirty="0">
+                <a:solidFill>
+                  <a:srgbClr val="000000"/>
+                </a:solidFill>
+                <a:highlight>
+                  <a:srgbClr val="FFFF00"/>
+                </a:highlight>
+                <a:latin typeface="Cascadia Mono" panose="020B0609020000020004" pitchFamily="49" charset="0"/>
+              </a:rPr>
+              <a:t> }</a:t>
+            </a:r>
+            <a:r>
+              <a:rPr lang="en-GB" sz="1100" dirty="0">
+                <a:solidFill>
+                  <a:srgbClr val="000000"/>
+                </a:solidFill>
+                <a:highlight>
+                  <a:srgbClr val="FFFFFF"/>
+                </a:highlight>
+                <a:latin typeface="Cascadia Mono" panose="020B0609020000020004" pitchFamily="49" charset="0"/>
+              </a:rPr>
+              <a:t>, </a:t>
+            </a:r>
+            <a:r>
+              <a:rPr lang="en-GB" sz="1100" dirty="0" err="1">
+                <a:solidFill>
+                  <a:srgbClr val="000000"/>
+                </a:solidFill>
+                <a:highlight>
+                  <a:srgbClr val="00FF00"/>
+                </a:highlight>
+                <a:latin typeface="Cascadia Mono" panose="020B0609020000020004" pitchFamily="49" charset="0"/>
+              </a:rPr>
+              <a:t>SetText</a:t>
+            </a:r>
+            <a:r>
+              <a:rPr lang="en-GB" sz="1100" dirty="0">
+                <a:solidFill>
+                  <a:srgbClr val="000000"/>
+                </a:solidFill>
+                <a:highlight>
+                  <a:srgbClr val="FFFFFF"/>
+                </a:highlight>
+                <a:latin typeface="Cascadia Mono" panose="020B0609020000020004" pitchFamily="49" charset="0"/>
+              </a:rPr>
+              <a:t>));</a:t>
+            </a:r>
+          </a:p>
+          <a:p>
+            <a:endParaRPr lang="en-GB" sz="1100" dirty="0">
+              <a:solidFill>
+                <a:srgbClr val="000000"/>
+              </a:solidFill>
+              <a:highlight>
+                <a:srgbClr val="FFFFFF"/>
+              </a:highlight>
+              <a:latin typeface="Cascadia Mono" panose="020B0609020000020004" pitchFamily="49" charset="0"/>
+            </a:endParaRPr>
+          </a:p>
+          <a:p>
+            <a:r>
+              <a:rPr lang="en-GB" sz="1100" dirty="0">
+                <a:solidFill>
+                  <a:srgbClr val="000000"/>
+                </a:solidFill>
+                <a:highlight>
+                  <a:srgbClr val="FFFFFF"/>
+                </a:highlight>
+                <a:latin typeface="Cascadia Mono" panose="020B0609020000020004" pitchFamily="49" charset="0"/>
+              </a:rPr>
+              <a:t>        </a:t>
+            </a:r>
+            <a:r>
+              <a:rPr lang="en-GB" sz="1100" dirty="0">
+                <a:solidFill>
+                  <a:srgbClr val="0000FF"/>
+                </a:solidFill>
+                <a:highlight>
+                  <a:srgbClr val="FFFFFF"/>
+                </a:highlight>
+                <a:latin typeface="Cascadia Mono" panose="020B0609020000020004" pitchFamily="49" charset="0"/>
+              </a:rPr>
+              <a:t>private</a:t>
+            </a:r>
+            <a:r>
+              <a:rPr lang="en-GB" sz="1100" dirty="0">
+                <a:solidFill>
+                  <a:srgbClr val="000000"/>
+                </a:solidFill>
+                <a:highlight>
+                  <a:srgbClr val="FFFFFF"/>
+                </a:highlight>
+                <a:latin typeface="Cascadia Mono" panose="020B0609020000020004" pitchFamily="49" charset="0"/>
+              </a:rPr>
+              <a:t> </a:t>
+            </a:r>
+            <a:r>
+              <a:rPr lang="en-GB" sz="1100" dirty="0">
+                <a:solidFill>
+                  <a:srgbClr val="0000FF"/>
+                </a:solidFill>
+                <a:highlight>
+                  <a:srgbClr val="FFFFFF"/>
+                </a:highlight>
+                <a:latin typeface="Cascadia Mono" panose="020B0609020000020004" pitchFamily="49" charset="0"/>
+              </a:rPr>
+              <a:t>static</a:t>
+            </a:r>
+            <a:r>
+              <a:rPr lang="en-GB" sz="1100" dirty="0">
+                <a:solidFill>
+                  <a:srgbClr val="000000"/>
+                </a:solidFill>
+                <a:highlight>
+                  <a:srgbClr val="FFFFFF"/>
+                </a:highlight>
+                <a:latin typeface="Cascadia Mono" panose="020B0609020000020004" pitchFamily="49" charset="0"/>
+              </a:rPr>
+              <a:t> </a:t>
+            </a:r>
+            <a:r>
+              <a:rPr lang="en-GB" sz="1100" dirty="0">
+                <a:solidFill>
+                  <a:srgbClr val="0000FF"/>
+                </a:solidFill>
+                <a:highlight>
+                  <a:srgbClr val="FFFFFF"/>
+                </a:highlight>
+                <a:latin typeface="Cascadia Mono" panose="020B0609020000020004" pitchFamily="49" charset="0"/>
+              </a:rPr>
+              <a:t>void</a:t>
+            </a:r>
+            <a:r>
+              <a:rPr lang="en-GB" sz="1100" dirty="0">
+                <a:solidFill>
+                  <a:srgbClr val="000000"/>
+                </a:solidFill>
+                <a:highlight>
+                  <a:srgbClr val="FFFFFF"/>
+                </a:highlight>
+                <a:latin typeface="Cascadia Mono" panose="020B0609020000020004" pitchFamily="49" charset="0"/>
+              </a:rPr>
+              <a:t> </a:t>
+            </a:r>
+            <a:r>
+              <a:rPr lang="en-GB" sz="1100" dirty="0" err="1">
+                <a:solidFill>
+                  <a:srgbClr val="000000"/>
+                </a:solidFill>
+                <a:highlight>
+                  <a:srgbClr val="FFFFFF"/>
+                </a:highlight>
+                <a:latin typeface="Cascadia Mono" panose="020B0609020000020004" pitchFamily="49" charset="0"/>
+              </a:rPr>
+              <a:t>SetText</a:t>
+            </a:r>
+            <a:r>
+              <a:rPr lang="en-GB" sz="1100" dirty="0">
+                <a:solidFill>
+                  <a:srgbClr val="000000"/>
+                </a:solidFill>
+                <a:highlight>
+                  <a:srgbClr val="FFFFFF"/>
+                </a:highlight>
+                <a:latin typeface="Cascadia Mono" panose="020B0609020000020004" pitchFamily="49" charset="0"/>
+              </a:rPr>
+              <a:t>(</a:t>
+            </a:r>
+            <a:r>
+              <a:rPr lang="en-GB" sz="1100" dirty="0" err="1">
+                <a:solidFill>
+                  <a:srgbClr val="2B91AF"/>
+                </a:solidFill>
+                <a:highlight>
+                  <a:srgbClr val="00FFFF"/>
+                </a:highlight>
+                <a:latin typeface="Cascadia Mono" panose="020B0609020000020004" pitchFamily="49" charset="0"/>
+              </a:rPr>
+              <a:t>DependencyObject</a:t>
+            </a:r>
+            <a:r>
+              <a:rPr lang="en-GB" sz="1100" dirty="0">
+                <a:solidFill>
+                  <a:srgbClr val="000000"/>
+                </a:solidFill>
+                <a:highlight>
+                  <a:srgbClr val="00FFFF"/>
+                </a:highlight>
+                <a:latin typeface="Cascadia Mono" panose="020B0609020000020004" pitchFamily="49" charset="0"/>
+              </a:rPr>
+              <a:t> d</a:t>
+            </a:r>
+            <a:r>
+              <a:rPr lang="en-GB" sz="1100" dirty="0">
+                <a:solidFill>
+                  <a:srgbClr val="000000"/>
+                </a:solidFill>
+                <a:highlight>
+                  <a:srgbClr val="FFFFFF"/>
+                </a:highlight>
+                <a:latin typeface="Cascadia Mono" panose="020B0609020000020004" pitchFamily="49" charset="0"/>
+              </a:rPr>
+              <a:t>, </a:t>
+            </a:r>
+            <a:r>
+              <a:rPr lang="en-GB" sz="1100" dirty="0" err="1">
+                <a:solidFill>
+                  <a:srgbClr val="2B91AF"/>
+                </a:solidFill>
+                <a:highlight>
+                  <a:srgbClr val="FFFFFF"/>
+                </a:highlight>
+                <a:latin typeface="Cascadia Mono" panose="020B0609020000020004" pitchFamily="49" charset="0"/>
+              </a:rPr>
+              <a:t>DependencyPropertyChangedEventArgs</a:t>
+            </a:r>
+            <a:r>
+              <a:rPr lang="en-GB" sz="1100" dirty="0">
+                <a:solidFill>
+                  <a:srgbClr val="000000"/>
+                </a:solidFill>
+                <a:highlight>
+                  <a:srgbClr val="FFFFFF"/>
+                </a:highlight>
+                <a:latin typeface="Cascadia Mono" panose="020B0609020000020004" pitchFamily="49" charset="0"/>
+              </a:rPr>
+              <a:t> e)</a:t>
+            </a:r>
+          </a:p>
+          <a:p>
+            <a:r>
+              <a:rPr lang="en-GB" sz="1100" dirty="0">
+                <a:solidFill>
+                  <a:srgbClr val="000000"/>
+                </a:solidFill>
+                <a:highlight>
+                  <a:srgbClr val="FFFFFF"/>
+                </a:highlight>
+                <a:latin typeface="Cascadia Mono" panose="020B0609020000020004" pitchFamily="49" charset="0"/>
+              </a:rPr>
+              <a:t>        {</a:t>
+            </a:r>
+          </a:p>
+          <a:p>
+            <a:r>
+              <a:rPr lang="en-GB" sz="1100" dirty="0">
+                <a:solidFill>
+                  <a:srgbClr val="000000"/>
+                </a:solidFill>
+                <a:highlight>
+                  <a:srgbClr val="FFFFFF"/>
+                </a:highlight>
+                <a:latin typeface="Cascadia Mono" panose="020B0609020000020004" pitchFamily="49" charset="0"/>
+              </a:rPr>
+              <a:t>            </a:t>
+            </a:r>
+            <a:r>
+              <a:rPr lang="en-GB" sz="1100" dirty="0" err="1">
+                <a:solidFill>
+                  <a:srgbClr val="2B91AF"/>
+                </a:solidFill>
+                <a:highlight>
+                  <a:srgbClr val="FFFFFF"/>
+                </a:highlight>
+                <a:latin typeface="Cascadia Mono" panose="020B0609020000020004" pitchFamily="49" charset="0"/>
+              </a:rPr>
+              <a:t>ContactControl</a:t>
+            </a:r>
+            <a:r>
+              <a:rPr lang="en-GB" sz="1100" dirty="0">
+                <a:solidFill>
+                  <a:srgbClr val="000000"/>
+                </a:solidFill>
+                <a:highlight>
+                  <a:srgbClr val="FFFFFF"/>
+                </a:highlight>
+                <a:latin typeface="Cascadia Mono" panose="020B0609020000020004" pitchFamily="49" charset="0"/>
+              </a:rPr>
+              <a:t> control = (</a:t>
+            </a:r>
+            <a:r>
+              <a:rPr lang="en-GB" sz="1100" dirty="0" err="1">
+                <a:solidFill>
+                  <a:srgbClr val="2B91AF"/>
+                </a:solidFill>
+                <a:highlight>
+                  <a:srgbClr val="FFFFFF"/>
+                </a:highlight>
+                <a:latin typeface="Cascadia Mono" panose="020B0609020000020004" pitchFamily="49" charset="0"/>
+              </a:rPr>
+              <a:t>ContactControl</a:t>
+            </a:r>
+            <a:r>
+              <a:rPr lang="en-GB" sz="1100" dirty="0">
+                <a:solidFill>
+                  <a:srgbClr val="000000"/>
+                </a:solidFill>
+                <a:highlight>
+                  <a:srgbClr val="FFFFFF"/>
+                </a:highlight>
+                <a:latin typeface="Cascadia Mono" panose="020B0609020000020004" pitchFamily="49" charset="0"/>
+              </a:rPr>
+              <a:t>)d;</a:t>
+            </a:r>
+          </a:p>
+          <a:p>
+            <a:endParaRPr lang="en-GB" sz="1100" dirty="0">
+              <a:solidFill>
+                <a:srgbClr val="000000"/>
+              </a:solidFill>
+              <a:highlight>
+                <a:srgbClr val="FFFFFF"/>
+              </a:highlight>
+              <a:latin typeface="Cascadia Mono" panose="020B0609020000020004" pitchFamily="49" charset="0"/>
+            </a:endParaRPr>
+          </a:p>
+          <a:p>
+            <a:r>
+              <a:rPr lang="en-GB" sz="1100" dirty="0">
+                <a:solidFill>
+                  <a:srgbClr val="000000"/>
+                </a:solidFill>
+                <a:highlight>
+                  <a:srgbClr val="FFFFFF"/>
+                </a:highlight>
+                <a:latin typeface="Cascadia Mono" panose="020B0609020000020004" pitchFamily="49" charset="0"/>
+              </a:rPr>
+              <a:t>            </a:t>
+            </a:r>
+            <a:r>
+              <a:rPr lang="en-GB" sz="1100" dirty="0">
+                <a:solidFill>
+                  <a:srgbClr val="0000FF"/>
+                </a:solidFill>
+                <a:highlight>
+                  <a:srgbClr val="FFFFFF"/>
+                </a:highlight>
+                <a:latin typeface="Cascadia Mono" panose="020B0609020000020004" pitchFamily="49" charset="0"/>
+              </a:rPr>
+              <a:t>if</a:t>
+            </a:r>
+            <a:r>
+              <a:rPr lang="en-GB" sz="1100" dirty="0">
+                <a:solidFill>
+                  <a:srgbClr val="000000"/>
+                </a:solidFill>
+                <a:highlight>
+                  <a:srgbClr val="FFFFFF"/>
+                </a:highlight>
+                <a:latin typeface="Cascadia Mono" panose="020B0609020000020004" pitchFamily="49" charset="0"/>
+              </a:rPr>
+              <a:t> (control != </a:t>
+            </a:r>
+            <a:r>
+              <a:rPr lang="en-GB" sz="1100" dirty="0">
+                <a:solidFill>
+                  <a:srgbClr val="0000FF"/>
+                </a:solidFill>
+                <a:highlight>
+                  <a:srgbClr val="FFFFFF"/>
+                </a:highlight>
+                <a:latin typeface="Cascadia Mono" panose="020B0609020000020004" pitchFamily="49" charset="0"/>
+              </a:rPr>
+              <a:t>null</a:t>
+            </a:r>
+            <a:r>
+              <a:rPr lang="en-GB" sz="1100" dirty="0">
+                <a:solidFill>
+                  <a:srgbClr val="000000"/>
+                </a:solidFill>
+                <a:highlight>
+                  <a:srgbClr val="FFFFFF"/>
+                </a:highlight>
+                <a:latin typeface="Cascadia Mono" panose="020B0609020000020004" pitchFamily="49" charset="0"/>
+              </a:rPr>
+              <a:t>)</a:t>
+            </a:r>
+          </a:p>
+          <a:p>
+            <a:r>
+              <a:rPr lang="en-GB" sz="1100" dirty="0">
+                <a:solidFill>
+                  <a:srgbClr val="000000"/>
+                </a:solidFill>
+                <a:highlight>
+                  <a:srgbClr val="FFFFFF"/>
+                </a:highlight>
+                <a:latin typeface="Cascadia Mono" panose="020B0609020000020004" pitchFamily="49" charset="0"/>
+              </a:rPr>
+              <a:t>            {</a:t>
+            </a:r>
+          </a:p>
+          <a:p>
+            <a:r>
+              <a:rPr lang="en-GB" sz="1100" dirty="0">
+                <a:solidFill>
+                  <a:srgbClr val="000000"/>
+                </a:solidFill>
+                <a:highlight>
+                  <a:srgbClr val="FFFFFF"/>
+                </a:highlight>
+                <a:latin typeface="Cascadia Mono" panose="020B0609020000020004" pitchFamily="49" charset="0"/>
+              </a:rPr>
+              <a:t>                </a:t>
+            </a:r>
+            <a:r>
+              <a:rPr lang="en-GB" sz="1100" dirty="0" err="1">
+                <a:solidFill>
+                  <a:srgbClr val="000000"/>
+                </a:solidFill>
+                <a:highlight>
+                  <a:srgbClr val="FFFFFF"/>
+                </a:highlight>
+                <a:latin typeface="Cascadia Mono" panose="020B0609020000020004" pitchFamily="49" charset="0"/>
+              </a:rPr>
+              <a:t>control.nameTextBlock.Text</a:t>
+            </a:r>
+            <a:r>
+              <a:rPr lang="en-GB" sz="1100" dirty="0">
+                <a:solidFill>
+                  <a:srgbClr val="000000"/>
+                </a:solidFill>
+                <a:highlight>
+                  <a:srgbClr val="FFFFFF"/>
+                </a:highlight>
+                <a:latin typeface="Cascadia Mono" panose="020B0609020000020004" pitchFamily="49" charset="0"/>
+              </a:rPr>
+              <a:t> = (</a:t>
+            </a:r>
+            <a:r>
+              <a:rPr lang="en-GB" sz="1100" dirty="0" err="1">
+                <a:solidFill>
+                  <a:srgbClr val="000000"/>
+                </a:solidFill>
+                <a:highlight>
+                  <a:srgbClr val="FFFFFF"/>
+                </a:highlight>
+                <a:latin typeface="Cascadia Mono" panose="020B0609020000020004" pitchFamily="49" charset="0"/>
+              </a:rPr>
+              <a:t>e.NewValue</a:t>
+            </a:r>
+            <a:r>
+              <a:rPr lang="en-GB" sz="1100" dirty="0">
+                <a:solidFill>
+                  <a:srgbClr val="000000"/>
+                </a:solidFill>
+                <a:highlight>
+                  <a:srgbClr val="FFFFFF"/>
+                </a:highlight>
+                <a:latin typeface="Cascadia Mono" panose="020B0609020000020004" pitchFamily="49" charset="0"/>
+              </a:rPr>
+              <a:t> </a:t>
+            </a:r>
+            <a:r>
+              <a:rPr lang="en-GB" sz="1100" dirty="0">
+                <a:solidFill>
+                  <a:srgbClr val="0000FF"/>
+                </a:solidFill>
+                <a:highlight>
+                  <a:srgbClr val="FFFFFF"/>
+                </a:highlight>
+                <a:latin typeface="Cascadia Mono" panose="020B0609020000020004" pitchFamily="49" charset="0"/>
+              </a:rPr>
+              <a:t>as</a:t>
+            </a:r>
+            <a:r>
+              <a:rPr lang="en-GB" sz="1100" dirty="0">
+                <a:solidFill>
+                  <a:srgbClr val="000000"/>
+                </a:solidFill>
+                <a:highlight>
+                  <a:srgbClr val="FFFFFF"/>
+                </a:highlight>
+                <a:latin typeface="Cascadia Mono" panose="020B0609020000020004" pitchFamily="49" charset="0"/>
+              </a:rPr>
+              <a:t> </a:t>
+            </a:r>
+            <a:r>
+              <a:rPr lang="en-GB" sz="1100" dirty="0">
+                <a:solidFill>
+                  <a:srgbClr val="2B91AF"/>
+                </a:solidFill>
+                <a:highlight>
+                  <a:srgbClr val="FFFFFF"/>
+                </a:highlight>
+                <a:latin typeface="Cascadia Mono" panose="020B0609020000020004" pitchFamily="49" charset="0"/>
+              </a:rPr>
+              <a:t>Contact</a:t>
+            </a:r>
+            <a:r>
+              <a:rPr lang="en-GB" sz="1100" dirty="0">
+                <a:solidFill>
+                  <a:srgbClr val="000000"/>
+                </a:solidFill>
+                <a:highlight>
+                  <a:srgbClr val="FFFFFF"/>
+                </a:highlight>
+                <a:latin typeface="Cascadia Mono" panose="020B0609020000020004" pitchFamily="49" charset="0"/>
+              </a:rPr>
+              <a:t>).Name;</a:t>
+            </a:r>
+          </a:p>
+          <a:p>
+            <a:r>
+              <a:rPr lang="en-GB" sz="1100" dirty="0">
+                <a:solidFill>
+                  <a:srgbClr val="000000"/>
+                </a:solidFill>
+                <a:highlight>
+                  <a:srgbClr val="FFFFFF"/>
+                </a:highlight>
+                <a:latin typeface="Cascadia Mono" panose="020B0609020000020004" pitchFamily="49" charset="0"/>
+              </a:rPr>
+              <a:t>                </a:t>
+            </a:r>
+            <a:r>
+              <a:rPr lang="en-GB" sz="1100" dirty="0" err="1">
+                <a:solidFill>
+                  <a:srgbClr val="000000"/>
+                </a:solidFill>
+                <a:highlight>
+                  <a:srgbClr val="FFFFFF"/>
+                </a:highlight>
+                <a:latin typeface="Cascadia Mono" panose="020B0609020000020004" pitchFamily="49" charset="0"/>
+              </a:rPr>
+              <a:t>control.emailTextBlock.Text</a:t>
+            </a:r>
+            <a:r>
+              <a:rPr lang="en-GB" sz="1100" dirty="0">
+                <a:solidFill>
+                  <a:srgbClr val="000000"/>
+                </a:solidFill>
+                <a:highlight>
+                  <a:srgbClr val="FFFFFF"/>
+                </a:highlight>
+                <a:latin typeface="Cascadia Mono" panose="020B0609020000020004" pitchFamily="49" charset="0"/>
+              </a:rPr>
+              <a:t> = ((</a:t>
+            </a:r>
+            <a:r>
+              <a:rPr lang="en-GB" sz="1100" dirty="0">
+                <a:solidFill>
+                  <a:srgbClr val="2B91AF"/>
+                </a:solidFill>
+                <a:highlight>
+                  <a:srgbClr val="FFFFFF"/>
+                </a:highlight>
+                <a:latin typeface="Cascadia Mono" panose="020B0609020000020004" pitchFamily="49" charset="0"/>
+              </a:rPr>
+              <a:t>Contact</a:t>
+            </a:r>
+            <a:r>
+              <a:rPr lang="en-GB" sz="1100" dirty="0">
+                <a:solidFill>
+                  <a:srgbClr val="000000"/>
+                </a:solidFill>
+                <a:highlight>
+                  <a:srgbClr val="FFFFFF"/>
+                </a:highlight>
+                <a:latin typeface="Cascadia Mono" panose="020B0609020000020004" pitchFamily="49" charset="0"/>
+              </a:rPr>
+              <a:t>)</a:t>
+            </a:r>
+            <a:r>
+              <a:rPr lang="en-GB" sz="1100" dirty="0" err="1">
+                <a:solidFill>
+                  <a:srgbClr val="000000"/>
+                </a:solidFill>
+                <a:highlight>
+                  <a:srgbClr val="FFFFFF"/>
+                </a:highlight>
+                <a:latin typeface="Cascadia Mono" panose="020B0609020000020004" pitchFamily="49" charset="0"/>
+              </a:rPr>
+              <a:t>e.NewValue</a:t>
+            </a:r>
+            <a:r>
+              <a:rPr lang="en-GB" sz="1100" dirty="0">
+                <a:solidFill>
+                  <a:srgbClr val="000000"/>
+                </a:solidFill>
+                <a:highlight>
+                  <a:srgbClr val="FFFFFF"/>
+                </a:highlight>
+                <a:latin typeface="Cascadia Mono" panose="020B0609020000020004" pitchFamily="49" charset="0"/>
+              </a:rPr>
+              <a:t>).Email;</a:t>
+            </a:r>
+          </a:p>
+          <a:p>
+            <a:r>
+              <a:rPr lang="en-GB" sz="1100" dirty="0">
+                <a:solidFill>
+                  <a:srgbClr val="000000"/>
+                </a:solidFill>
+                <a:highlight>
+                  <a:srgbClr val="FFFFFF"/>
+                </a:highlight>
+                <a:latin typeface="Cascadia Mono" panose="020B0609020000020004" pitchFamily="49" charset="0"/>
+              </a:rPr>
+              <a:t>                </a:t>
+            </a:r>
+            <a:r>
+              <a:rPr lang="en-GB" sz="1100" dirty="0" err="1">
+                <a:solidFill>
+                  <a:srgbClr val="000000"/>
+                </a:solidFill>
+                <a:highlight>
+                  <a:srgbClr val="FFFFFF"/>
+                </a:highlight>
+                <a:latin typeface="Cascadia Mono" panose="020B0609020000020004" pitchFamily="49" charset="0"/>
+              </a:rPr>
+              <a:t>control.phoneTextBlock.Text</a:t>
+            </a:r>
+            <a:r>
+              <a:rPr lang="en-GB" sz="1100" dirty="0">
+                <a:solidFill>
+                  <a:srgbClr val="000000"/>
+                </a:solidFill>
+                <a:highlight>
+                  <a:srgbClr val="FFFFFF"/>
+                </a:highlight>
+                <a:latin typeface="Cascadia Mono" panose="020B0609020000020004" pitchFamily="49" charset="0"/>
+              </a:rPr>
+              <a:t> = ((</a:t>
+            </a:r>
+            <a:r>
+              <a:rPr lang="en-GB" sz="1100" dirty="0">
+                <a:solidFill>
+                  <a:srgbClr val="2B91AF"/>
+                </a:solidFill>
+                <a:highlight>
+                  <a:srgbClr val="FFFFFF"/>
+                </a:highlight>
+                <a:latin typeface="Cascadia Mono" panose="020B0609020000020004" pitchFamily="49" charset="0"/>
+              </a:rPr>
+              <a:t>Contact</a:t>
+            </a:r>
+            <a:r>
+              <a:rPr lang="en-GB" sz="1100" dirty="0">
+                <a:solidFill>
+                  <a:srgbClr val="000000"/>
+                </a:solidFill>
+                <a:highlight>
+                  <a:srgbClr val="FFFFFF"/>
+                </a:highlight>
+                <a:latin typeface="Cascadia Mono" panose="020B0609020000020004" pitchFamily="49" charset="0"/>
+              </a:rPr>
+              <a:t>)</a:t>
+            </a:r>
+            <a:r>
+              <a:rPr lang="en-GB" sz="1100" dirty="0" err="1">
+                <a:solidFill>
+                  <a:srgbClr val="000000"/>
+                </a:solidFill>
+                <a:highlight>
+                  <a:srgbClr val="FF00FF"/>
+                </a:highlight>
+                <a:latin typeface="Cascadia Mono" panose="020B0609020000020004" pitchFamily="49" charset="0"/>
+              </a:rPr>
+              <a:t>e.NewValue</a:t>
+            </a:r>
+            <a:r>
+              <a:rPr lang="en-GB" sz="1100" dirty="0">
+                <a:solidFill>
+                  <a:srgbClr val="000000"/>
+                </a:solidFill>
+                <a:highlight>
+                  <a:srgbClr val="FFFFFF"/>
+                </a:highlight>
+                <a:latin typeface="Cascadia Mono" panose="020B0609020000020004" pitchFamily="49" charset="0"/>
+              </a:rPr>
+              <a:t>).Phone;</a:t>
+            </a:r>
+          </a:p>
+          <a:p>
+            <a:r>
+              <a:rPr lang="en-GB" sz="1100" dirty="0">
+                <a:solidFill>
+                  <a:srgbClr val="000000"/>
+                </a:solidFill>
+                <a:highlight>
+                  <a:srgbClr val="FFFFFF"/>
+                </a:highlight>
+                <a:latin typeface="Cascadia Mono" panose="020B0609020000020004" pitchFamily="49" charset="0"/>
+              </a:rPr>
+              <a:t>            }</a:t>
+            </a:r>
+            <a:endParaRPr lang="en-GB" sz="1100" dirty="0"/>
+          </a:p>
+        </p:txBody>
+      </p:sp>
+      <p:cxnSp>
+        <p:nvCxnSpPr>
+          <p:cNvPr id="4" name="Straight Arrow Connector 3">
+            <a:extLst>
+              <a:ext uri="{FF2B5EF4-FFF2-40B4-BE49-F238E27FC236}">
+                <a16:creationId xmlns:a16="http://schemas.microsoft.com/office/drawing/2014/main" id="{C1844903-FADF-0E03-92BA-CFF5BA80A44D}"/>
+              </a:ext>
+            </a:extLst>
+          </p:cNvPr>
+          <p:cNvCxnSpPr>
+            <a:cxnSpLocks/>
+          </p:cNvCxnSpPr>
+          <p:nvPr/>
+        </p:nvCxnSpPr>
+        <p:spPr>
+          <a:xfrm>
+            <a:off x="9067242" y="2458566"/>
+            <a:ext cx="1448358" cy="673254"/>
+          </a:xfrm>
+          <a:prstGeom prst="straightConnector1">
+            <a:avLst/>
+          </a:prstGeom>
+          <a:ln>
+            <a:tailEnd type="triangle"/>
+          </a:ln>
+        </p:spPr>
+        <p:style>
+          <a:lnRef idx="2">
+            <a:schemeClr val="accent1"/>
+          </a:lnRef>
+          <a:fillRef idx="0">
+            <a:schemeClr val="accent1"/>
+          </a:fillRef>
+          <a:effectRef idx="1">
+            <a:schemeClr val="accent1"/>
+          </a:effectRef>
+          <a:fontRef idx="minor">
+            <a:schemeClr val="tx1"/>
+          </a:fontRef>
+        </p:style>
+      </p:cxnSp>
+      <p:sp>
+        <p:nvSpPr>
+          <p:cNvPr id="5" name="TextBox 4">
+            <a:extLst>
+              <a:ext uri="{FF2B5EF4-FFF2-40B4-BE49-F238E27FC236}">
+                <a16:creationId xmlns:a16="http://schemas.microsoft.com/office/drawing/2014/main" id="{79069790-64C1-A666-A1D2-79B6818C0D34}"/>
+              </a:ext>
+            </a:extLst>
+          </p:cNvPr>
+          <p:cNvSpPr txBox="1"/>
+          <p:nvPr/>
+        </p:nvSpPr>
+        <p:spPr>
+          <a:xfrm>
+            <a:off x="8176260" y="1734435"/>
+            <a:ext cx="2056460" cy="646331"/>
+          </a:xfrm>
+          <a:prstGeom prst="rect">
+            <a:avLst/>
+          </a:prstGeom>
+          <a:noFill/>
+        </p:spPr>
+        <p:txBody>
+          <a:bodyPr wrap="square" rtlCol="0">
+            <a:spAutoFit/>
+          </a:bodyPr>
+          <a:lstStyle/>
+          <a:p>
+            <a:r>
+              <a:rPr lang="en-GB" dirty="0"/>
+              <a:t>Set a default value to the old value</a:t>
+            </a:r>
+          </a:p>
+        </p:txBody>
+      </p:sp>
+      <p:cxnSp>
+        <p:nvCxnSpPr>
+          <p:cNvPr id="7" name="Straight Arrow Connector 6">
+            <a:extLst>
+              <a:ext uri="{FF2B5EF4-FFF2-40B4-BE49-F238E27FC236}">
+                <a16:creationId xmlns:a16="http://schemas.microsoft.com/office/drawing/2014/main" id="{D849AD30-6333-C210-D499-D919BAEADD92}"/>
+              </a:ext>
+            </a:extLst>
+          </p:cNvPr>
+          <p:cNvCxnSpPr>
+            <a:cxnSpLocks/>
+          </p:cNvCxnSpPr>
+          <p:nvPr/>
+        </p:nvCxnSpPr>
+        <p:spPr>
+          <a:xfrm flipH="1" flipV="1">
+            <a:off x="6537960" y="3429000"/>
+            <a:ext cx="2137410" cy="271351"/>
+          </a:xfrm>
+          <a:prstGeom prst="straightConnector1">
+            <a:avLst/>
+          </a:prstGeom>
+          <a:ln>
+            <a:tailEnd type="triangle"/>
+          </a:ln>
+        </p:spPr>
+        <p:style>
+          <a:lnRef idx="2">
+            <a:schemeClr val="accent1"/>
+          </a:lnRef>
+          <a:fillRef idx="0">
+            <a:schemeClr val="accent1"/>
+          </a:fillRef>
+          <a:effectRef idx="1">
+            <a:schemeClr val="accent1"/>
+          </a:effectRef>
+          <a:fontRef idx="minor">
+            <a:schemeClr val="tx1"/>
+          </a:fontRef>
+        </p:style>
+      </p:cxnSp>
+      <p:sp>
+        <p:nvSpPr>
+          <p:cNvPr id="8" name="TextBox 7">
+            <a:extLst>
+              <a:ext uri="{FF2B5EF4-FFF2-40B4-BE49-F238E27FC236}">
+                <a16:creationId xmlns:a16="http://schemas.microsoft.com/office/drawing/2014/main" id="{AF044650-353C-B0F9-33D7-4BD17C31FECA}"/>
+              </a:ext>
+            </a:extLst>
+          </p:cNvPr>
+          <p:cNvSpPr txBox="1"/>
+          <p:nvPr/>
+        </p:nvSpPr>
+        <p:spPr>
+          <a:xfrm>
+            <a:off x="8617559" y="3692248"/>
+            <a:ext cx="2056460" cy="923330"/>
+          </a:xfrm>
+          <a:prstGeom prst="rect">
+            <a:avLst/>
+          </a:prstGeom>
+          <a:noFill/>
+        </p:spPr>
+        <p:txBody>
+          <a:bodyPr wrap="square" rtlCol="0">
+            <a:spAutoFit/>
+          </a:bodyPr>
+          <a:lstStyle/>
+          <a:p>
+            <a:r>
+              <a:rPr lang="en-GB" dirty="0"/>
+              <a:t>Create a new method for </a:t>
+            </a:r>
+            <a:r>
+              <a:rPr lang="en-GB" dirty="0" err="1"/>
+              <a:t>ChangedValue</a:t>
+            </a:r>
+            <a:endParaRPr lang="en-GB" dirty="0"/>
+          </a:p>
+        </p:txBody>
+      </p:sp>
+      <p:cxnSp>
+        <p:nvCxnSpPr>
+          <p:cNvPr id="11" name="Straight Arrow Connector 10">
+            <a:extLst>
+              <a:ext uri="{FF2B5EF4-FFF2-40B4-BE49-F238E27FC236}">
+                <a16:creationId xmlns:a16="http://schemas.microsoft.com/office/drawing/2014/main" id="{D58984C6-C1E4-C6B3-9674-194986557FDE}"/>
+              </a:ext>
+            </a:extLst>
+          </p:cNvPr>
+          <p:cNvCxnSpPr>
+            <a:cxnSpLocks/>
+          </p:cNvCxnSpPr>
+          <p:nvPr/>
+        </p:nvCxnSpPr>
+        <p:spPr>
+          <a:xfrm flipH="1" flipV="1">
+            <a:off x="4885968" y="3886613"/>
+            <a:ext cx="2612112" cy="879697"/>
+          </a:xfrm>
+          <a:prstGeom prst="straightConnector1">
+            <a:avLst/>
+          </a:prstGeom>
+          <a:ln>
+            <a:tailEnd type="triangle"/>
+          </a:ln>
+        </p:spPr>
+        <p:style>
+          <a:lnRef idx="2">
+            <a:schemeClr val="accent1"/>
+          </a:lnRef>
+          <a:fillRef idx="0">
+            <a:schemeClr val="accent1"/>
+          </a:fillRef>
+          <a:effectRef idx="1">
+            <a:schemeClr val="accent1"/>
+          </a:effectRef>
+          <a:fontRef idx="minor">
+            <a:schemeClr val="tx1"/>
+          </a:fontRef>
+        </p:style>
+      </p:cxnSp>
+      <p:sp>
+        <p:nvSpPr>
+          <p:cNvPr id="13" name="TextBox 12">
+            <a:extLst>
+              <a:ext uri="{FF2B5EF4-FFF2-40B4-BE49-F238E27FC236}">
+                <a16:creationId xmlns:a16="http://schemas.microsoft.com/office/drawing/2014/main" id="{F8818270-2F32-6690-F54F-D166A2AC7A31}"/>
+              </a:ext>
+            </a:extLst>
+          </p:cNvPr>
+          <p:cNvSpPr txBox="1"/>
+          <p:nvPr/>
+        </p:nvSpPr>
+        <p:spPr>
+          <a:xfrm>
+            <a:off x="7521219" y="4649868"/>
+            <a:ext cx="2056460" cy="1200329"/>
+          </a:xfrm>
+          <a:prstGeom prst="rect">
+            <a:avLst/>
+          </a:prstGeom>
+          <a:noFill/>
+        </p:spPr>
+        <p:txBody>
+          <a:bodyPr wrap="square" rtlCol="0">
+            <a:spAutoFit/>
+          </a:bodyPr>
+          <a:lstStyle/>
+          <a:p>
+            <a:r>
+              <a:rPr lang="en-GB" dirty="0" err="1"/>
+              <a:t>DependencyObject</a:t>
+            </a:r>
+            <a:r>
+              <a:rPr lang="en-GB" dirty="0"/>
+              <a:t> is of type </a:t>
+            </a:r>
+            <a:r>
+              <a:rPr lang="en-GB" dirty="0" err="1"/>
+              <a:t>ContactControl</a:t>
+            </a:r>
+            <a:r>
+              <a:rPr lang="en-GB" dirty="0"/>
+              <a:t> - class</a:t>
+            </a:r>
+          </a:p>
+        </p:txBody>
+      </p:sp>
+      <p:cxnSp>
+        <p:nvCxnSpPr>
+          <p:cNvPr id="14" name="Straight Arrow Connector 13">
+            <a:extLst>
+              <a:ext uri="{FF2B5EF4-FFF2-40B4-BE49-F238E27FC236}">
+                <a16:creationId xmlns:a16="http://schemas.microsoft.com/office/drawing/2014/main" id="{C889C95F-F9A4-D641-6629-A3859EED83B8}"/>
+              </a:ext>
+            </a:extLst>
+          </p:cNvPr>
+          <p:cNvCxnSpPr>
+            <a:cxnSpLocks/>
+          </p:cNvCxnSpPr>
+          <p:nvPr/>
+        </p:nvCxnSpPr>
+        <p:spPr>
+          <a:xfrm flipH="1" flipV="1">
+            <a:off x="5449988" y="5334922"/>
+            <a:ext cx="1306056" cy="879697"/>
+          </a:xfrm>
+          <a:prstGeom prst="straightConnector1">
+            <a:avLst/>
+          </a:prstGeom>
+          <a:ln>
+            <a:tailEnd type="triangle"/>
+          </a:ln>
+        </p:spPr>
+        <p:style>
+          <a:lnRef idx="2">
+            <a:schemeClr val="accent1"/>
+          </a:lnRef>
+          <a:fillRef idx="0">
+            <a:schemeClr val="accent1"/>
+          </a:fillRef>
+          <a:effectRef idx="1">
+            <a:schemeClr val="accent1"/>
+          </a:effectRef>
+          <a:fontRef idx="minor">
+            <a:schemeClr val="tx1"/>
+          </a:fontRef>
+        </p:style>
+      </p:cxnSp>
+      <p:sp>
+        <p:nvSpPr>
+          <p:cNvPr id="15" name="TextBox 14">
+            <a:extLst>
+              <a:ext uri="{FF2B5EF4-FFF2-40B4-BE49-F238E27FC236}">
+                <a16:creationId xmlns:a16="http://schemas.microsoft.com/office/drawing/2014/main" id="{85D3AEF8-8DF1-C9A2-6E89-DDE4E2B84806}"/>
+              </a:ext>
+            </a:extLst>
+          </p:cNvPr>
+          <p:cNvSpPr txBox="1"/>
+          <p:nvPr/>
+        </p:nvSpPr>
+        <p:spPr>
+          <a:xfrm>
+            <a:off x="6778243" y="6139730"/>
+            <a:ext cx="2056460" cy="1200329"/>
+          </a:xfrm>
+          <a:prstGeom prst="rect">
+            <a:avLst/>
+          </a:prstGeom>
+          <a:noFill/>
+        </p:spPr>
+        <p:txBody>
+          <a:bodyPr wrap="square" rtlCol="0">
+            <a:spAutoFit/>
+          </a:bodyPr>
+          <a:lstStyle/>
+          <a:p>
+            <a:r>
+              <a:rPr lang="en-GB" dirty="0" err="1"/>
+              <a:t>DependencyProperty</a:t>
+            </a:r>
+            <a:r>
+              <a:rPr lang="en-GB" dirty="0"/>
+              <a:t> is the one we just created (type Contact.</a:t>
+            </a:r>
+          </a:p>
+        </p:txBody>
+      </p:sp>
     </p:spTree>
     <p:extLst>
       <p:ext uri="{BB962C8B-B14F-4D97-AF65-F5344CB8AC3E}">
@@ -6494,6 +15572,23 @@
 </file>
 
 <file path=customXml/item1.xml><?xml version="1.0" encoding="utf-8"?>
+<?mso-contentType ?>
+<FormTemplates xmlns="http://schemas.microsoft.com/sharepoint/v3/contenttype/forms">
+  <Display>DocumentLibraryForm</Display>
+  <Edit>DocumentLibraryForm</Edit>
+  <New>DocumentLibraryForm</New>
+</FormTemplates>
+</file>
+
+<file path=customXml/item2.xml><?xml version="1.0" encoding="utf-8"?>
+<p:properties xmlns:p="http://schemas.microsoft.com/office/2006/metadata/properties" xmlns:xsi="http://www.w3.org/2001/XMLSchema-instance" xmlns:pc="http://schemas.microsoft.com/office/infopath/2007/PartnerControls">
+  <documentManagement>
+    <_activity xmlns="f3157939-455d-4479-91a9-8df387f099fa" xsi:nil="true"/>
+  </documentManagement>
+</p:properties>
+</file>
+
+<file path=customXml/item3.xml><?xml version="1.0" encoding="utf-8"?>
 <ct:contentTypeSchema xmlns:ct="http://schemas.microsoft.com/office/2006/metadata/contentType" xmlns:ma="http://schemas.microsoft.com/office/2006/metadata/properties/metaAttributes" ct:_="" ma:_="" ma:contentTypeName="Document" ma:contentTypeID="0x0101009CE0C35BB21582489E2BF272C78FBD21" ma:contentTypeVersion="8" ma:contentTypeDescription="Create a new document." ma:contentTypeScope="" ma:versionID="2f8fee19db2b5ce549792d5d4f45135d">
   <xsd:schema xmlns:xsd="http://www.w3.org/2001/XMLSchema" xmlns:xs="http://www.w3.org/2001/XMLSchema" xmlns:p="http://schemas.microsoft.com/office/2006/metadata/properties" xmlns:ns3="f3157939-455d-4479-91a9-8df387f099fa" xmlns:ns4="86b2144c-258f-471b-91f2-5c4e762790fe" targetNamespace="http://schemas.microsoft.com/office/2006/metadata/properties" ma:root="true" ma:fieldsID="dbf4eb01c7ad265279ceafdb8d8e222e" ns3:_="" ns4:_="">
     <xsd:import namespace="f3157939-455d-4479-91a9-8df387f099fa"/>
@@ -6682,24 +15777,32 @@
 </ct:contentTypeSchema>
 </file>
 
-<file path=customXml/item2.xml><?xml version="1.0" encoding="utf-8"?>
-<?mso-contentType ?>
-<FormTemplates xmlns="http://schemas.microsoft.com/sharepoint/v3/contenttype/forms">
-  <Display>DocumentLibraryForm</Display>
-  <Edit>DocumentLibraryForm</Edit>
-  <New>DocumentLibraryForm</New>
-</FormTemplates>
+<file path=customXml/itemProps1.xml><?xml version="1.0" encoding="utf-8"?>
+<ds:datastoreItem xmlns:ds="http://schemas.openxmlformats.org/officeDocument/2006/customXml" ds:itemID="{EABB5FB0-12C3-420F-AAD4-175F54714E76}">
+  <ds:schemaRefs>
+    <ds:schemaRef ds:uri="http://schemas.microsoft.com/sharepoint/v3/contenttype/forms"/>
+  </ds:schemaRefs>
+</ds:datastoreItem>
 </file>
 
-<file path=customXml/item3.xml><?xml version="1.0" encoding="utf-8"?>
-<p:properties xmlns:p="http://schemas.microsoft.com/office/2006/metadata/properties" xmlns:xsi="http://www.w3.org/2001/XMLSchema-instance" xmlns:pc="http://schemas.microsoft.com/office/infopath/2007/PartnerControls">
-  <documentManagement>
-    <_activity xmlns="f3157939-455d-4479-91a9-8df387f099fa" xsi:nil="true"/>
-  </documentManagement>
-</p:properties>
+<file path=customXml/itemProps2.xml><?xml version="1.0" encoding="utf-8"?>
+<ds:datastoreItem xmlns:ds="http://schemas.openxmlformats.org/officeDocument/2006/customXml" ds:itemID="{46276021-B7E1-48EA-89DF-A55299892C45}">
+  <ds:schemaRefs>
+    <ds:schemaRef ds:uri="http://purl.org/dc/elements/1.1/"/>
+    <ds:schemaRef ds:uri="http://purl.org/dc/dcmitype/"/>
+    <ds:schemaRef ds:uri="http://www.w3.org/XML/1998/namespace"/>
+    <ds:schemaRef ds:uri="http://schemas.microsoft.com/office/2006/documentManagement/types"/>
+    <ds:schemaRef ds:uri="http://schemas.openxmlformats.org/package/2006/metadata/core-properties"/>
+    <ds:schemaRef ds:uri="86b2144c-258f-471b-91f2-5c4e762790fe"/>
+    <ds:schemaRef ds:uri="http://schemas.microsoft.com/office/infopath/2007/PartnerControls"/>
+    <ds:schemaRef ds:uri="f3157939-455d-4479-91a9-8df387f099fa"/>
+    <ds:schemaRef ds:uri="http://schemas.microsoft.com/office/2006/metadata/properties"/>
+    <ds:schemaRef ds:uri="http://purl.org/dc/terms/"/>
+  </ds:schemaRefs>
+</ds:datastoreItem>
 </file>
 
-<file path=customXml/itemProps1.xml><?xml version="1.0" encoding="utf-8"?>
+<file path=customXml/itemProps3.xml><?xml version="1.0" encoding="utf-8"?>
 <ds:datastoreItem xmlns:ds="http://schemas.openxmlformats.org/officeDocument/2006/customXml" ds:itemID="{F8FBDF9C-378E-4498-8F7E-E6572474EAAA}">
   <ds:schemaRefs>
     <ds:schemaRef ds:uri="http://schemas.microsoft.com/office/2006/metadata/contentType"/>
@@ -6716,29 +15819,4 @@
     <ds:schemaRef ds:uri="http://schemas.microsoft.com/internal/obd"/>
   </ds:schemaRefs>
 </ds:datastoreItem>
-</file>
-
-<file path=customXml/itemProps2.xml><?xml version="1.0" encoding="utf-8"?>
-<ds:datastoreItem xmlns:ds="http://schemas.openxmlformats.org/officeDocument/2006/customXml" ds:itemID="{EABB5FB0-12C3-420F-AAD4-175F54714E76}">
-  <ds:schemaRefs>
-    <ds:schemaRef ds:uri="http://schemas.microsoft.com/sharepoint/v3/contenttype/forms"/>
-  </ds:schemaRefs>
-</ds:datastoreItem>
-</file>
-
-<file path=customXml/itemProps3.xml><?xml version="1.0" encoding="utf-8"?>
-<ds:datastoreItem xmlns:ds="http://schemas.openxmlformats.org/officeDocument/2006/customXml" ds:itemID="{46276021-B7E1-48EA-89DF-A55299892C45}">
-  <ds:schemaRefs>
-    <ds:schemaRef ds:uri="http://purl.org/dc/elements/1.1/"/>
-    <ds:schemaRef ds:uri="http://purl.org/dc/dcmitype/"/>
-    <ds:schemaRef ds:uri="http://www.w3.org/XML/1998/namespace"/>
-    <ds:schemaRef ds:uri="http://schemas.microsoft.com/office/2006/documentManagement/types"/>
-    <ds:schemaRef ds:uri="http://schemas.openxmlformats.org/package/2006/metadata/core-properties"/>
-    <ds:schemaRef ds:uri="86b2144c-258f-471b-91f2-5c4e762790fe"/>
-    <ds:schemaRef ds:uri="http://schemas.microsoft.com/office/infopath/2007/PartnerControls"/>
-    <ds:schemaRef ds:uri="f3157939-455d-4479-91a9-8df387f099fa"/>
-    <ds:schemaRef ds:uri="http://schemas.microsoft.com/office/2006/metadata/properties"/>
-    <ds:schemaRef ds:uri="http://purl.org/dc/terms/"/>
-  </ds:schemaRefs>
-</ds:datastoreItem>
 </file>